--- a/05-Microsoft Azure/05-Microsoft Azure.pptx
+++ b/05-Microsoft Azure/05-Microsoft Azure.pptx
@@ -5,10 +5,10 @@
     <p:sldMasterId id="2147483660" r:id="rId1"/>
   </p:sldMasterIdLst>
   <p:notesMasterIdLst>
-    <p:notesMasterId r:id="rId63"/>
+    <p:notesMasterId r:id="rId71"/>
   </p:notesMasterIdLst>
   <p:handoutMasterIdLst>
-    <p:handoutMasterId r:id="rId64"/>
+    <p:handoutMasterId r:id="rId72"/>
   </p:handoutMasterIdLst>
   <p:sldIdLst>
     <p:sldId id="258" r:id="rId2"/>
@@ -34,44 +34,52 @@
     <p:sldId id="333" r:id="rId22"/>
     <p:sldId id="330" r:id="rId23"/>
     <p:sldId id="334" r:id="rId24"/>
-    <p:sldId id="352" r:id="rId25"/>
-    <p:sldId id="296" r:id="rId26"/>
-    <p:sldId id="294" r:id="rId27"/>
-    <p:sldId id="295" r:id="rId28"/>
-    <p:sldId id="298" r:id="rId29"/>
-    <p:sldId id="303" r:id="rId30"/>
-    <p:sldId id="309" r:id="rId31"/>
-    <p:sldId id="297" r:id="rId32"/>
-    <p:sldId id="299" r:id="rId33"/>
-    <p:sldId id="302" r:id="rId34"/>
-    <p:sldId id="300" r:id="rId35"/>
-    <p:sldId id="301" r:id="rId36"/>
-    <p:sldId id="293" r:id="rId37"/>
-    <p:sldId id="316" r:id="rId38"/>
-    <p:sldId id="317" r:id="rId39"/>
-    <p:sldId id="339" r:id="rId40"/>
-    <p:sldId id="267" r:id="rId41"/>
-    <p:sldId id="336" r:id="rId42"/>
-    <p:sldId id="327" r:id="rId43"/>
-    <p:sldId id="335" r:id="rId44"/>
-    <p:sldId id="337" r:id="rId45"/>
-    <p:sldId id="340" r:id="rId46"/>
-    <p:sldId id="341" r:id="rId47"/>
-    <p:sldId id="342" r:id="rId48"/>
-    <p:sldId id="343" r:id="rId49"/>
-    <p:sldId id="344" r:id="rId50"/>
-    <p:sldId id="345" r:id="rId51"/>
-    <p:sldId id="346" r:id="rId52"/>
-    <p:sldId id="347" r:id="rId53"/>
-    <p:sldId id="348" r:id="rId54"/>
-    <p:sldId id="349" r:id="rId55"/>
-    <p:sldId id="351" r:id="rId56"/>
-    <p:sldId id="350" r:id="rId57"/>
-    <p:sldId id="270" r:id="rId58"/>
-    <p:sldId id="271" r:id="rId59"/>
-    <p:sldId id="272" r:id="rId60"/>
-    <p:sldId id="273" r:id="rId61"/>
-    <p:sldId id="274" r:id="rId62"/>
+    <p:sldId id="353" r:id="rId25"/>
+    <p:sldId id="352" r:id="rId26"/>
+    <p:sldId id="296" r:id="rId27"/>
+    <p:sldId id="294" r:id="rId28"/>
+    <p:sldId id="295" r:id="rId29"/>
+    <p:sldId id="298" r:id="rId30"/>
+    <p:sldId id="303" r:id="rId31"/>
+    <p:sldId id="309" r:id="rId32"/>
+    <p:sldId id="297" r:id="rId33"/>
+    <p:sldId id="299" r:id="rId34"/>
+    <p:sldId id="302" r:id="rId35"/>
+    <p:sldId id="300" r:id="rId36"/>
+    <p:sldId id="301" r:id="rId37"/>
+    <p:sldId id="293" r:id="rId38"/>
+    <p:sldId id="316" r:id="rId39"/>
+    <p:sldId id="317" r:id="rId40"/>
+    <p:sldId id="339" r:id="rId41"/>
+    <p:sldId id="267" r:id="rId42"/>
+    <p:sldId id="336" r:id="rId43"/>
+    <p:sldId id="327" r:id="rId44"/>
+    <p:sldId id="335" r:id="rId45"/>
+    <p:sldId id="337" r:id="rId46"/>
+    <p:sldId id="340" r:id="rId47"/>
+    <p:sldId id="341" r:id="rId48"/>
+    <p:sldId id="342" r:id="rId49"/>
+    <p:sldId id="343" r:id="rId50"/>
+    <p:sldId id="344" r:id="rId51"/>
+    <p:sldId id="345" r:id="rId52"/>
+    <p:sldId id="346" r:id="rId53"/>
+    <p:sldId id="347" r:id="rId54"/>
+    <p:sldId id="348" r:id="rId55"/>
+    <p:sldId id="349" r:id="rId56"/>
+    <p:sldId id="362" r:id="rId57"/>
+    <p:sldId id="351" r:id="rId58"/>
+    <p:sldId id="354" r:id="rId59"/>
+    <p:sldId id="355" r:id="rId60"/>
+    <p:sldId id="358" r:id="rId61"/>
+    <p:sldId id="356" r:id="rId62"/>
+    <p:sldId id="359" r:id="rId63"/>
+    <p:sldId id="357" r:id="rId64"/>
+    <p:sldId id="360" r:id="rId65"/>
+    <p:sldId id="361" r:id="rId66"/>
+    <p:sldId id="271" r:id="rId67"/>
+    <p:sldId id="272" r:id="rId68"/>
+    <p:sldId id="273" r:id="rId69"/>
+    <p:sldId id="274" r:id="rId70"/>
   </p:sldIdLst>
   <p:sldSz cx="12192000" cy="6858000"/>
   <p:notesSz cx="6858000" cy="9144000"/>
@@ -172,7 +180,7 @@
   </p:defaultTextStyle>
   <p:extLst>
     <p:ext uri="{EFAFB233-063F-42B5-8137-9DF3F51BA10A}">
-      <p15:sldGuideLst xmlns:p15="http://schemas.microsoft.com/office/powerpoint/2012/main" xmlns=""/>
+      <p15:sldGuideLst xmlns="" xmlns:p15="http://schemas.microsoft.com/office/powerpoint/2012/main"/>
     </p:ext>
   </p:extLst>
 </p:presentation>
@@ -313,7 +321,7 @@
           <a:p>
             <a:fld id="{D9806D34-F8D8-8D4D-8772-570A834C5212}" type="datetimeFigureOut">
               <a:rPr kumimoji="1" lang="ja-JP" altLang="en-US" smtClean="0"/>
-              <a:t>2016/05/31</a:t>
+              <a:t>2016/06/02</a:t>
             </a:fld>
             <a:endParaRPr kumimoji="1" lang="ja-JP" altLang="en-US"/>
           </a:p>
@@ -478,7 +486,7 @@
           <a:p>
             <a:fld id="{649BB6F7-4926-0E40-8761-64150005536A}" type="datetimeFigureOut">
               <a:rPr kumimoji="1" lang="ja-JP" altLang="en-US" smtClean="0"/>
-              <a:t>2016/05/31</a:t>
+              <a:t>2016/06/02</a:t>
             </a:fld>
             <a:endParaRPr kumimoji="1" lang="ja-JP" altLang="en-US"/>
           </a:p>
@@ -1241,7 +1249,18 @@
             </a:r>
             <a:r>
               <a:rPr kumimoji="1" lang="ja-JP" altLang="en-US" dirty="0" smtClean="0"/>
-              <a:t>円で動かせれる部分がありそこを動かすためのアカウント作成という感じですね</a:t>
+              <a:t>円で動かせれる部分がありそこを動かすためのアカウント作成という感じです</a:t>
+            </a:r>
+            <a:r>
+              <a:rPr kumimoji="1" lang="ja-JP" altLang="en-US" dirty="0" smtClean="0"/>
+              <a:t>ね</a:t>
+            </a:r>
+            <a:endParaRPr kumimoji="1" lang="en-US" altLang="ja-JP" dirty="0" smtClean="0"/>
+          </a:p>
+          <a:p>
+            <a:r>
+              <a:rPr kumimoji="1" lang="ja-JP" altLang="en-US" smtClean="0"/>
+              <a:t>クレカ登録しないから請求とか来ないところが強み</a:t>
             </a:r>
             <a:endParaRPr kumimoji="1" lang="ja-JP" altLang="en-US" dirty="0"/>
           </a:p>
@@ -2334,42 +2353,69 @@
           <a:lstStyle/>
           <a:p>
             <a:r>
-              <a:rPr kumimoji="1" lang="ja-JP" altLang="en-US" dirty="0" smtClean="0"/>
-              <a:t>ミドルウェア</a:t>
-            </a:r>
-            <a:r>
               <a:rPr kumimoji="1" lang="en-US" altLang="ja-JP" dirty="0" smtClean="0"/>
-              <a:t>→</a:t>
-            </a:r>
-            <a:r>
-              <a:rPr kumimoji="1" lang="ja-JP" altLang="en-US" dirty="0" smtClean="0"/>
-              <a:t>データベース</a:t>
-            </a:r>
-            <a:r>
-              <a:rPr kumimoji="1" lang="en-US" altLang="ja-JP" dirty="0" smtClean="0"/>
-              <a:t>(MySQL</a:t>
-            </a:r>
-            <a:r>
-              <a:rPr kumimoji="1" lang="ja-JP" altLang="en-US" dirty="0" smtClean="0"/>
-              <a:t>等</a:t>
-            </a:r>
-            <a:r>
-              <a:rPr kumimoji="1" lang="en-US" altLang="ja-JP" dirty="0" smtClean="0"/>
+              <a:t>Azure</a:t>
+            </a:r>
+            <a:r>
+              <a:rPr kumimoji="1" lang="en-US" altLang="ja-JP" baseline="0" dirty="0" smtClean="0"/>
+              <a:t> cli(</a:t>
+            </a:r>
+            <a:r>
+              <a:rPr kumimoji="1" lang="ja-JP" altLang="en-US" baseline="0" dirty="0" smtClean="0"/>
+              <a:t>コマンドライン</a:t>
+            </a:r>
+            <a:r>
+              <a:rPr kumimoji="1" lang="en-US" altLang="ja-JP" baseline="0" dirty="0" smtClean="0"/>
               <a:t>)</a:t>
             </a:r>
             <a:r>
-              <a:rPr kumimoji="1" lang="ja-JP" altLang="en-US" dirty="0" smtClean="0"/>
-              <a:t>、アパッチ、</a:t>
-            </a:r>
-            <a:r>
-              <a:rPr kumimoji="1" lang="en-US" altLang="ja-JP" dirty="0" smtClean="0"/>
-              <a:t>tomcat</a:t>
-            </a:r>
-            <a:r>
-              <a:rPr kumimoji="1" lang="ja-JP" altLang="en-US" dirty="0" smtClean="0"/>
-              <a:t>などが最初から利用できるようになっている</a:t>
-            </a:r>
-            <a:endParaRPr kumimoji="1" lang="ja-JP" altLang="en-US" dirty="0"/>
+              <a:rPr kumimoji="1" lang="ja-JP" altLang="en-US" baseline="0" dirty="0" smtClean="0"/>
+              <a:t>は</a:t>
+            </a:r>
+            <a:r>
+              <a:rPr kumimoji="1" lang="en-US" altLang="ja-JP" baseline="0" dirty="0" smtClean="0"/>
+              <a:t>Node Packaged Modules</a:t>
+            </a:r>
+            <a:r>
+              <a:rPr kumimoji="1" lang="ja-JP" altLang="en-US" baseline="0" dirty="0" smtClean="0"/>
+              <a:t>で</a:t>
+            </a:r>
+            <a:r>
+              <a:rPr kumimoji="1" lang="en-US" altLang="ja-JP" baseline="0" dirty="0" smtClean="0"/>
+              <a:t>DL</a:t>
+            </a:r>
+            <a:r>
+              <a:rPr kumimoji="1" lang="ja-JP" altLang="en-US" baseline="0" dirty="0" smtClean="0"/>
+              <a:t>できるしサイトに</a:t>
+            </a:r>
+            <a:r>
+              <a:rPr kumimoji="1" lang="en-US" altLang="ja-JP" baseline="0" dirty="0" smtClean="0"/>
+              <a:t>OSX</a:t>
+            </a:r>
+            <a:r>
+              <a:rPr kumimoji="1" lang="ja-JP" altLang="en-US" baseline="0" dirty="0" smtClean="0"/>
+              <a:t>、</a:t>
+            </a:r>
+            <a:r>
+              <a:rPr kumimoji="1" lang="en-US" altLang="ja-JP" baseline="0" dirty="0" smtClean="0"/>
+              <a:t>Windows</a:t>
+            </a:r>
+            <a:r>
+              <a:rPr kumimoji="1" lang="ja-JP" altLang="en-US" baseline="0" dirty="0" smtClean="0"/>
+              <a:t>、</a:t>
+            </a:r>
+            <a:r>
+              <a:rPr kumimoji="1" lang="en-US" altLang="ja-JP" baseline="0" dirty="0" smtClean="0"/>
+              <a:t>Linux</a:t>
+            </a:r>
+            <a:r>
+              <a:rPr kumimoji="1" lang="ja-JP" altLang="en-US" baseline="0" dirty="0" smtClean="0"/>
+              <a:t>用のインストーラーもあります。</a:t>
+            </a:r>
+            <a:endParaRPr kumimoji="1" lang="en-US" altLang="ja-JP" baseline="0" dirty="0" smtClean="0"/>
+          </a:p>
+          <a:p>
+            <a:endParaRPr kumimoji="1" lang="en-US" altLang="ja-JP" baseline="0" dirty="0" smtClean="0"/>
           </a:p>
         </p:txBody>
       </p:sp>
@@ -2399,7 +2445,7 @@
     </p:spTree>
     <p:extLst>
       <p:ext uri="{BB962C8B-B14F-4D97-AF65-F5344CB8AC3E}">
-        <p14:creationId xmlns:p14="http://schemas.microsoft.com/office/powerpoint/2010/main" val="1127799416"/>
+        <p14:creationId xmlns:p14="http://schemas.microsoft.com/office/powerpoint/2010/main" val="1182788492"/>
       </p:ext>
     </p:extLst>
   </p:cSld>
@@ -2460,7 +2506,7 @@
           <a:p>
             <a:r>
               <a:rPr kumimoji="1" lang="ja-JP" altLang="en-US" dirty="0" smtClean="0"/>
-              <a:t>インスタンス</a:t>
+              <a:t>ミドルウェア</a:t>
             </a:r>
             <a:r>
               <a:rPr kumimoji="1" lang="en-US" altLang="ja-JP" dirty="0" smtClean="0"/>
@@ -2468,7 +2514,31 @@
             </a:r>
             <a:r>
               <a:rPr kumimoji="1" lang="ja-JP" altLang="en-US" dirty="0" smtClean="0"/>
-              <a:t>実体という意味</a:t>
+              <a:t>データベース</a:t>
+            </a:r>
+            <a:r>
+              <a:rPr kumimoji="1" lang="en-US" altLang="ja-JP" dirty="0" smtClean="0"/>
+              <a:t>(MySQL</a:t>
+            </a:r>
+            <a:r>
+              <a:rPr kumimoji="1" lang="ja-JP" altLang="en-US" dirty="0" smtClean="0"/>
+              <a:t>等</a:t>
+            </a:r>
+            <a:r>
+              <a:rPr kumimoji="1" lang="en-US" altLang="ja-JP" dirty="0" smtClean="0"/>
+              <a:t>)</a:t>
+            </a:r>
+            <a:r>
+              <a:rPr kumimoji="1" lang="ja-JP" altLang="en-US" dirty="0" smtClean="0"/>
+              <a:t>、アパッチ、</a:t>
+            </a:r>
+            <a:r>
+              <a:rPr kumimoji="1" lang="en-US" altLang="ja-JP" dirty="0" smtClean="0"/>
+              <a:t>tomcat</a:t>
+            </a:r>
+            <a:r>
+              <a:rPr kumimoji="1" lang="ja-JP" altLang="en-US" dirty="0" smtClean="0"/>
+              <a:t>などが最初から利用できるようになっている</a:t>
             </a:r>
             <a:endParaRPr kumimoji="1" lang="ja-JP" altLang="en-US" dirty="0"/>
           </a:p>
@@ -2491,7 +2561,7 @@
           <a:p>
             <a:fld id="{69B7F2FE-CD39-C646-8ADC-800D246F6438}" type="slidenum">
               <a:rPr kumimoji="1" lang="ja-JP" altLang="en-US" smtClean="0"/>
-              <a:t>27</a:t>
+              <a:t>25</a:t>
             </a:fld>
             <a:endParaRPr kumimoji="1" lang="ja-JP" altLang="en-US"/>
           </a:p>
@@ -2500,7 +2570,7 @@
     </p:spTree>
     <p:extLst>
       <p:ext uri="{BB962C8B-B14F-4D97-AF65-F5344CB8AC3E}">
-        <p14:creationId xmlns:p14="http://schemas.microsoft.com/office/powerpoint/2010/main" val="750670183"/>
+        <p14:creationId xmlns:p14="http://schemas.microsoft.com/office/powerpoint/2010/main" val="1127799416"/>
       </p:ext>
     </p:extLst>
   </p:cSld>
@@ -2560,92 +2630,17 @@
           <a:lstStyle/>
           <a:p>
             <a:r>
+              <a:rPr kumimoji="1" lang="ja-JP" altLang="en-US" dirty="0" smtClean="0"/>
+              <a:t>インスタンス</a:t>
+            </a:r>
+            <a:r>
               <a:rPr kumimoji="1" lang="en-US" altLang="ja-JP" dirty="0" smtClean="0"/>
-              <a:t>A</a:t>
+              <a:t>→</a:t>
             </a:r>
             <a:r>
               <a:rPr kumimoji="1" lang="ja-JP" altLang="en-US" dirty="0" smtClean="0"/>
-              <a:t>のみベーシックとスタンダード２つあること</a:t>
-            </a:r>
-            <a:endParaRPr kumimoji="1" lang="en-US" altLang="ja-JP" dirty="0" smtClean="0"/>
-          </a:p>
-          <a:p>
-            <a:r>
-              <a:rPr kumimoji="1" lang="ja-JP" altLang="en-US" dirty="0" smtClean="0"/>
-              <a:t>雰囲気としてはテスト用と本番用。テスト用はそれなりに機能が省かれている。そのため値段が安い。</a:t>
-            </a:r>
-            <a:endParaRPr kumimoji="1" lang="en-US" altLang="ja-JP" dirty="0" smtClean="0"/>
-          </a:p>
-          <a:p>
-            <a:r>
-              <a:rPr kumimoji="1" lang="ja-JP" altLang="en-US" dirty="0" smtClean="0"/>
-              <a:t>その他はすべてスタンダードプランになる。</a:t>
-            </a:r>
-            <a:endParaRPr kumimoji="1" lang="en-US" altLang="ja-JP" dirty="0" smtClean="0"/>
-          </a:p>
-          <a:p>
-            <a:r>
-              <a:rPr kumimoji="1" lang="ja-JP" altLang="en-US" dirty="0" smtClean="0"/>
-              <a:t>感覚としては</a:t>
-            </a:r>
-            <a:r>
-              <a:rPr kumimoji="1" lang="en-US" altLang="ja-JP" dirty="0" smtClean="0"/>
-              <a:t>A</a:t>
-            </a:r>
-            <a:r>
-              <a:rPr kumimoji="1" lang="ja-JP" altLang="en-US" dirty="0" smtClean="0"/>
-              <a:t>が基本的なプランディスクは</a:t>
-            </a:r>
-            <a:r>
-              <a:rPr kumimoji="1" lang="en-US" altLang="ja-JP" dirty="0" smtClean="0"/>
-              <a:t>HDD</a:t>
-            </a:r>
-            <a:r>
-              <a:rPr kumimoji="1" lang="ja-JP" altLang="en-US" dirty="0" smtClean="0"/>
-              <a:t>でコアが１コアでメモリが１ギガ無かったりするプランから８コアまであってメモリが５６ギガあったりするプランまである。</a:t>
-            </a:r>
-            <a:endParaRPr kumimoji="1" lang="en-US" altLang="ja-JP" dirty="0" smtClean="0"/>
-          </a:p>
-          <a:p>
-            <a:r>
-              <a:rPr kumimoji="1" lang="ja-JP" altLang="en-US" dirty="0" smtClean="0"/>
-              <a:t>逆に</a:t>
-            </a:r>
-            <a:r>
-              <a:rPr kumimoji="1" lang="en-US" altLang="ja-JP" dirty="0" smtClean="0"/>
-              <a:t>GS</a:t>
-            </a:r>
-            <a:r>
-              <a:rPr kumimoji="1" lang="ja-JP" altLang="en-US" dirty="0" smtClean="0"/>
-              <a:t>は和牛インスタンス友いわれ、料金がすさまじい。その代わりメモリ４４８</a:t>
-            </a:r>
-            <a:r>
-              <a:rPr kumimoji="1" lang="en-US" altLang="ja-JP" dirty="0" smtClean="0"/>
-              <a:t>GB</a:t>
-            </a:r>
-            <a:r>
-              <a:rPr kumimoji="1" lang="ja-JP" altLang="en-US" dirty="0" smtClean="0"/>
-              <a:t>積んでると言っても嘘にならない。決して</a:t>
-            </a:r>
-            <a:r>
-              <a:rPr kumimoji="1" lang="en-US" altLang="ja-JP" dirty="0" smtClean="0"/>
-              <a:t>SSD</a:t>
-            </a:r>
-            <a:r>
-              <a:rPr kumimoji="1" lang="ja-JP" altLang="en-US" dirty="0" smtClean="0"/>
-              <a:t>の容量ではなく、</a:t>
-            </a:r>
-            <a:r>
-              <a:rPr kumimoji="1" lang="en-US" altLang="ja-JP" dirty="0" smtClean="0"/>
-              <a:t>RAM</a:t>
-            </a:r>
-            <a:r>
-              <a:rPr kumimoji="1" lang="ja-JP" altLang="en-US" dirty="0" smtClean="0"/>
-              <a:t>の容量。</a:t>
-            </a:r>
-            <a:endParaRPr kumimoji="1" lang="en-US" altLang="ja-JP" dirty="0" smtClean="0"/>
-          </a:p>
-          <a:p>
+              <a:t>実体という意味</a:t>
+            </a:r>
             <a:endParaRPr kumimoji="1" lang="ja-JP" altLang="en-US" dirty="0"/>
           </a:p>
         </p:txBody>
@@ -2736,17 +2731,92 @@
           <a:lstStyle/>
           <a:p>
             <a:r>
+              <a:rPr kumimoji="1" lang="en-US" altLang="ja-JP" dirty="0" smtClean="0"/>
+              <a:t>A</a:t>
+            </a:r>
+            <a:r>
               <a:rPr kumimoji="1" lang="ja-JP" altLang="en-US" dirty="0" smtClean="0"/>
-              <a:t>インスタンス</a:t>
+              <a:t>のみベーシックとスタンダード２つあること</a:t>
+            </a:r>
+            <a:endParaRPr kumimoji="1" lang="en-US" altLang="ja-JP" dirty="0" smtClean="0"/>
+          </a:p>
+          <a:p>
+            <a:r>
+              <a:rPr kumimoji="1" lang="ja-JP" altLang="en-US" dirty="0" smtClean="0"/>
+              <a:t>雰囲気としてはテスト用と本番用。テスト用はそれなりに機能が省かれている。そのため値段が安い。</a:t>
+            </a:r>
+            <a:endParaRPr kumimoji="1" lang="en-US" altLang="ja-JP" dirty="0" smtClean="0"/>
+          </a:p>
+          <a:p>
+            <a:r>
+              <a:rPr kumimoji="1" lang="ja-JP" altLang="en-US" dirty="0" smtClean="0"/>
+              <a:t>その他はすべてスタンダードプランになる。</a:t>
+            </a:r>
+            <a:endParaRPr kumimoji="1" lang="en-US" altLang="ja-JP" dirty="0" smtClean="0"/>
+          </a:p>
+          <a:p>
+            <a:r>
+              <a:rPr kumimoji="1" lang="ja-JP" altLang="en-US" dirty="0" smtClean="0"/>
+              <a:t>感覚としては</a:t>
             </a:r>
             <a:r>
               <a:rPr kumimoji="1" lang="en-US" altLang="ja-JP" dirty="0" smtClean="0"/>
-              <a:t>→</a:t>
+              <a:t>A</a:t>
             </a:r>
             <a:r>
               <a:rPr kumimoji="1" lang="ja-JP" altLang="en-US" dirty="0" smtClean="0"/>
-              <a:t>実体という意味</a:t>
-            </a:r>
+              <a:t>が基本的なプランディスクは</a:t>
+            </a:r>
+            <a:r>
+              <a:rPr kumimoji="1" lang="en-US" altLang="ja-JP" dirty="0" smtClean="0"/>
+              <a:t>HDD</a:t>
+            </a:r>
+            <a:r>
+              <a:rPr kumimoji="1" lang="ja-JP" altLang="en-US" dirty="0" smtClean="0"/>
+              <a:t>でコアが１コアでメモリが１ギガ無かったりするプランから８コアまであってメモリが５６ギガあったりするプランまである。</a:t>
+            </a:r>
+            <a:endParaRPr kumimoji="1" lang="en-US" altLang="ja-JP" dirty="0" smtClean="0"/>
+          </a:p>
+          <a:p>
+            <a:r>
+              <a:rPr kumimoji="1" lang="ja-JP" altLang="en-US" dirty="0" smtClean="0"/>
+              <a:t>逆に</a:t>
+            </a:r>
+            <a:r>
+              <a:rPr kumimoji="1" lang="en-US" altLang="ja-JP" dirty="0" smtClean="0"/>
+              <a:t>GS</a:t>
+            </a:r>
+            <a:r>
+              <a:rPr kumimoji="1" lang="ja-JP" altLang="en-US" dirty="0" smtClean="0"/>
+              <a:t>は和牛インスタンス友いわれ、料金がすさまじい。その代わりメモリ４４８</a:t>
+            </a:r>
+            <a:r>
+              <a:rPr kumimoji="1" lang="en-US" altLang="ja-JP" dirty="0" smtClean="0"/>
+              <a:t>GB</a:t>
+            </a:r>
+            <a:r>
+              <a:rPr kumimoji="1" lang="ja-JP" altLang="en-US" dirty="0" smtClean="0"/>
+              <a:t>積んでると言っても嘘にならない。決して</a:t>
+            </a:r>
+            <a:r>
+              <a:rPr kumimoji="1" lang="en-US" altLang="ja-JP" dirty="0" smtClean="0"/>
+              <a:t>SSD</a:t>
+            </a:r>
+            <a:r>
+              <a:rPr kumimoji="1" lang="ja-JP" altLang="en-US" dirty="0" smtClean="0"/>
+              <a:t>の容量ではなく、</a:t>
+            </a:r>
+            <a:r>
+              <a:rPr kumimoji="1" lang="en-US" altLang="ja-JP" dirty="0" smtClean="0"/>
+              <a:t>RAM</a:t>
+            </a:r>
+            <a:r>
+              <a:rPr kumimoji="1" lang="ja-JP" altLang="en-US" dirty="0" smtClean="0"/>
+              <a:t>の容量。</a:t>
+            </a:r>
+            <a:endParaRPr kumimoji="1" lang="en-US" altLang="ja-JP" dirty="0" smtClean="0"/>
+          </a:p>
+          <a:p>
             <a:endParaRPr kumimoji="1" lang="ja-JP" altLang="en-US" dirty="0"/>
           </a:p>
         </p:txBody>
@@ -2838,7 +2908,7 @@
           <a:p>
             <a:r>
               <a:rPr kumimoji="1" lang="ja-JP" altLang="en-US" dirty="0" smtClean="0"/>
-              <a:t>ミドルウェア</a:t>
+              <a:t>インスタンス</a:t>
             </a:r>
             <a:r>
               <a:rPr kumimoji="1" lang="en-US" altLang="ja-JP" dirty="0" smtClean="0"/>
@@ -2846,31 +2916,7 @@
             </a:r>
             <a:r>
               <a:rPr kumimoji="1" lang="ja-JP" altLang="en-US" dirty="0" smtClean="0"/>
-              <a:t>データベース</a:t>
-            </a:r>
-            <a:r>
-              <a:rPr kumimoji="1" lang="en-US" altLang="ja-JP" dirty="0" smtClean="0"/>
-              <a:t>(MySQL</a:t>
-            </a:r>
-            <a:r>
-              <a:rPr kumimoji="1" lang="ja-JP" altLang="en-US" dirty="0" smtClean="0"/>
-              <a:t>等</a:t>
-            </a:r>
-            <a:r>
-              <a:rPr kumimoji="1" lang="en-US" altLang="ja-JP" dirty="0" smtClean="0"/>
-              <a:t>)</a:t>
-            </a:r>
-            <a:r>
-              <a:rPr kumimoji="1" lang="ja-JP" altLang="en-US" dirty="0" smtClean="0"/>
-              <a:t>、アパッチ、</a:t>
-            </a:r>
-            <a:r>
-              <a:rPr kumimoji="1" lang="en-US" altLang="ja-JP" dirty="0" smtClean="0"/>
-              <a:t>tomcat</a:t>
-            </a:r>
-            <a:r>
-              <a:rPr kumimoji="1" lang="ja-JP" altLang="en-US" dirty="0" smtClean="0"/>
-              <a:t>などが最初から利用できるようになっている</a:t>
+              <a:t>実体という意味</a:t>
             </a:r>
             <a:endParaRPr kumimoji="1" lang="ja-JP" altLang="en-US" dirty="0"/>
           </a:p>
@@ -2902,7 +2948,7 @@
     </p:spTree>
     <p:extLst>
       <p:ext uri="{BB962C8B-B14F-4D97-AF65-F5344CB8AC3E}">
-        <p14:creationId xmlns:p14="http://schemas.microsoft.com/office/powerpoint/2010/main" val="1127799416"/>
+        <p14:creationId xmlns:p14="http://schemas.microsoft.com/office/powerpoint/2010/main" val="750670183"/>
       </p:ext>
     </p:extLst>
   </p:cSld>
@@ -2961,6 +3007,42 @@
           <a:bodyPr/>
           <a:lstStyle/>
           <a:p>
+            <a:r>
+              <a:rPr kumimoji="1" lang="ja-JP" altLang="en-US" dirty="0" smtClean="0"/>
+              <a:t>ミドルウェア</a:t>
+            </a:r>
+            <a:r>
+              <a:rPr kumimoji="1" lang="en-US" altLang="ja-JP" dirty="0" smtClean="0"/>
+              <a:t>→</a:t>
+            </a:r>
+            <a:r>
+              <a:rPr kumimoji="1" lang="ja-JP" altLang="en-US" dirty="0" smtClean="0"/>
+              <a:t>データベース</a:t>
+            </a:r>
+            <a:r>
+              <a:rPr kumimoji="1" lang="en-US" altLang="ja-JP" dirty="0" smtClean="0"/>
+              <a:t>(MySQL</a:t>
+            </a:r>
+            <a:r>
+              <a:rPr kumimoji="1" lang="ja-JP" altLang="en-US" dirty="0" smtClean="0"/>
+              <a:t>等</a:t>
+            </a:r>
+            <a:r>
+              <a:rPr kumimoji="1" lang="en-US" altLang="ja-JP" dirty="0" smtClean="0"/>
+              <a:t>)</a:t>
+            </a:r>
+            <a:r>
+              <a:rPr kumimoji="1" lang="ja-JP" altLang="en-US" dirty="0" smtClean="0"/>
+              <a:t>、アパッチ、</a:t>
+            </a:r>
+            <a:r>
+              <a:rPr kumimoji="1" lang="en-US" altLang="ja-JP" dirty="0" smtClean="0"/>
+              <a:t>tomcat</a:t>
+            </a:r>
+            <a:r>
+              <a:rPr kumimoji="1" lang="ja-JP" altLang="en-US" dirty="0" smtClean="0"/>
+              <a:t>などが最初から利用できるようになっている</a:t>
+            </a:r>
             <a:endParaRPr kumimoji="1" lang="ja-JP" altLang="en-US" dirty="0"/>
           </a:p>
         </p:txBody>
@@ -2991,7 +3073,7 @@
     </p:spTree>
     <p:extLst>
       <p:ext uri="{BB962C8B-B14F-4D97-AF65-F5344CB8AC3E}">
-        <p14:creationId xmlns:p14="http://schemas.microsoft.com/office/powerpoint/2010/main" val="3739387707"/>
+        <p14:creationId xmlns:p14="http://schemas.microsoft.com/office/powerpoint/2010/main" val="1127799416"/>
       </p:ext>
     </p:extLst>
   </p:cSld>
@@ -3050,18 +3132,6 @@
           <a:bodyPr/>
           <a:lstStyle/>
           <a:p>
-            <a:r>
-              <a:rPr kumimoji="1" lang="ja-JP" altLang="en-US" dirty="0" smtClean="0"/>
-              <a:t>インスタンス</a:t>
-            </a:r>
-            <a:r>
-              <a:rPr kumimoji="1" lang="en-US" altLang="ja-JP" dirty="0" smtClean="0"/>
-              <a:t>→</a:t>
-            </a:r>
-            <a:r>
-              <a:rPr kumimoji="1" lang="ja-JP" altLang="en-US" dirty="0" smtClean="0"/>
-              <a:t>実体という意味</a:t>
-            </a:r>
             <a:endParaRPr kumimoji="1" lang="ja-JP" altLang="en-US" dirty="0"/>
           </a:p>
         </p:txBody>
@@ -3092,7 +3162,7 @@
     </p:spTree>
     <p:extLst>
       <p:ext uri="{BB962C8B-B14F-4D97-AF65-F5344CB8AC3E}">
-        <p14:creationId xmlns:p14="http://schemas.microsoft.com/office/powerpoint/2010/main" val="750670183"/>
+        <p14:creationId xmlns:p14="http://schemas.microsoft.com/office/powerpoint/2010/main" val="3739387707"/>
       </p:ext>
     </p:extLst>
   </p:cSld>
@@ -3521,7 +3591,12 @@
             <p:ph type="sldImg"/>
           </p:nvPr>
         </p:nvSpPr>
-        <p:spPr/>
+        <p:spPr>
+          <a:xfrm>
+            <a:off x="381000" y="685800"/>
+            <a:ext cx="6096000" cy="3429000"/>
+          </a:xfrm>
+        </p:spPr>
       </p:sp>
       <p:sp>
         <p:nvSpPr>
@@ -3538,6 +3613,18 @@
           <a:bodyPr/>
           <a:lstStyle/>
           <a:p>
+            <a:r>
+              <a:rPr kumimoji="1" lang="ja-JP" altLang="en-US" dirty="0" smtClean="0"/>
+              <a:t>インスタンス</a:t>
+            </a:r>
+            <a:r>
+              <a:rPr kumimoji="1" lang="en-US" altLang="ja-JP" dirty="0" smtClean="0"/>
+              <a:t>→</a:t>
+            </a:r>
+            <a:r>
+              <a:rPr kumimoji="1" lang="ja-JP" altLang="en-US" dirty="0" smtClean="0"/>
+              <a:t>実体という意味</a:t>
+            </a:r>
             <a:endParaRPr kumimoji="1" lang="ja-JP" altLang="en-US" dirty="0"/>
           </a:p>
         </p:txBody>
@@ -3568,7 +3655,7 @@
     </p:spTree>
     <p:extLst>
       <p:ext uri="{BB962C8B-B14F-4D97-AF65-F5344CB8AC3E}">
-        <p14:creationId xmlns:p14="http://schemas.microsoft.com/office/powerpoint/2010/main" val="674336314"/>
+        <p14:creationId xmlns:p14="http://schemas.microsoft.com/office/powerpoint/2010/main" val="750670183"/>
       </p:ext>
     </p:extLst>
   </p:cSld>
@@ -3605,12 +3692,7 @@
             <p:ph type="sldImg"/>
           </p:nvPr>
         </p:nvSpPr>
-        <p:spPr>
-          <a:xfrm>
-            <a:off x="381000" y="685800"/>
-            <a:ext cx="6096000" cy="3429000"/>
-          </a:xfrm>
-        </p:spPr>
+        <p:spPr/>
       </p:sp>
       <p:sp>
         <p:nvSpPr>
@@ -3627,42 +3709,6 @@
           <a:bodyPr/>
           <a:lstStyle/>
           <a:p>
-            <a:r>
-              <a:rPr kumimoji="1" lang="ja-JP" altLang="en-US" dirty="0" smtClean="0"/>
-              <a:t>ミドルウェア</a:t>
-            </a:r>
-            <a:r>
-              <a:rPr kumimoji="1" lang="en-US" altLang="ja-JP" dirty="0" smtClean="0"/>
-              <a:t>→</a:t>
-            </a:r>
-            <a:r>
-              <a:rPr kumimoji="1" lang="ja-JP" altLang="en-US" dirty="0" smtClean="0"/>
-              <a:t>データベース</a:t>
-            </a:r>
-            <a:r>
-              <a:rPr kumimoji="1" lang="en-US" altLang="ja-JP" dirty="0" smtClean="0"/>
-              <a:t>(MySQL</a:t>
-            </a:r>
-            <a:r>
-              <a:rPr kumimoji="1" lang="ja-JP" altLang="en-US" dirty="0" smtClean="0"/>
-              <a:t>等</a:t>
-            </a:r>
-            <a:r>
-              <a:rPr kumimoji="1" lang="en-US" altLang="ja-JP" dirty="0" smtClean="0"/>
-              <a:t>)</a:t>
-            </a:r>
-            <a:r>
-              <a:rPr kumimoji="1" lang="ja-JP" altLang="en-US" dirty="0" smtClean="0"/>
-              <a:t>、アパッチ、</a:t>
-            </a:r>
-            <a:r>
-              <a:rPr kumimoji="1" lang="en-US" altLang="ja-JP" dirty="0" smtClean="0"/>
-              <a:t>tomcat</a:t>
-            </a:r>
-            <a:r>
-              <a:rPr kumimoji="1" lang="ja-JP" altLang="en-US" dirty="0" smtClean="0"/>
-              <a:t>などが最初から利用できるようになっている</a:t>
-            </a:r>
             <a:endParaRPr kumimoji="1" lang="ja-JP" altLang="en-US" dirty="0"/>
           </a:p>
         </p:txBody>
@@ -3693,7 +3739,7 @@
     </p:spTree>
     <p:extLst>
       <p:ext uri="{BB962C8B-B14F-4D97-AF65-F5344CB8AC3E}">
-        <p14:creationId xmlns:p14="http://schemas.microsoft.com/office/powerpoint/2010/main" val="1127799416"/>
+        <p14:creationId xmlns:p14="http://schemas.microsoft.com/office/powerpoint/2010/main" val="674336314"/>
       </p:ext>
     </p:extLst>
   </p:cSld>
@@ -3819,6 +3865,215 @@
     <p:extLst>
       <p:ext uri="{BB962C8B-B14F-4D97-AF65-F5344CB8AC3E}">
         <p14:creationId xmlns:p14="http://schemas.microsoft.com/office/powerpoint/2010/main" val="1127799416"/>
+      </p:ext>
+    </p:extLst>
+  </p:cSld>
+  <p:clrMapOvr>
+    <a:masterClrMapping/>
+  </p:clrMapOvr>
+</p:notes>
+</file>
+
+<file path=ppt/notesSlides/notesSlide33.xml><?xml version="1.0" encoding="utf-8"?>
+<p:notes xmlns:a="http://schemas.openxmlformats.org/drawingml/2006/main" xmlns:r="http://schemas.openxmlformats.org/officeDocument/2006/relationships" xmlns:p="http://schemas.openxmlformats.org/presentationml/2006/main">
+  <p:cSld>
+    <p:spTree>
+      <p:nvGrpSpPr>
+        <p:cNvPr id="1" name=""/>
+        <p:cNvGrpSpPr/>
+        <p:nvPr/>
+      </p:nvGrpSpPr>
+      <p:grpSpPr>
+        <a:xfrm>
+          <a:off x="0" y="0"/>
+          <a:ext cx="0" cy="0"/>
+          <a:chOff x="0" y="0"/>
+          <a:chExt cx="0" cy="0"/>
+        </a:xfrm>
+      </p:grpSpPr>
+      <p:sp>
+        <p:nvSpPr>
+          <p:cNvPr id="2" name="スライド イメージ プレースホルダー 1"/>
+          <p:cNvSpPr>
+            <a:spLocks noGrp="1" noRot="1" noChangeAspect="1"/>
+          </p:cNvSpPr>
+          <p:nvPr>
+            <p:ph type="sldImg"/>
+          </p:nvPr>
+        </p:nvSpPr>
+        <p:spPr>
+          <a:xfrm>
+            <a:off x="381000" y="685800"/>
+            <a:ext cx="6096000" cy="3429000"/>
+          </a:xfrm>
+        </p:spPr>
+      </p:sp>
+      <p:sp>
+        <p:nvSpPr>
+          <p:cNvPr id="3" name="ノート プレースホルダー 2"/>
+          <p:cNvSpPr>
+            <a:spLocks noGrp="1"/>
+          </p:cNvSpPr>
+          <p:nvPr>
+            <p:ph type="body" idx="1"/>
+          </p:nvPr>
+        </p:nvSpPr>
+        <p:spPr/>
+        <p:txBody>
+          <a:bodyPr/>
+          <a:lstStyle/>
+          <a:p>
+            <a:r>
+              <a:rPr kumimoji="1" lang="ja-JP" altLang="en-US" dirty="0" smtClean="0"/>
+              <a:t>ミドルウェア</a:t>
+            </a:r>
+            <a:r>
+              <a:rPr kumimoji="1" lang="en-US" altLang="ja-JP" dirty="0" smtClean="0"/>
+              <a:t>→</a:t>
+            </a:r>
+            <a:r>
+              <a:rPr kumimoji="1" lang="ja-JP" altLang="en-US" dirty="0" smtClean="0"/>
+              <a:t>データベース</a:t>
+            </a:r>
+            <a:r>
+              <a:rPr kumimoji="1" lang="en-US" altLang="ja-JP" dirty="0" smtClean="0"/>
+              <a:t>(MySQL</a:t>
+            </a:r>
+            <a:r>
+              <a:rPr kumimoji="1" lang="ja-JP" altLang="en-US" dirty="0" smtClean="0"/>
+              <a:t>等</a:t>
+            </a:r>
+            <a:r>
+              <a:rPr kumimoji="1" lang="en-US" altLang="ja-JP" dirty="0" smtClean="0"/>
+              <a:t>)</a:t>
+            </a:r>
+            <a:r>
+              <a:rPr kumimoji="1" lang="ja-JP" altLang="en-US" dirty="0" smtClean="0"/>
+              <a:t>、アパッチ、</a:t>
+            </a:r>
+            <a:r>
+              <a:rPr kumimoji="1" lang="en-US" altLang="ja-JP" dirty="0" smtClean="0"/>
+              <a:t>tomcat</a:t>
+            </a:r>
+            <a:r>
+              <a:rPr kumimoji="1" lang="ja-JP" altLang="en-US" dirty="0" smtClean="0"/>
+              <a:t>などが最初から利用できるようになっている</a:t>
+            </a:r>
+            <a:endParaRPr kumimoji="1" lang="ja-JP" altLang="en-US" dirty="0"/>
+          </a:p>
+        </p:txBody>
+      </p:sp>
+      <p:sp>
+        <p:nvSpPr>
+          <p:cNvPr id="4" name="スライド番号プレースホルダー 3"/>
+          <p:cNvSpPr>
+            <a:spLocks noGrp="1"/>
+          </p:cNvSpPr>
+          <p:nvPr>
+            <p:ph type="sldNum" sz="quarter" idx="10"/>
+          </p:nvPr>
+        </p:nvSpPr>
+        <p:spPr/>
+        <p:txBody>
+          <a:bodyPr/>
+          <a:lstStyle/>
+          <a:p>
+            <a:fld id="{69B7F2FE-CD39-C646-8ADC-800D246F6438}" type="slidenum">
+              <a:rPr kumimoji="1" lang="ja-JP" altLang="en-US" smtClean="0"/>
+              <a:t>39</a:t>
+            </a:fld>
+            <a:endParaRPr kumimoji="1" lang="ja-JP" altLang="en-US"/>
+          </a:p>
+        </p:txBody>
+      </p:sp>
+    </p:spTree>
+    <p:extLst>
+      <p:ext uri="{BB962C8B-B14F-4D97-AF65-F5344CB8AC3E}">
+        <p14:creationId xmlns:p14="http://schemas.microsoft.com/office/powerpoint/2010/main" val="1127799416"/>
+      </p:ext>
+    </p:extLst>
+  </p:cSld>
+  <p:clrMapOvr>
+    <a:masterClrMapping/>
+  </p:clrMapOvr>
+</p:notes>
+</file>
+
+<file path=ppt/notesSlides/notesSlide34.xml><?xml version="1.0" encoding="utf-8"?>
+<p:notes xmlns:a="http://schemas.openxmlformats.org/drawingml/2006/main" xmlns:r="http://schemas.openxmlformats.org/officeDocument/2006/relationships" xmlns:p="http://schemas.openxmlformats.org/presentationml/2006/main">
+  <p:cSld>
+    <p:spTree>
+      <p:nvGrpSpPr>
+        <p:cNvPr id="1" name=""/>
+        <p:cNvGrpSpPr/>
+        <p:nvPr/>
+      </p:nvGrpSpPr>
+      <p:grpSpPr>
+        <a:xfrm>
+          <a:off x="0" y="0"/>
+          <a:ext cx="0" cy="0"/>
+          <a:chOff x="0" y="0"/>
+          <a:chExt cx="0" cy="0"/>
+        </a:xfrm>
+      </p:grpSpPr>
+      <p:sp>
+        <p:nvSpPr>
+          <p:cNvPr id="2" name="スライド イメージ プレースホルダー 1"/>
+          <p:cNvSpPr>
+            <a:spLocks noGrp="1" noRot="1" noChangeAspect="1"/>
+          </p:cNvSpPr>
+          <p:nvPr>
+            <p:ph type="sldImg"/>
+          </p:nvPr>
+        </p:nvSpPr>
+        <p:spPr/>
+      </p:sp>
+      <p:sp>
+        <p:nvSpPr>
+          <p:cNvPr id="3" name="ノート プレースホルダー 2"/>
+          <p:cNvSpPr>
+            <a:spLocks noGrp="1"/>
+          </p:cNvSpPr>
+          <p:nvPr>
+            <p:ph type="body" idx="1"/>
+          </p:nvPr>
+        </p:nvSpPr>
+        <p:spPr/>
+        <p:txBody>
+          <a:bodyPr/>
+          <a:lstStyle/>
+          <a:p>
+            <a:endParaRPr kumimoji="1" lang="ja-JP" altLang="en-US" dirty="0"/>
+          </a:p>
+        </p:txBody>
+      </p:sp>
+      <p:sp>
+        <p:nvSpPr>
+          <p:cNvPr id="4" name="スライド番号プレースホルダー 3"/>
+          <p:cNvSpPr>
+            <a:spLocks noGrp="1"/>
+          </p:cNvSpPr>
+          <p:nvPr>
+            <p:ph type="sldNum" sz="quarter" idx="10"/>
+          </p:nvPr>
+        </p:nvSpPr>
+        <p:spPr/>
+        <p:txBody>
+          <a:bodyPr/>
+          <a:lstStyle/>
+          <a:p>
+            <a:fld id="{69B7F2FE-CD39-C646-8ADC-800D246F6438}" type="slidenum">
+              <a:rPr kumimoji="1" lang="ja-JP" altLang="en-US" smtClean="0"/>
+              <a:t>56</a:t>
+            </a:fld>
+            <a:endParaRPr kumimoji="1" lang="ja-JP" altLang="en-US"/>
+          </a:p>
+        </p:txBody>
+      </p:sp>
+    </p:spTree>
+    <p:extLst>
+      <p:ext uri="{BB962C8B-B14F-4D97-AF65-F5344CB8AC3E}">
+        <p14:creationId xmlns:p14="http://schemas.microsoft.com/office/powerpoint/2010/main" val="674336314"/>
       </p:ext>
     </p:extLst>
   </p:cSld>
@@ -4878,7 +5133,7 @@
           <a:p>
             <a:fld id="{B5913DFB-9003-47F2-BA72-A45DC80D6FE8}" type="datetimeFigureOut">
               <a:rPr kumimoji="1" lang="ja-JP" altLang="en-US" smtClean="0"/>
-              <a:t>2016/05/31</a:t>
+              <a:t>2016/06/02</a:t>
             </a:fld>
             <a:endParaRPr kumimoji="1" lang="ja-JP" altLang="en-US" dirty="0"/>
           </a:p>
@@ -5223,7 +5478,7 @@
           <a:p>
             <a:fld id="{B5913DFB-9003-47F2-BA72-A45DC80D6FE8}" type="datetimeFigureOut">
               <a:rPr kumimoji="1" lang="ja-JP" altLang="en-US" smtClean="0"/>
-              <a:t>2016/05/31</a:t>
+              <a:t>2016/06/02</a:t>
             </a:fld>
             <a:endParaRPr kumimoji="1" lang="ja-JP" altLang="en-US" dirty="0"/>
           </a:p>
@@ -7194,7 +7449,7 @@
           <a:p>
             <a:fld id="{B5913DFB-9003-47F2-BA72-A45DC80D6FE8}" type="datetimeFigureOut">
               <a:rPr kumimoji="1" lang="ja-JP" altLang="en-US" smtClean="0"/>
-              <a:t>2016/05/31</a:t>
+              <a:t>2016/06/02</a:t>
             </a:fld>
             <a:endParaRPr kumimoji="1" lang="ja-JP" altLang="en-US" dirty="0"/>
           </a:p>
@@ -7670,7 +7925,7 @@
           <a:p>
             <a:fld id="{B5913DFB-9003-47F2-BA72-A45DC80D6FE8}" type="datetimeFigureOut">
               <a:rPr kumimoji="1" lang="ja-JP" altLang="en-US" smtClean="0"/>
-              <a:t>2016/05/31</a:t>
+              <a:t>2016/06/02</a:t>
             </a:fld>
             <a:endParaRPr kumimoji="1" lang="ja-JP" altLang="en-US" dirty="0"/>
           </a:p>
@@ -8026,7 +8281,7 @@
           <a:p>
             <a:fld id="{B5913DFB-9003-47F2-BA72-A45DC80D6FE8}" type="datetimeFigureOut">
               <a:rPr kumimoji="1" lang="ja-JP" altLang="en-US" smtClean="0"/>
-              <a:t>2016/05/31</a:t>
+              <a:t>2016/06/02</a:t>
             </a:fld>
             <a:endParaRPr kumimoji="1" lang="ja-JP" altLang="en-US" dirty="0"/>
           </a:p>
@@ -8472,7 +8727,7 @@
           <a:p>
             <a:fld id="{B5913DFB-9003-47F2-BA72-A45DC80D6FE8}" type="datetimeFigureOut">
               <a:rPr kumimoji="1" lang="ja-JP" altLang="en-US" smtClean="0"/>
-              <a:t>2016/05/31</a:t>
+              <a:t>2016/06/02</a:t>
             </a:fld>
             <a:endParaRPr kumimoji="1" lang="ja-JP" altLang="en-US" dirty="0"/>
           </a:p>
@@ -9059,7 +9314,7 @@
           <a:p>
             <a:fld id="{B5913DFB-9003-47F2-BA72-A45DC80D6FE8}" type="datetimeFigureOut">
               <a:rPr kumimoji="1" lang="ja-JP" altLang="en-US" smtClean="0"/>
-              <a:t>2016/05/31</a:t>
+              <a:t>2016/06/02</a:t>
             </a:fld>
             <a:endParaRPr kumimoji="1" lang="ja-JP" altLang="en-US" dirty="0"/>
           </a:p>
@@ -9291,7 +9546,7 @@
           <a:p>
             <a:fld id="{B5913DFB-9003-47F2-BA72-A45DC80D6FE8}" type="datetimeFigureOut">
               <a:rPr kumimoji="1" lang="ja-JP" altLang="en-US" smtClean="0"/>
-              <a:t>2016/05/31</a:t>
+              <a:t>2016/06/02</a:t>
             </a:fld>
             <a:endParaRPr kumimoji="1" lang="ja-JP" altLang="en-US" dirty="0"/>
           </a:p>
@@ -9789,7 +10044,7 @@
           <a:p>
             <a:fld id="{B5913DFB-9003-47F2-BA72-A45DC80D6FE8}" type="datetimeFigureOut">
               <a:rPr kumimoji="1" lang="ja-JP" altLang="en-US" smtClean="0"/>
-              <a:t>2016/05/31</a:t>
+              <a:t>2016/06/02</a:t>
             </a:fld>
             <a:endParaRPr kumimoji="1" lang="ja-JP" altLang="en-US" dirty="0"/>
           </a:p>
@@ -10377,7 +10632,7 @@
           <a:p>
             <a:fld id="{B5913DFB-9003-47F2-BA72-A45DC80D6FE8}" type="datetimeFigureOut">
               <a:rPr kumimoji="1" lang="ja-JP" altLang="en-US" smtClean="0"/>
-              <a:t>2016/05/31</a:t>
+              <a:t>2016/06/02</a:t>
             </a:fld>
             <a:endParaRPr kumimoji="1" lang="ja-JP" altLang="en-US" dirty="0"/>
           </a:p>
@@ -10695,7 +10950,7 @@
           <a:p>
             <a:fld id="{B5913DFB-9003-47F2-BA72-A45DC80D6FE8}" type="datetimeFigureOut">
               <a:rPr kumimoji="1" lang="ja-JP" altLang="en-US" smtClean="0"/>
-              <a:t>2016/05/31</a:t>
+              <a:t>2016/06/02</a:t>
             </a:fld>
             <a:endParaRPr kumimoji="1" lang="ja-JP" altLang="en-US" dirty="0"/>
           </a:p>
@@ -11103,7 +11358,7 @@
           <a:p>
             <a:fld id="{B5913DFB-9003-47F2-BA72-A45DC80D6FE8}" type="datetimeFigureOut">
               <a:rPr kumimoji="1" lang="ja-JP" altLang="en-US" smtClean="0"/>
-              <a:t>2016/05/31</a:t>
+              <a:t>2016/06/02</a:t>
             </a:fld>
             <a:endParaRPr kumimoji="1" lang="ja-JP" altLang="en-US" dirty="0"/>
           </a:p>
@@ -11383,7 +11638,7 @@
           <a:p>
             <a:fld id="{B5913DFB-9003-47F2-BA72-A45DC80D6FE8}" type="datetimeFigureOut">
               <a:rPr kumimoji="1" lang="ja-JP" altLang="en-US" smtClean="0"/>
-              <a:t>2016/05/31</a:t>
+              <a:t>2016/06/02</a:t>
             </a:fld>
             <a:endParaRPr kumimoji="1" lang="ja-JP" altLang="en-US" dirty="0"/>
           </a:p>
@@ -11749,7 +12004,7 @@
           <a:p>
             <a:fld id="{B5913DFB-9003-47F2-BA72-A45DC80D6FE8}" type="datetimeFigureOut">
               <a:rPr kumimoji="1" lang="ja-JP" altLang="en-US" smtClean="0"/>
-              <a:t>2016/05/31</a:t>
+              <a:t>2016/06/02</a:t>
             </a:fld>
             <a:endParaRPr kumimoji="1" lang="ja-JP" altLang="en-US" dirty="0"/>
           </a:p>
@@ -12000,7 +12255,7 @@
           <a:p>
             <a:fld id="{B5913DFB-9003-47F2-BA72-A45DC80D6FE8}" type="datetimeFigureOut">
               <a:rPr kumimoji="1" lang="ja-JP" altLang="en-US" smtClean="0"/>
-              <a:t>2016/05/31</a:t>
+              <a:t>2016/06/02</a:t>
             </a:fld>
             <a:endParaRPr kumimoji="1" lang="ja-JP" altLang="en-US" dirty="0"/>
           </a:p>
@@ -12795,7 +13050,7 @@
           <a:p>
             <a:fld id="{B5913DFB-9003-47F2-BA72-A45DC80D6FE8}" type="datetimeFigureOut">
               <a:rPr kumimoji="1" lang="ja-JP" altLang="en-US" smtClean="0"/>
-              <a:t>2016/05/31</a:t>
+              <a:t>2016/06/02</a:t>
             </a:fld>
             <a:endParaRPr kumimoji="1" lang="ja-JP" altLang="en-US" dirty="0"/>
           </a:p>
@@ -13878,7 +14133,7 @@
           <a:p>
             <a:fld id="{B5913DFB-9003-47F2-BA72-A45DC80D6FE8}" type="datetimeFigureOut">
               <a:rPr kumimoji="1" lang="ja-JP" altLang="en-US" smtClean="0"/>
-              <a:t>2016/05/31</a:t>
+              <a:t>2016/06/02</a:t>
             </a:fld>
             <a:endParaRPr kumimoji="1" lang="ja-JP" altLang="en-US" dirty="0"/>
           </a:p>
@@ -14568,7 +14823,7 @@
           <a:p>
             <a:fld id="{B5913DFB-9003-47F2-BA72-A45DC80D6FE8}" type="datetimeFigureOut">
               <a:rPr kumimoji="1" lang="ja-JP" altLang="en-US" smtClean="0"/>
-              <a:t>2016/05/31</a:t>
+              <a:t>2016/06/02</a:t>
             </a:fld>
             <a:endParaRPr kumimoji="1" lang="ja-JP" altLang="en-US" dirty="0"/>
           </a:p>
@@ -15168,7 +15423,7 @@
           <a:p>
             <a:fld id="{B5913DFB-9003-47F2-BA72-A45DC80D6FE8}" type="datetimeFigureOut">
               <a:rPr kumimoji="1" lang="ja-JP" altLang="en-US" smtClean="0"/>
-              <a:t>2016/05/31</a:t>
+              <a:t>2016/06/02</a:t>
             </a:fld>
             <a:endParaRPr kumimoji="1" lang="ja-JP" altLang="en-US" dirty="0"/>
           </a:p>
@@ -15978,7 +16233,7 @@
           <a:p>
             <a:fld id="{B5913DFB-9003-47F2-BA72-A45DC80D6FE8}" type="datetimeFigureOut">
               <a:rPr kumimoji="1" lang="ja-JP" altLang="en-US" smtClean="0"/>
-              <a:t>2016/05/31</a:t>
+              <a:t>2016/06/02</a:t>
             </a:fld>
             <a:endParaRPr kumimoji="1" lang="ja-JP" altLang="en-US" dirty="0"/>
           </a:p>
@@ -16698,7 +16953,7 @@
           <a:p>
             <a:fld id="{B5913DFB-9003-47F2-BA72-A45DC80D6FE8}" type="datetimeFigureOut">
               <a:rPr kumimoji="1" lang="ja-JP" altLang="en-US" smtClean="0"/>
-              <a:t>2016/05/31</a:t>
+              <a:t>2016/06/02</a:t>
             </a:fld>
             <a:endParaRPr kumimoji="1" lang="ja-JP" altLang="en-US" dirty="0"/>
           </a:p>
@@ -17311,7 +17566,7 @@
           <a:p>
             <a:fld id="{B5913DFB-9003-47F2-BA72-A45DC80D6FE8}" type="datetimeFigureOut">
               <a:rPr kumimoji="1" lang="ja-JP" altLang="en-US" smtClean="0"/>
-              <a:t>2016/05/31</a:t>
+              <a:t>2016/06/02</a:t>
             </a:fld>
             <a:endParaRPr kumimoji="1" lang="ja-JP" altLang="en-US" dirty="0"/>
           </a:p>
@@ -17791,7 +18046,7 @@
           <a:p>
             <a:fld id="{B5913DFB-9003-47F2-BA72-A45DC80D6FE8}" type="datetimeFigureOut">
               <a:rPr kumimoji="1" lang="ja-JP" altLang="en-US" smtClean="0"/>
-              <a:t>2016/05/31</a:t>
+              <a:t>2016/06/02</a:t>
             </a:fld>
             <a:endParaRPr kumimoji="1" lang="ja-JP" altLang="en-US" dirty="0"/>
           </a:p>
@@ -18363,7 +18618,7 @@
           <a:p>
             <a:fld id="{B5913DFB-9003-47F2-BA72-A45DC80D6FE8}" type="datetimeFigureOut">
               <a:rPr kumimoji="1" lang="ja-JP" altLang="en-US" smtClean="0"/>
-              <a:t>2016/05/31</a:t>
+              <a:t>2016/06/02</a:t>
             </a:fld>
             <a:endParaRPr kumimoji="1" lang="ja-JP" altLang="en-US" dirty="0"/>
           </a:p>
@@ -18888,7 +19143,7 @@
           <a:p>
             <a:fld id="{B5913DFB-9003-47F2-BA72-A45DC80D6FE8}" type="datetimeFigureOut">
               <a:rPr kumimoji="1" lang="ja-JP" altLang="en-US" smtClean="0"/>
-              <a:t>2016/05/31</a:t>
+              <a:t>2016/06/02</a:t>
             </a:fld>
             <a:endParaRPr kumimoji="1" lang="ja-JP" altLang="en-US" dirty="0"/>
           </a:p>
@@ -19677,7 +19932,7 @@
           <a:p>
             <a:fld id="{B5913DFB-9003-47F2-BA72-A45DC80D6FE8}" type="datetimeFigureOut">
               <a:rPr kumimoji="1" lang="ja-JP" altLang="en-US" smtClean="0"/>
-              <a:t>2016/05/31</a:t>
+              <a:t>2016/06/02</a:t>
             </a:fld>
             <a:endParaRPr kumimoji="1" lang="ja-JP" altLang="en-US" dirty="0"/>
           </a:p>
@@ -22533,7 +22788,7 @@
           <a:p>
             <a:fld id="{B5913DFB-9003-47F2-BA72-A45DC80D6FE8}" type="datetimeFigureOut">
               <a:rPr kumimoji="1" lang="ja-JP" altLang="en-US" smtClean="0"/>
-              <a:t>2016/05/31</a:t>
+              <a:t>2016/06/02</a:t>
             </a:fld>
             <a:endParaRPr kumimoji="1" lang="ja-JP" altLang="en-US" dirty="0"/>
           </a:p>
@@ -23028,7 +23283,7 @@
           <a:p>
             <a:fld id="{B5913DFB-9003-47F2-BA72-A45DC80D6FE8}" type="datetimeFigureOut">
               <a:rPr kumimoji="1" lang="ja-JP" altLang="en-US" smtClean="0"/>
-              <a:t>2016/05/31</a:t>
+              <a:t>2016/06/02</a:t>
             </a:fld>
             <a:endParaRPr kumimoji="1" lang="ja-JP" altLang="en-US" dirty="0"/>
           </a:p>
@@ -23735,23 +23990,7 @@
                   <a:srgbClr val="FF0000"/>
                 </a:solidFill>
               </a:rPr>
-              <a:t>“りんな“</a:t>
-            </a:r>
-            <a:r>
-              <a:rPr kumimoji="1" lang="ja-JP" altLang="en-US" sz="3600" dirty="0" smtClean="0">
-                <a:solidFill>
-                  <a:srgbClr val="FF0000"/>
-                </a:solidFill>
-              </a:rPr>
-              <a:t>を</a:t>
-            </a:r>
-            <a:r>
-              <a:rPr kumimoji="1" lang="ja-JP" altLang="en-US" sz="3600" dirty="0" smtClean="0">
-                <a:solidFill>
-                  <a:srgbClr val="FF0000"/>
-                </a:solidFill>
-              </a:rPr>
-              <a:t>支えているサービスだったりするよ</a:t>
+              <a:t>“りんな“を支えているサービスだったりするよ</a:t>
             </a:r>
             <a:endParaRPr lang="en-US" altLang="ja-JP" sz="3600" dirty="0">
               <a:solidFill>
@@ -24137,15 +24376,7 @@
             </a:pPr>
             <a:r>
               <a:rPr kumimoji="1" lang="ja-JP" altLang="en-US" sz="3600" dirty="0" smtClean="0"/>
-              <a:t>“りんな“</a:t>
-            </a:r>
-            <a:r>
-              <a:rPr kumimoji="1" lang="ja-JP" altLang="en-US" sz="3600" dirty="0" smtClean="0"/>
-              <a:t>を</a:t>
-            </a:r>
-            <a:r>
-              <a:rPr kumimoji="1" lang="ja-JP" altLang="en-US" sz="3600" dirty="0" smtClean="0"/>
-              <a:t>支えているサービスだったりするよ</a:t>
+              <a:t>“りんな“を支えているサービスだったりするよ</a:t>
             </a:r>
             <a:endParaRPr lang="en-US" altLang="ja-JP" sz="3600" dirty="0"/>
           </a:p>
@@ -24282,11 +24513,7 @@
             </a:r>
             <a:r>
               <a:rPr kumimoji="1" lang="ja-JP" altLang="en-US" sz="3600" dirty="0" smtClean="0"/>
-              <a:t>を</a:t>
-            </a:r>
-            <a:r>
-              <a:rPr kumimoji="1" lang="ja-JP" altLang="en-US" sz="3600" dirty="0" smtClean="0"/>
-              <a:t>支えているサービスだったりするよ</a:t>
+              <a:t>を支えているサービスだったりするよ</a:t>
             </a:r>
             <a:endParaRPr lang="en-US" altLang="ja-JP" sz="3600" dirty="0"/>
           </a:p>
@@ -25140,11 +25367,7 @@
             <a:pPr lvl="1"/>
             <a:r>
               <a:rPr lang="ja-JP" altLang="en-US" dirty="0" smtClean="0"/>
-              <a:t>クレジットカード</a:t>
-            </a:r>
-            <a:r>
-              <a:rPr lang="ja-JP" altLang="en-US" dirty="0" smtClean="0"/>
-              <a:t>情報</a:t>
+              <a:t>クレジットカード情報</a:t>
             </a:r>
             <a:r>
               <a:rPr lang="ja-JP" altLang="en-US" dirty="0"/>
@@ -25681,11 +25904,7 @@
             <a:pPr lvl="1"/>
             <a:r>
               <a:rPr lang="ja-JP" altLang="en-US" dirty="0" smtClean="0"/>
-              <a:t>クレジットカード</a:t>
-            </a:r>
-            <a:r>
-              <a:rPr lang="ja-JP" altLang="en-US" dirty="0" smtClean="0"/>
-              <a:t>情報</a:t>
+              <a:t>クレジットカード情報</a:t>
             </a:r>
             <a:r>
               <a:rPr lang="ja-JP" altLang="en-US" dirty="0"/>
@@ -27351,11 +27570,7 @@
             </a:r>
             <a:r>
               <a:rPr kumimoji="1" lang="ja-JP" altLang="en-US" sz="2800" dirty="0" smtClean="0"/>
-              <a:t>スクリプト</a:t>
-            </a:r>
-            <a:r>
-              <a:rPr kumimoji="1" lang="ja-JP" altLang="en-US" sz="2800" dirty="0" smtClean="0"/>
-              <a:t>で</a:t>
+              <a:t>スクリプトで</a:t>
             </a:r>
             <a:r>
               <a:rPr kumimoji="1" lang="en-US" altLang="ja-JP" sz="2800" dirty="0" smtClean="0"/>
@@ -27391,15 +27606,7 @@
           <a:p>
             <a:r>
               <a:rPr lang="ja-JP" altLang="en-US" sz="2800" dirty="0" smtClean="0"/>
-              <a:t>・</a:t>
-            </a:r>
-            <a:r>
-              <a:rPr lang="ja-JP" altLang="en-US" sz="2800" dirty="0" smtClean="0"/>
-              <a:t>コマンド</a:t>
-            </a:r>
-            <a:r>
-              <a:rPr lang="ja-JP" altLang="en-US" sz="2800" dirty="0" smtClean="0"/>
-              <a:t>を慣れるまでがダルい</a:t>
+              <a:t>・コマンドを慣れるまでがダルい</a:t>
             </a:r>
             <a:endParaRPr lang="en-US" altLang="ja-JP" sz="2800" dirty="0" smtClean="0"/>
           </a:p>
@@ -27428,15 +27635,7 @@
           <a:p>
             <a:r>
               <a:rPr lang="ja-JP" altLang="en-US" sz="2800" dirty="0" smtClean="0"/>
-              <a:t>・</a:t>
-            </a:r>
-            <a:r>
-              <a:rPr lang="ja-JP" altLang="en-US" sz="2800" dirty="0" smtClean="0"/>
-              <a:t>エラー</a:t>
-            </a:r>
-            <a:r>
-              <a:rPr lang="ja-JP" altLang="en-US" sz="2800" dirty="0" smtClean="0"/>
-              <a:t>が出た時ググっても</a:t>
+              <a:t>・エラーが出た時ググっても</a:t>
             </a:r>
             <a:r>
               <a:rPr lang="en-US" altLang="ja-JP" sz="2800" dirty="0" smtClean="0"/>
@@ -27447,15 +27646,7 @@
             </a:br>
             <a:r>
               <a:rPr lang="ja-JP" altLang="en-US" sz="2800" dirty="0" smtClean="0"/>
-              <a:t>　</a:t>
-            </a:r>
-            <a:r>
-              <a:rPr lang="ja-JP" altLang="en-US" sz="2800" dirty="0" smtClean="0"/>
-              <a:t>解決</a:t>
-            </a:r>
-            <a:r>
-              <a:rPr lang="ja-JP" altLang="en-US" sz="2800" dirty="0" smtClean="0"/>
-              <a:t>に至らないことが多い</a:t>
+              <a:t>　解決に至らないことが多い</a:t>
             </a:r>
             <a:r>
               <a:rPr lang="en-US" altLang="ja-JP" sz="2800" dirty="0" smtClean="0"/>
@@ -28273,6 +28464,431 @@
 </file>
 
 <file path=ppt/slides/slide24.xml><?xml version="1.0" encoding="utf-8"?>
+<p:sld xmlns:a="http://schemas.openxmlformats.org/drawingml/2006/main" xmlns:r="http://schemas.openxmlformats.org/officeDocument/2006/relationships" xmlns:p="http://schemas.openxmlformats.org/presentationml/2006/main">
+  <p:cSld>
+    <p:spTree>
+      <p:nvGrpSpPr>
+        <p:cNvPr id="1" name=""/>
+        <p:cNvGrpSpPr/>
+        <p:nvPr/>
+      </p:nvGrpSpPr>
+      <p:grpSpPr>
+        <a:xfrm>
+          <a:off x="0" y="0"/>
+          <a:ext cx="0" cy="0"/>
+          <a:chOff x="0" y="0"/>
+          <a:chExt cx="0" cy="0"/>
+        </a:xfrm>
+      </p:grpSpPr>
+      <p:sp>
+        <p:nvSpPr>
+          <p:cNvPr id="2" name="タイトル 1"/>
+          <p:cNvSpPr>
+            <a:spLocks noGrp="1"/>
+          </p:cNvSpPr>
+          <p:nvPr>
+            <p:ph type="title"/>
+          </p:nvPr>
+        </p:nvSpPr>
+        <p:spPr/>
+        <p:txBody>
+          <a:bodyPr/>
+          <a:lstStyle/>
+          <a:p>
+            <a:r>
+              <a:rPr lang="en-US" altLang="ja-JP" sz="4000" dirty="0"/>
+              <a:t>Azure CLI</a:t>
+            </a:r>
+            <a:endParaRPr lang="ja-JP" altLang="en-US" sz="4000" dirty="0"/>
+          </a:p>
+        </p:txBody>
+      </p:sp>
+      <p:sp>
+        <p:nvSpPr>
+          <p:cNvPr id="4" name="テキスト ボックス 3"/>
+          <p:cNvSpPr txBox="1"/>
+          <p:nvPr/>
+        </p:nvSpPr>
+        <p:spPr>
+          <a:xfrm>
+            <a:off x="8377867" y="5892147"/>
+            <a:ext cx="914400" cy="914400"/>
+          </a:xfrm>
+          <a:prstGeom prst="rect">
+            <a:avLst/>
+          </a:prstGeom>
+        </p:spPr>
+        <p:txBody>
+          <a:bodyPr vert="horz" wrap="none" lIns="91440" tIns="45720" rIns="91440" bIns="45720" rtlCol="0" anchor="ctr">
+            <a:normAutofit/>
+          </a:bodyPr>
+          <a:lstStyle/>
+          <a:p>
+            <a:endParaRPr kumimoji="1" lang="ja-JP" altLang="en-US" dirty="0" smtClean="0"/>
+          </a:p>
+        </p:txBody>
+      </p:sp>
+      <p:sp>
+        <p:nvSpPr>
+          <p:cNvPr id="8" name="テキスト ボックス 7"/>
+          <p:cNvSpPr txBox="1"/>
+          <p:nvPr/>
+        </p:nvSpPr>
+        <p:spPr>
+          <a:xfrm>
+            <a:off x="203203" y="2396069"/>
+            <a:ext cx="5774267" cy="1693333"/>
+          </a:xfrm>
+          <a:prstGeom prst="rect">
+            <a:avLst/>
+          </a:prstGeom>
+        </p:spPr>
+        <p:txBody>
+          <a:bodyPr vert="horz" wrap="none" lIns="91440" tIns="45720" rIns="91440" bIns="45720" rtlCol="0" anchor="ctr">
+            <a:normAutofit/>
+          </a:bodyPr>
+          <a:lstStyle/>
+          <a:p>
+            <a:r>
+              <a:rPr lang="ja-JP" altLang="en-US" sz="2800" dirty="0" smtClean="0"/>
+              <a:t>・</a:t>
+            </a:r>
+            <a:r>
+              <a:rPr lang="en-US" altLang="ja-JP" sz="2800" dirty="0" smtClean="0"/>
+              <a:t>Web</a:t>
+            </a:r>
+            <a:r>
+              <a:rPr lang="ja-JP" altLang="en-US" sz="2800" dirty="0" smtClean="0"/>
+              <a:t>なので環境設定いらず</a:t>
+            </a:r>
+            <a:endParaRPr lang="en-US" altLang="ja-JP" sz="2800" dirty="0" smtClean="0"/>
+          </a:p>
+        </p:txBody>
+      </p:sp>
+      <p:sp>
+        <p:nvSpPr>
+          <p:cNvPr id="10" name="テキスト ボックス 9"/>
+          <p:cNvSpPr txBox="1"/>
+          <p:nvPr/>
+        </p:nvSpPr>
+        <p:spPr>
+          <a:xfrm>
+            <a:off x="6282269" y="2396069"/>
+            <a:ext cx="5774267" cy="1693333"/>
+          </a:xfrm>
+          <a:prstGeom prst="rect">
+            <a:avLst/>
+          </a:prstGeom>
+        </p:spPr>
+        <p:txBody>
+          <a:bodyPr vert="horz" wrap="none" lIns="91440" tIns="45720" rIns="91440" bIns="45720" rtlCol="0" anchor="ctr">
+            <a:normAutofit/>
+          </a:bodyPr>
+          <a:lstStyle/>
+          <a:p>
+            <a:r>
+              <a:rPr lang="ja-JP" altLang="en-US" sz="2800" dirty="0" smtClean="0"/>
+              <a:t>・</a:t>
+            </a:r>
+            <a:r>
+              <a:rPr lang="ja-JP" altLang="en-US" sz="2800" dirty="0" smtClean="0"/>
+              <a:t>大量にインスタンスを</a:t>
+            </a:r>
+            <a:r>
+              <a:rPr lang="en-US" altLang="ja-JP" sz="2800" dirty="0" smtClean="0"/>
+              <a:t/>
+            </a:r>
+            <a:br>
+              <a:rPr lang="en-US" altLang="ja-JP" sz="2800" dirty="0" smtClean="0"/>
+            </a:br>
+            <a:r>
+              <a:rPr lang="ja-JP" altLang="en-US" sz="2800" dirty="0" smtClean="0"/>
+              <a:t>　作ることが苦手</a:t>
+            </a:r>
+            <a:endParaRPr lang="en-US" altLang="ja-JP" sz="2800" dirty="0" smtClean="0"/>
+          </a:p>
+        </p:txBody>
+      </p:sp>
+      <p:sp>
+        <p:nvSpPr>
+          <p:cNvPr id="3" name="角丸四角形 2"/>
+          <p:cNvSpPr/>
+          <p:nvPr/>
+        </p:nvSpPr>
+        <p:spPr>
+          <a:xfrm>
+            <a:off x="118532" y="1879600"/>
+            <a:ext cx="5858933" cy="4216400"/>
+          </a:xfrm>
+          <a:prstGeom prst="roundRect">
+            <a:avLst/>
+          </a:prstGeom>
+          <a:noFill/>
+          <a:ln w="76200" cmpd="sng">
+            <a:solidFill>
+              <a:srgbClr val="00BAD7"/>
+            </a:solidFill>
+          </a:ln>
+        </p:spPr>
+        <p:style>
+          <a:lnRef idx="1">
+            <a:schemeClr val="accent1"/>
+          </a:lnRef>
+          <a:fillRef idx="3">
+            <a:schemeClr val="accent1"/>
+          </a:fillRef>
+          <a:effectRef idx="2">
+            <a:schemeClr val="accent1"/>
+          </a:effectRef>
+          <a:fontRef idx="minor">
+            <a:schemeClr val="lt1"/>
+          </a:fontRef>
+        </p:style>
+        <p:txBody>
+          <a:bodyPr rtlCol="0" anchor="ctr"/>
+          <a:lstStyle/>
+          <a:p>
+            <a:pPr algn="ctr"/>
+            <a:endParaRPr kumimoji="1" lang="ja-JP" altLang="en-US"/>
+          </a:p>
+        </p:txBody>
+      </p:sp>
+      <p:sp>
+        <p:nvSpPr>
+          <p:cNvPr id="7" name="テキスト ボックス 6"/>
+          <p:cNvSpPr txBox="1"/>
+          <p:nvPr/>
+        </p:nvSpPr>
+        <p:spPr>
+          <a:xfrm>
+            <a:off x="2065874" y="1422397"/>
+            <a:ext cx="1947335" cy="914400"/>
+          </a:xfrm>
+          <a:prstGeom prst="rect">
+            <a:avLst/>
+          </a:prstGeom>
+          <a:ln w="76200" cmpd="sng">
+            <a:solidFill>
+              <a:srgbClr val="00BAD7"/>
+            </a:solidFill>
+          </a:ln>
+        </p:spPr>
+        <p:style>
+          <a:lnRef idx="2">
+            <a:schemeClr val="accent3"/>
+          </a:lnRef>
+          <a:fillRef idx="1">
+            <a:schemeClr val="lt1"/>
+          </a:fillRef>
+          <a:effectRef idx="0">
+            <a:schemeClr val="accent3"/>
+          </a:effectRef>
+          <a:fontRef idx="minor">
+            <a:schemeClr val="dk1"/>
+          </a:fontRef>
+        </p:style>
+        <p:txBody>
+          <a:bodyPr vert="horz" wrap="none" lIns="91440" tIns="45720" rIns="91440" bIns="45720" rtlCol="0" anchor="ctr">
+            <a:normAutofit/>
+          </a:bodyPr>
+          <a:lstStyle/>
+          <a:p>
+            <a:r>
+              <a:rPr kumimoji="1" lang="ja-JP" altLang="en-US" sz="3600" dirty="0" smtClean="0"/>
+              <a:t>メリット</a:t>
+            </a:r>
+          </a:p>
+        </p:txBody>
+      </p:sp>
+      <p:sp>
+        <p:nvSpPr>
+          <p:cNvPr id="12" name="角丸四角形 11"/>
+          <p:cNvSpPr/>
+          <p:nvPr/>
+        </p:nvSpPr>
+        <p:spPr>
+          <a:xfrm>
+            <a:off x="6231470" y="1862671"/>
+            <a:ext cx="5858933" cy="4216400"/>
+          </a:xfrm>
+          <a:prstGeom prst="roundRect">
+            <a:avLst/>
+          </a:prstGeom>
+          <a:noFill/>
+          <a:ln w="76200" cmpd="sng">
+            <a:solidFill>
+              <a:srgbClr val="FF0000"/>
+            </a:solidFill>
+          </a:ln>
+        </p:spPr>
+        <p:style>
+          <a:lnRef idx="1">
+            <a:schemeClr val="accent1"/>
+          </a:lnRef>
+          <a:fillRef idx="3">
+            <a:schemeClr val="accent1"/>
+          </a:fillRef>
+          <a:effectRef idx="2">
+            <a:schemeClr val="accent1"/>
+          </a:effectRef>
+          <a:fontRef idx="minor">
+            <a:schemeClr val="lt1"/>
+          </a:fontRef>
+        </p:style>
+        <p:txBody>
+          <a:bodyPr rtlCol="0" anchor="ctr"/>
+          <a:lstStyle/>
+          <a:p>
+            <a:pPr algn="ctr"/>
+            <a:endParaRPr kumimoji="1" lang="ja-JP" altLang="en-US"/>
+          </a:p>
+        </p:txBody>
+      </p:sp>
+      <p:sp>
+        <p:nvSpPr>
+          <p:cNvPr id="9" name="テキスト ボックス 8"/>
+          <p:cNvSpPr txBox="1"/>
+          <p:nvPr/>
+        </p:nvSpPr>
+        <p:spPr>
+          <a:xfrm>
+            <a:off x="8009467" y="1422397"/>
+            <a:ext cx="2387603" cy="914400"/>
+          </a:xfrm>
+          <a:prstGeom prst="rect">
+            <a:avLst/>
+          </a:prstGeom>
+          <a:ln w="76200" cmpd="sng">
+            <a:solidFill>
+              <a:srgbClr val="FF0000"/>
+            </a:solidFill>
+          </a:ln>
+        </p:spPr>
+        <p:style>
+          <a:lnRef idx="2">
+            <a:schemeClr val="accent3"/>
+          </a:lnRef>
+          <a:fillRef idx="1">
+            <a:schemeClr val="lt1"/>
+          </a:fillRef>
+          <a:effectRef idx="0">
+            <a:schemeClr val="accent3"/>
+          </a:effectRef>
+          <a:fontRef idx="minor">
+            <a:schemeClr val="dk1"/>
+          </a:fontRef>
+        </p:style>
+        <p:txBody>
+          <a:bodyPr vert="horz" wrap="none" lIns="91440" tIns="45720" rIns="91440" bIns="45720" rtlCol="0" anchor="ctr">
+            <a:normAutofit/>
+          </a:bodyPr>
+          <a:lstStyle/>
+          <a:p>
+            <a:r>
+              <a:rPr kumimoji="1" lang="ja-JP" altLang="en-US" sz="3600" dirty="0" smtClean="0"/>
+              <a:t>デメリット</a:t>
+            </a:r>
+          </a:p>
+        </p:txBody>
+      </p:sp>
+      <p:sp>
+        <p:nvSpPr>
+          <p:cNvPr id="5" name="テキスト ボックス 4"/>
+          <p:cNvSpPr txBox="1"/>
+          <p:nvPr/>
+        </p:nvSpPr>
+        <p:spPr>
+          <a:xfrm>
+            <a:off x="-1490133" y="2878667"/>
+            <a:ext cx="914400" cy="914400"/>
+          </a:xfrm>
+          <a:prstGeom prst="rect">
+            <a:avLst/>
+          </a:prstGeom>
+        </p:spPr>
+        <p:txBody>
+          <a:bodyPr vert="horz" wrap="none" lIns="91440" tIns="45720" rIns="91440" bIns="45720" rtlCol="0" anchor="ctr">
+            <a:normAutofit/>
+          </a:bodyPr>
+          <a:lstStyle/>
+          <a:p>
+            <a:endParaRPr kumimoji="1" lang="ja-JP" altLang="en-US" dirty="0" smtClean="0"/>
+          </a:p>
+        </p:txBody>
+      </p:sp>
+      <p:sp>
+        <p:nvSpPr>
+          <p:cNvPr id="13" name="テキスト ボックス 12"/>
+          <p:cNvSpPr txBox="1"/>
+          <p:nvPr/>
+        </p:nvSpPr>
+        <p:spPr>
+          <a:xfrm>
+            <a:off x="203203" y="3699935"/>
+            <a:ext cx="5774267" cy="1693333"/>
+          </a:xfrm>
+          <a:prstGeom prst="rect">
+            <a:avLst/>
+          </a:prstGeom>
+        </p:spPr>
+        <p:txBody>
+          <a:bodyPr vert="horz" wrap="none" lIns="91440" tIns="45720" rIns="91440" bIns="45720" rtlCol="0" anchor="ctr">
+            <a:normAutofit/>
+          </a:bodyPr>
+          <a:lstStyle/>
+          <a:p>
+            <a:r>
+              <a:rPr lang="ja-JP" altLang="en-US" sz="2800" dirty="0" smtClean="0"/>
+              <a:t>・</a:t>
+            </a:r>
+            <a:r>
+              <a:rPr lang="ja-JP" altLang="en-US" sz="2800" dirty="0" smtClean="0"/>
+              <a:t>エラーが</a:t>
+            </a:r>
+            <a:r>
+              <a:rPr lang="en-US" altLang="ja-JP" sz="2800" dirty="0" smtClean="0"/>
+              <a:t>CLI</a:t>
+            </a:r>
+            <a:r>
+              <a:rPr lang="ja-JP" altLang="en-US" sz="2800" dirty="0" smtClean="0"/>
+              <a:t>に比べると少なく</a:t>
+            </a:r>
+            <a:r>
+              <a:rPr lang="en-US" altLang="ja-JP" sz="2800" dirty="0" smtClean="0"/>
+              <a:t/>
+            </a:r>
+            <a:br>
+              <a:rPr lang="en-US" altLang="ja-JP" sz="2800" dirty="0" smtClean="0"/>
+            </a:br>
+            <a:r>
+              <a:rPr lang="ja-JP" altLang="en-US" sz="2800" dirty="0" smtClean="0"/>
+              <a:t>　直感的な操作ができる</a:t>
+            </a:r>
+            <a:endParaRPr lang="en-US" altLang="ja-JP" sz="2800" dirty="0" smtClean="0"/>
+          </a:p>
+        </p:txBody>
+      </p:sp>
+    </p:spTree>
+    <p:extLst>
+      <p:ext uri="{BB962C8B-B14F-4D97-AF65-F5344CB8AC3E}">
+        <p14:creationId xmlns:p14="http://schemas.microsoft.com/office/powerpoint/2010/main" val="585113443"/>
+      </p:ext>
+    </p:extLst>
+  </p:cSld>
+  <p:clrMapOvr>
+    <a:masterClrMapping/>
+  </p:clrMapOvr>
+  <p:timing>
+    <p:tnLst>
+      <p:par>
+        <p:cTn xmlns:p14="http://schemas.microsoft.com/office/powerpoint/2010/main" id="1" dur="indefinite" restart="never" nodeType="tmRoot"/>
+      </p:par>
+    </p:tnLst>
+  </p:timing>
+</p:sld>
+</file>
+
+<file path=ppt/slides/slide25.xml><?xml version="1.0" encoding="utf-8"?>
 <p:sld xmlns:a="http://schemas.openxmlformats.org/drawingml/2006/main" xmlns:r="http://schemas.openxmlformats.org/officeDocument/2006/relationships" xmlns:p="http://schemas.openxmlformats.org/presentationml/2006/main">
   <p:cSld>
     <p:spTree>
@@ -28982,7 +29598,7 @@
 </p:sld>
 </file>
 
-<file path=ppt/slides/slide25.xml><?xml version="1.0" encoding="utf-8"?>
+<file path=ppt/slides/slide26.xml><?xml version="1.0" encoding="utf-8"?>
 <p:sld xmlns:a="http://schemas.openxmlformats.org/drawingml/2006/main" xmlns:r="http://schemas.openxmlformats.org/officeDocument/2006/relationships" xmlns:p="http://schemas.openxmlformats.org/presentationml/2006/main">
   <p:cSld>
     <p:spTree>
@@ -29692,7 +30308,7 @@
 </p:sld>
 </file>
 
-<file path=ppt/slides/slide26.xml><?xml version="1.0" encoding="utf-8"?>
+<file path=ppt/slides/slide27.xml><?xml version="1.0" encoding="utf-8"?>
 <p:sld xmlns:a="http://schemas.openxmlformats.org/drawingml/2006/main" xmlns:r="http://schemas.openxmlformats.org/officeDocument/2006/relationships" xmlns:p="http://schemas.openxmlformats.org/presentationml/2006/main">
   <p:cSld>
     <p:spTree>
@@ -30120,7 +30736,7 @@
 </p:sld>
 </file>
 
-<file path=ppt/slides/slide27.xml><?xml version="1.0" encoding="utf-8"?>
+<file path=ppt/slides/slide28.xml><?xml version="1.0" encoding="utf-8"?>
 <p:sld xmlns:a="http://schemas.openxmlformats.org/drawingml/2006/main" xmlns:r="http://schemas.openxmlformats.org/officeDocument/2006/relationships" xmlns:p="http://schemas.openxmlformats.org/presentationml/2006/main">
   <p:cSld>
     <p:spTree>
@@ -30847,7 +31463,7 @@
 </p:sld>
 </file>
 
-<file path=ppt/slides/slide28.xml><?xml version="1.0" encoding="utf-8"?>
+<file path=ppt/slides/slide29.xml><?xml version="1.0" encoding="utf-8"?>
 <p:sld xmlns:a="http://schemas.openxmlformats.org/drawingml/2006/main" xmlns:r="http://schemas.openxmlformats.org/officeDocument/2006/relationships" xmlns:p="http://schemas.openxmlformats.org/presentationml/2006/main">
   <p:cSld>
     <p:spTree>
@@ -31598,208 +32214,6 @@
 </p:sld>
 </file>
 
-<file path=ppt/slides/slide29.xml><?xml version="1.0" encoding="utf-8"?>
-<p:sld xmlns:a="http://schemas.openxmlformats.org/drawingml/2006/main" xmlns:r="http://schemas.openxmlformats.org/officeDocument/2006/relationships" xmlns:p="http://schemas.openxmlformats.org/presentationml/2006/main">
-  <p:cSld>
-    <p:spTree>
-      <p:nvGrpSpPr>
-        <p:cNvPr id="1" name=""/>
-        <p:cNvGrpSpPr/>
-        <p:nvPr/>
-      </p:nvGrpSpPr>
-      <p:grpSpPr>
-        <a:xfrm>
-          <a:off x="0" y="0"/>
-          <a:ext cx="0" cy="0"/>
-          <a:chOff x="0" y="0"/>
-          <a:chExt cx="0" cy="0"/>
-        </a:xfrm>
-      </p:grpSpPr>
-      <p:sp>
-        <p:nvSpPr>
-          <p:cNvPr id="2" name="タイトル 1"/>
-          <p:cNvSpPr>
-            <a:spLocks noGrp="1"/>
-          </p:cNvSpPr>
-          <p:nvPr>
-            <p:ph type="title"/>
-          </p:nvPr>
-        </p:nvSpPr>
-        <p:spPr/>
-        <p:txBody>
-          <a:bodyPr/>
-          <a:lstStyle/>
-          <a:p>
-            <a:r>
-              <a:rPr lang="en-US" altLang="ja-JP" dirty="0" smtClean="0"/>
-              <a:t>Virtual</a:t>
-            </a:r>
-            <a:r>
-              <a:rPr lang="en-US" altLang="ja-JP" dirty="0"/>
-              <a:t> Machine(</a:t>
-            </a:r>
-            <a:r>
-              <a:rPr lang="ja-JP" altLang="en-US" dirty="0"/>
-              <a:t>仮想マシン</a:t>
-            </a:r>
-            <a:r>
-              <a:rPr lang="en-US" altLang="ja-JP" dirty="0"/>
-              <a:t>)</a:t>
-            </a:r>
-            <a:endParaRPr kumimoji="1" lang="ja-JP" altLang="en-US" dirty="0"/>
-          </a:p>
-        </p:txBody>
-      </p:sp>
-      <p:sp>
-        <p:nvSpPr>
-          <p:cNvPr id="26" name="テキスト ボックス 25"/>
-          <p:cNvSpPr txBox="1"/>
-          <p:nvPr/>
-        </p:nvSpPr>
-        <p:spPr>
-          <a:xfrm>
-            <a:off x="12854912" y="1613143"/>
-            <a:ext cx="914400" cy="914400"/>
-          </a:xfrm>
-          <a:prstGeom prst="rect">
-            <a:avLst/>
-          </a:prstGeom>
-        </p:spPr>
-        <p:txBody>
-          <a:bodyPr vert="horz" wrap="none" lIns="91440" tIns="45720" rIns="91440" bIns="45720" rtlCol="0" anchor="ctr">
-            <a:normAutofit/>
-          </a:bodyPr>
-          <a:lstStyle/>
-          <a:p>
-            <a:endParaRPr kumimoji="1" lang="ja-JP" altLang="en-US" dirty="0" smtClean="0"/>
-          </a:p>
-        </p:txBody>
-      </p:sp>
-      <p:sp>
-        <p:nvSpPr>
-          <p:cNvPr id="30" name="テキスト ボックス 29"/>
-          <p:cNvSpPr txBox="1"/>
-          <p:nvPr/>
-        </p:nvSpPr>
-        <p:spPr>
-          <a:xfrm>
-            <a:off x="7105385" y="6858000"/>
-            <a:ext cx="914400" cy="914400"/>
-          </a:xfrm>
-          <a:prstGeom prst="rect">
-            <a:avLst/>
-          </a:prstGeom>
-        </p:spPr>
-        <p:txBody>
-          <a:bodyPr vert="horz" wrap="none" lIns="91440" tIns="45720" rIns="91440" bIns="45720" rtlCol="0" anchor="ctr">
-            <a:normAutofit/>
-          </a:bodyPr>
-          <a:lstStyle/>
-          <a:p>
-            <a:endParaRPr kumimoji="1" lang="ja-JP" altLang="en-US" dirty="0" smtClean="0"/>
-          </a:p>
-        </p:txBody>
-      </p:sp>
-      <p:pic>
-        <p:nvPicPr>
-          <p:cNvPr id="5" name="図 4" descr="Virtual machine.png"/>
-          <p:cNvPicPr>
-            <a:picLocks noChangeAspect="1"/>
-          </p:cNvPicPr>
-          <p:nvPr/>
-        </p:nvPicPr>
-        <p:blipFill>
-          <a:blip r:embed="rId3" cstate="print">
-            <a:extLst>
-              <a:ext uri="{28A0092B-C50C-407E-A947-70E740481C1C}">
-                <a14:useLocalDpi xmlns:a14="http://schemas.microsoft.com/office/drawing/2010/main" val="0"/>
-              </a:ext>
-            </a:extLst>
-          </a:blip>
-          <a:stretch>
-            <a:fillRect/>
-          </a:stretch>
-        </p:blipFill>
-        <p:spPr>
-          <a:xfrm>
-            <a:off x="10764000" y="5598000"/>
-            <a:ext cx="1260000" cy="1260000"/>
-          </a:xfrm>
-          <a:prstGeom prst="rect">
-            <a:avLst/>
-          </a:prstGeom>
-        </p:spPr>
-      </p:pic>
-      <p:sp>
-        <p:nvSpPr>
-          <p:cNvPr id="9" name="コンテンツ プレースホルダー 2"/>
-          <p:cNvSpPr>
-            <a:spLocks noGrp="1"/>
-          </p:cNvSpPr>
-          <p:nvPr>
-            <p:ph sz="half" idx="1"/>
-          </p:nvPr>
-        </p:nvSpPr>
-        <p:spPr>
-          <a:xfrm>
-            <a:off x="602511" y="1155701"/>
-            <a:ext cx="10979895" cy="4970467"/>
-          </a:xfrm>
-        </p:spPr>
-        <p:txBody>
-          <a:bodyPr>
-            <a:normAutofit/>
-          </a:bodyPr>
-          <a:lstStyle/>
-          <a:p>
-            <a:r>
-              <a:rPr lang="ja-JP" altLang="en-US" sz="3600" dirty="0" smtClean="0"/>
-              <a:t>料金</a:t>
-            </a:r>
-            <a:endParaRPr lang="en-US" altLang="ja-JP" sz="3600" dirty="0" smtClean="0"/>
-          </a:p>
-          <a:p>
-            <a:pPr lvl="1"/>
-            <a:r>
-              <a:rPr lang="ja-JP" altLang="en-US" dirty="0" smtClean="0"/>
-              <a:t>インスタンスごとの料金</a:t>
-            </a:r>
-            <a:r>
-              <a:rPr lang="en-US" altLang="ja-JP" dirty="0" smtClean="0"/>
-              <a:t>×◯</a:t>
-            </a:r>
-            <a:r>
-              <a:rPr lang="ja-JP" altLang="en-US" dirty="0" smtClean="0"/>
-              <a:t>時間</a:t>
-            </a:r>
-            <a:endParaRPr lang="en-US" altLang="ja-JP" dirty="0" smtClean="0"/>
-          </a:p>
-          <a:p>
-            <a:pPr lvl="1"/>
-            <a:endParaRPr lang="en-US" altLang="ja-JP" sz="2267" dirty="0" smtClean="0"/>
-          </a:p>
-        </p:txBody>
-      </p:sp>
-    </p:spTree>
-    <p:extLst>
-      <p:ext uri="{BB962C8B-B14F-4D97-AF65-F5344CB8AC3E}">
-        <p14:creationId xmlns:p14="http://schemas.microsoft.com/office/powerpoint/2010/main" val="1691309620"/>
-      </p:ext>
-    </p:extLst>
-  </p:cSld>
-  <p:clrMapOvr>
-    <a:masterClrMapping/>
-  </p:clrMapOvr>
-  <p:timing>
-    <p:tnLst>
-      <p:par>
-        <p:cTn xmlns:p14="http://schemas.microsoft.com/office/powerpoint/2010/main" id="1" dur="indefinite" restart="never" nodeType="tmRoot"/>
-      </p:par>
-    </p:tnLst>
-  </p:timing>
-</p:sld>
-</file>
-
 <file path=ppt/slides/slide3.xml><?xml version="1.0" encoding="utf-8"?>
 <p:sld xmlns:a="http://schemas.openxmlformats.org/drawingml/2006/main" xmlns:r="http://schemas.openxmlformats.org/officeDocument/2006/relationships" xmlns:p="http://schemas.openxmlformats.org/presentationml/2006/main">
   <p:cSld>
@@ -31858,7 +32272,7 @@
         </p:spPr>
         <p:txBody>
           <a:bodyPr>
-            <a:normAutofit fontScale="92500" lnSpcReduction="20000"/>
+            <a:normAutofit fontScale="85000" lnSpcReduction="20000"/>
           </a:bodyPr>
           <a:lstStyle/>
           <a:p>
@@ -31938,12 +32352,36 @@
           <a:p>
             <a:pPr lvl="1"/>
             <a:r>
+              <a:rPr lang="en-US" altLang="ja-JP" sz="2000" dirty="0" smtClean="0"/>
+              <a:t>Microsoft </a:t>
+            </a:r>
+            <a:r>
+              <a:rPr lang="en-US" altLang="ja-JP" sz="2000" dirty="0"/>
+              <a:t>Azure for </a:t>
+            </a:r>
+            <a:r>
+              <a:rPr lang="en-US" altLang="ja-JP" sz="2000" dirty="0" err="1"/>
+              <a:t>DreamSpark</a:t>
+            </a:r>
+            <a:r>
+              <a:rPr lang="en-US" altLang="ja-JP" sz="2000" dirty="0"/>
+              <a:t> </a:t>
+            </a:r>
+            <a:r>
+              <a:rPr lang="ja-JP" altLang="en-US" sz="2000" dirty="0"/>
+              <a:t>登録の</a:t>
+            </a:r>
+            <a:r>
               <a:rPr lang="ja-JP" altLang="en-US" sz="2000" dirty="0" smtClean="0"/>
-              <a:t>新しく</a:t>
-            </a:r>
+              <a:t>流れ</a:t>
+            </a:r>
+            <a:endParaRPr lang="en-US" altLang="ja-JP" sz="2000" dirty="0" smtClean="0"/>
+          </a:p>
+          <a:p>
+            <a:pPr lvl="1"/>
             <a:r>
               <a:rPr lang="ja-JP" altLang="en-US" sz="2000" dirty="0"/>
-              <a:t>プロジェクトを</a:t>
+              <a:t>新しくプロジェクトを</a:t>
             </a:r>
             <a:r>
               <a:rPr lang="ja-JP" altLang="en-US" sz="2000" dirty="0" smtClean="0"/>
@@ -31955,7 +32393,7 @@
             <a:pPr lvl="1"/>
             <a:r>
               <a:rPr lang="ja-JP" altLang="en-US" sz="2000" dirty="0" smtClean="0"/>
-              <a:t>実行方法</a:t>
+              <a:t>使用方法</a:t>
             </a:r>
             <a:endParaRPr lang="en-US" altLang="ja-JP" sz="2000" dirty="0"/>
           </a:p>
@@ -31969,8 +32407,8 @@
           </a:p>
           <a:p>
             <a:r>
-              <a:rPr lang="en-US" altLang="ja-JP" sz="2400" dirty="0" err="1" smtClean="0"/>
-              <a:t>DreamSpark</a:t>
+              <a:rPr lang="ja-JP" altLang="en-US" sz="2400" dirty="0" smtClean="0"/>
+              <a:t>まとめ</a:t>
             </a:r>
             <a:endParaRPr lang="en-US" altLang="ja-JP" sz="2400" dirty="0" smtClean="0"/>
           </a:p>
@@ -31978,7 +32416,11 @@
             <a:pPr lvl="1"/>
             <a:r>
               <a:rPr lang="ja-JP" altLang="en-US" sz="1900" dirty="0" smtClean="0"/>
-              <a:t>公式サイトの見方</a:t>
+              <a:t>公式</a:t>
+            </a:r>
+            <a:r>
+              <a:rPr lang="ja-JP" altLang="en-US" sz="1900" dirty="0" smtClean="0"/>
+              <a:t>サイトの見方</a:t>
             </a:r>
             <a:endParaRPr lang="en-US" altLang="ja-JP" sz="1900" dirty="0"/>
           </a:p>
@@ -32024,6 +32466,208 @@
 </file>
 
 <file path=ppt/slides/slide30.xml><?xml version="1.0" encoding="utf-8"?>
+<p:sld xmlns:a="http://schemas.openxmlformats.org/drawingml/2006/main" xmlns:r="http://schemas.openxmlformats.org/officeDocument/2006/relationships" xmlns:p="http://schemas.openxmlformats.org/presentationml/2006/main">
+  <p:cSld>
+    <p:spTree>
+      <p:nvGrpSpPr>
+        <p:cNvPr id="1" name=""/>
+        <p:cNvGrpSpPr/>
+        <p:nvPr/>
+      </p:nvGrpSpPr>
+      <p:grpSpPr>
+        <a:xfrm>
+          <a:off x="0" y="0"/>
+          <a:ext cx="0" cy="0"/>
+          <a:chOff x="0" y="0"/>
+          <a:chExt cx="0" cy="0"/>
+        </a:xfrm>
+      </p:grpSpPr>
+      <p:sp>
+        <p:nvSpPr>
+          <p:cNvPr id="2" name="タイトル 1"/>
+          <p:cNvSpPr>
+            <a:spLocks noGrp="1"/>
+          </p:cNvSpPr>
+          <p:nvPr>
+            <p:ph type="title"/>
+          </p:nvPr>
+        </p:nvSpPr>
+        <p:spPr/>
+        <p:txBody>
+          <a:bodyPr/>
+          <a:lstStyle/>
+          <a:p>
+            <a:r>
+              <a:rPr lang="en-US" altLang="ja-JP" dirty="0" smtClean="0"/>
+              <a:t>Virtual</a:t>
+            </a:r>
+            <a:r>
+              <a:rPr lang="en-US" altLang="ja-JP" dirty="0"/>
+              <a:t> Machine(</a:t>
+            </a:r>
+            <a:r>
+              <a:rPr lang="ja-JP" altLang="en-US" dirty="0"/>
+              <a:t>仮想マシン</a:t>
+            </a:r>
+            <a:r>
+              <a:rPr lang="en-US" altLang="ja-JP" dirty="0"/>
+              <a:t>)</a:t>
+            </a:r>
+            <a:endParaRPr kumimoji="1" lang="ja-JP" altLang="en-US" dirty="0"/>
+          </a:p>
+        </p:txBody>
+      </p:sp>
+      <p:sp>
+        <p:nvSpPr>
+          <p:cNvPr id="26" name="テキスト ボックス 25"/>
+          <p:cNvSpPr txBox="1"/>
+          <p:nvPr/>
+        </p:nvSpPr>
+        <p:spPr>
+          <a:xfrm>
+            <a:off x="12854912" y="1613143"/>
+            <a:ext cx="914400" cy="914400"/>
+          </a:xfrm>
+          <a:prstGeom prst="rect">
+            <a:avLst/>
+          </a:prstGeom>
+        </p:spPr>
+        <p:txBody>
+          <a:bodyPr vert="horz" wrap="none" lIns="91440" tIns="45720" rIns="91440" bIns="45720" rtlCol="0" anchor="ctr">
+            <a:normAutofit/>
+          </a:bodyPr>
+          <a:lstStyle/>
+          <a:p>
+            <a:endParaRPr kumimoji="1" lang="ja-JP" altLang="en-US" dirty="0" smtClean="0"/>
+          </a:p>
+        </p:txBody>
+      </p:sp>
+      <p:sp>
+        <p:nvSpPr>
+          <p:cNvPr id="30" name="テキスト ボックス 29"/>
+          <p:cNvSpPr txBox="1"/>
+          <p:nvPr/>
+        </p:nvSpPr>
+        <p:spPr>
+          <a:xfrm>
+            <a:off x="7105385" y="6858000"/>
+            <a:ext cx="914400" cy="914400"/>
+          </a:xfrm>
+          <a:prstGeom prst="rect">
+            <a:avLst/>
+          </a:prstGeom>
+        </p:spPr>
+        <p:txBody>
+          <a:bodyPr vert="horz" wrap="none" lIns="91440" tIns="45720" rIns="91440" bIns="45720" rtlCol="0" anchor="ctr">
+            <a:normAutofit/>
+          </a:bodyPr>
+          <a:lstStyle/>
+          <a:p>
+            <a:endParaRPr kumimoji="1" lang="ja-JP" altLang="en-US" dirty="0" smtClean="0"/>
+          </a:p>
+        </p:txBody>
+      </p:sp>
+      <p:pic>
+        <p:nvPicPr>
+          <p:cNvPr id="5" name="図 4" descr="Virtual machine.png"/>
+          <p:cNvPicPr>
+            <a:picLocks noChangeAspect="1"/>
+          </p:cNvPicPr>
+          <p:nvPr/>
+        </p:nvPicPr>
+        <p:blipFill>
+          <a:blip r:embed="rId3" cstate="print">
+            <a:extLst>
+              <a:ext uri="{28A0092B-C50C-407E-A947-70E740481C1C}">
+                <a14:useLocalDpi xmlns:a14="http://schemas.microsoft.com/office/drawing/2010/main" val="0"/>
+              </a:ext>
+            </a:extLst>
+          </a:blip>
+          <a:stretch>
+            <a:fillRect/>
+          </a:stretch>
+        </p:blipFill>
+        <p:spPr>
+          <a:xfrm>
+            <a:off x="10764000" y="5598000"/>
+            <a:ext cx="1260000" cy="1260000"/>
+          </a:xfrm>
+          <a:prstGeom prst="rect">
+            <a:avLst/>
+          </a:prstGeom>
+        </p:spPr>
+      </p:pic>
+      <p:sp>
+        <p:nvSpPr>
+          <p:cNvPr id="9" name="コンテンツ プレースホルダー 2"/>
+          <p:cNvSpPr>
+            <a:spLocks noGrp="1"/>
+          </p:cNvSpPr>
+          <p:nvPr>
+            <p:ph sz="half" idx="1"/>
+          </p:nvPr>
+        </p:nvSpPr>
+        <p:spPr>
+          <a:xfrm>
+            <a:off x="602511" y="1155701"/>
+            <a:ext cx="10979895" cy="4970467"/>
+          </a:xfrm>
+        </p:spPr>
+        <p:txBody>
+          <a:bodyPr>
+            <a:normAutofit/>
+          </a:bodyPr>
+          <a:lstStyle/>
+          <a:p>
+            <a:r>
+              <a:rPr lang="ja-JP" altLang="en-US" sz="3600" dirty="0" smtClean="0"/>
+              <a:t>料金</a:t>
+            </a:r>
+            <a:endParaRPr lang="en-US" altLang="ja-JP" sz="3600" dirty="0" smtClean="0"/>
+          </a:p>
+          <a:p>
+            <a:pPr lvl="1"/>
+            <a:r>
+              <a:rPr lang="ja-JP" altLang="en-US" dirty="0" smtClean="0"/>
+              <a:t>インスタンスごとの料金</a:t>
+            </a:r>
+            <a:r>
+              <a:rPr lang="en-US" altLang="ja-JP" dirty="0" smtClean="0"/>
+              <a:t>×◯</a:t>
+            </a:r>
+            <a:r>
+              <a:rPr lang="ja-JP" altLang="en-US" dirty="0" smtClean="0"/>
+              <a:t>時間</a:t>
+            </a:r>
+            <a:endParaRPr lang="en-US" altLang="ja-JP" dirty="0" smtClean="0"/>
+          </a:p>
+          <a:p>
+            <a:pPr lvl="1"/>
+            <a:endParaRPr lang="en-US" altLang="ja-JP" sz="2267" dirty="0" smtClean="0"/>
+          </a:p>
+        </p:txBody>
+      </p:sp>
+    </p:spTree>
+    <p:extLst>
+      <p:ext uri="{BB962C8B-B14F-4D97-AF65-F5344CB8AC3E}">
+        <p14:creationId xmlns:p14="http://schemas.microsoft.com/office/powerpoint/2010/main" val="1691309620"/>
+      </p:ext>
+    </p:extLst>
+  </p:cSld>
+  <p:clrMapOvr>
+    <a:masterClrMapping/>
+  </p:clrMapOvr>
+  <p:timing>
+    <p:tnLst>
+      <p:par>
+        <p:cTn xmlns:p14="http://schemas.microsoft.com/office/powerpoint/2010/main" id="1" dur="indefinite" restart="never" nodeType="tmRoot"/>
+      </p:par>
+    </p:tnLst>
+  </p:timing>
+</p:sld>
+</file>
+
+<file path=ppt/slides/slide31.xml><?xml version="1.0" encoding="utf-8"?>
 <p:sld xmlns:a="http://schemas.openxmlformats.org/drawingml/2006/main" xmlns:r="http://schemas.openxmlformats.org/officeDocument/2006/relationships" xmlns:p="http://schemas.openxmlformats.org/presentationml/2006/main">
   <p:cSld>
     <p:spTree>
@@ -32733,7 +33377,7 @@
 </p:sld>
 </file>
 
-<file path=ppt/slides/slide31.xml><?xml version="1.0" encoding="utf-8"?>
+<file path=ppt/slides/slide32.xml><?xml version="1.0" encoding="utf-8"?>
 <p:sld xmlns:a="http://schemas.openxmlformats.org/drawingml/2006/main" xmlns:r="http://schemas.openxmlformats.org/officeDocument/2006/relationships" xmlns:p="http://schemas.openxmlformats.org/presentationml/2006/main">
   <p:cSld>
     <p:spTree>
@@ -33443,7 +34087,7 @@
 </p:sld>
 </file>
 
-<file path=ppt/slides/slide32.xml><?xml version="1.0" encoding="utf-8"?>
+<file path=ppt/slides/slide33.xml><?xml version="1.0" encoding="utf-8"?>
 <p:sld xmlns:a="http://schemas.openxmlformats.org/drawingml/2006/main" xmlns:r="http://schemas.openxmlformats.org/officeDocument/2006/relationships" xmlns:p="http://schemas.openxmlformats.org/presentationml/2006/main">
   <p:cSld>
     <p:spTree>
@@ -33612,270 +34256,6 @@
     <p:extLst>
       <p:ext uri="{BB962C8B-B14F-4D97-AF65-F5344CB8AC3E}">
         <p14:creationId xmlns:p14="http://schemas.microsoft.com/office/powerpoint/2010/main" val="2974336000"/>
-      </p:ext>
-    </p:extLst>
-  </p:cSld>
-  <p:clrMapOvr>
-    <a:masterClrMapping/>
-  </p:clrMapOvr>
-  <p:timing>
-    <p:tnLst>
-      <p:par>
-        <p:cTn xmlns:p14="http://schemas.microsoft.com/office/powerpoint/2010/main" id="1" dur="indefinite" restart="never" nodeType="tmRoot"/>
-      </p:par>
-    </p:tnLst>
-  </p:timing>
-</p:sld>
-</file>
-
-<file path=ppt/slides/slide33.xml><?xml version="1.0" encoding="utf-8"?>
-<p:sld xmlns:a="http://schemas.openxmlformats.org/drawingml/2006/main" xmlns:r="http://schemas.openxmlformats.org/officeDocument/2006/relationships" xmlns:p="http://schemas.openxmlformats.org/presentationml/2006/main">
-  <p:cSld>
-    <p:spTree>
-      <p:nvGrpSpPr>
-        <p:cNvPr id="1" name=""/>
-        <p:cNvGrpSpPr/>
-        <p:nvPr/>
-      </p:nvGrpSpPr>
-      <p:grpSpPr>
-        <a:xfrm>
-          <a:off x="0" y="0"/>
-          <a:ext cx="0" cy="0"/>
-          <a:chOff x="0" y="0"/>
-          <a:chExt cx="0" cy="0"/>
-        </a:xfrm>
-      </p:grpSpPr>
-      <p:sp>
-        <p:nvSpPr>
-          <p:cNvPr id="2" name="タイトル 1"/>
-          <p:cNvSpPr>
-            <a:spLocks noGrp="1"/>
-          </p:cNvSpPr>
-          <p:nvPr>
-            <p:ph type="title"/>
-          </p:nvPr>
-        </p:nvSpPr>
-        <p:spPr/>
-        <p:txBody>
-          <a:bodyPr/>
-          <a:lstStyle/>
-          <a:p>
-            <a:r>
-              <a:rPr lang="en-US" altLang="ja-JP" dirty="0"/>
-              <a:t>Web App</a:t>
-            </a:r>
-            <a:endParaRPr kumimoji="1" lang="ja-JP" altLang="en-US" dirty="0"/>
-          </a:p>
-        </p:txBody>
-      </p:sp>
-      <p:sp>
-        <p:nvSpPr>
-          <p:cNvPr id="26" name="テキスト ボックス 25"/>
-          <p:cNvSpPr txBox="1"/>
-          <p:nvPr/>
-        </p:nvSpPr>
-        <p:spPr>
-          <a:xfrm>
-            <a:off x="12854912" y="1613143"/>
-            <a:ext cx="914400" cy="914400"/>
-          </a:xfrm>
-          <a:prstGeom prst="rect">
-            <a:avLst/>
-          </a:prstGeom>
-        </p:spPr>
-        <p:txBody>
-          <a:bodyPr vert="horz" wrap="none" lIns="91440" tIns="45720" rIns="91440" bIns="45720" rtlCol="0" anchor="ctr">
-            <a:normAutofit/>
-          </a:bodyPr>
-          <a:lstStyle/>
-          <a:p>
-            <a:endParaRPr kumimoji="1" lang="ja-JP" altLang="en-US" dirty="0" smtClean="0"/>
-          </a:p>
-        </p:txBody>
-      </p:sp>
-      <p:sp>
-        <p:nvSpPr>
-          <p:cNvPr id="30" name="テキスト ボックス 29"/>
-          <p:cNvSpPr txBox="1"/>
-          <p:nvPr/>
-        </p:nvSpPr>
-        <p:spPr>
-          <a:xfrm>
-            <a:off x="7105385" y="6858000"/>
-            <a:ext cx="914400" cy="914400"/>
-          </a:xfrm>
-          <a:prstGeom prst="rect">
-            <a:avLst/>
-          </a:prstGeom>
-        </p:spPr>
-        <p:txBody>
-          <a:bodyPr vert="horz" wrap="none" lIns="91440" tIns="45720" rIns="91440" bIns="45720" rtlCol="0" anchor="ctr">
-            <a:normAutofit/>
-          </a:bodyPr>
-          <a:lstStyle/>
-          <a:p>
-            <a:endParaRPr kumimoji="1" lang="ja-JP" altLang="en-US" dirty="0" smtClean="0"/>
-          </a:p>
-        </p:txBody>
-      </p:sp>
-      <p:sp>
-        <p:nvSpPr>
-          <p:cNvPr id="9" name="コンテンツ プレースホルダー 2"/>
-          <p:cNvSpPr>
-            <a:spLocks noGrp="1"/>
-          </p:cNvSpPr>
-          <p:nvPr>
-            <p:ph sz="half" idx="1"/>
-          </p:nvPr>
-        </p:nvSpPr>
-        <p:spPr>
-          <a:xfrm>
-            <a:off x="602511" y="1155701"/>
-            <a:ext cx="10979895" cy="4970467"/>
-          </a:xfrm>
-        </p:spPr>
-        <p:txBody>
-          <a:bodyPr>
-            <a:normAutofit/>
-          </a:bodyPr>
-          <a:lstStyle/>
-          <a:p>
-            <a:r>
-              <a:rPr lang="en-US" altLang="en-US" sz="3600" dirty="0" smtClean="0"/>
-              <a:t>動作可能な言語</a:t>
-            </a:r>
-            <a:endParaRPr lang="en-US" altLang="en-US" sz="2800" dirty="0"/>
-          </a:p>
-          <a:p>
-            <a:pPr lvl="1"/>
-            <a:endParaRPr lang="en-US" altLang="ja-JP" sz="2800" dirty="0" smtClean="0"/>
-          </a:p>
-        </p:txBody>
-      </p:sp>
-      <p:pic>
-        <p:nvPicPr>
-          <p:cNvPr id="10" name="図 9" descr="Web App (was Websites).png"/>
-          <p:cNvPicPr>
-            <a:picLocks noChangeAspect="1"/>
-          </p:cNvPicPr>
-          <p:nvPr/>
-        </p:nvPicPr>
-        <p:blipFill>
-          <a:blip r:embed="rId3" cstate="print">
-            <a:extLst>
-              <a:ext uri="{28A0092B-C50C-407E-A947-70E740481C1C}">
-                <a14:useLocalDpi xmlns:a14="http://schemas.microsoft.com/office/drawing/2010/main" val="0"/>
-              </a:ext>
-            </a:extLst>
-          </a:blip>
-          <a:stretch>
-            <a:fillRect/>
-          </a:stretch>
-        </p:blipFill>
-        <p:spPr>
-          <a:xfrm>
-            <a:off x="10764000" y="5598000"/>
-            <a:ext cx="1116000" cy="1116000"/>
-          </a:xfrm>
-          <a:prstGeom prst="rect">
-            <a:avLst/>
-          </a:prstGeom>
-        </p:spPr>
-      </p:pic>
-      <p:pic>
-        <p:nvPicPr>
-          <p:cNvPr id="3" name="図 2" descr="NET_h_rgb_2.png"/>
-          <p:cNvPicPr>
-            <a:picLocks noChangeAspect="1"/>
-          </p:cNvPicPr>
-          <p:nvPr/>
-        </p:nvPicPr>
-        <p:blipFill>
-          <a:blip r:embed="rId4">
-            <a:extLst>
-              <a:ext uri="{28A0092B-C50C-407E-A947-70E740481C1C}">
-                <a14:useLocalDpi xmlns:a14="http://schemas.microsoft.com/office/drawing/2010/main" val="0"/>
-              </a:ext>
-            </a:extLst>
-          </a:blip>
-          <a:stretch>
-            <a:fillRect/>
-          </a:stretch>
-        </p:blipFill>
-        <p:spPr>
-          <a:xfrm>
-            <a:off x="298277" y="3068182"/>
-            <a:ext cx="3297211" cy="814251"/>
-          </a:xfrm>
-          <a:prstGeom prst="rect">
-            <a:avLst/>
-          </a:prstGeom>
-        </p:spPr>
-      </p:pic>
-      <p:pic>
-        <p:nvPicPr>
-          <p:cNvPr id="7" name="図 6" descr="c0d23d2d6769e53e24a1b3136c064577-php_logo.png"/>
-          <p:cNvPicPr>
-            <a:picLocks noChangeAspect="1"/>
-          </p:cNvPicPr>
-          <p:nvPr/>
-        </p:nvPicPr>
-        <p:blipFill>
-          <a:blip r:embed="rId5">
-            <a:extLst>
-              <a:ext uri="{28A0092B-C50C-407E-A947-70E740481C1C}">
-                <a14:useLocalDpi xmlns:a14="http://schemas.microsoft.com/office/drawing/2010/main" val="0"/>
-              </a:ext>
-            </a:extLst>
-          </a:blip>
-          <a:stretch>
-            <a:fillRect/>
-          </a:stretch>
-        </p:blipFill>
-        <p:spPr>
-          <a:xfrm>
-            <a:off x="4191000" y="2332307"/>
-            <a:ext cx="3810000" cy="2286000"/>
-          </a:xfrm>
-          <a:prstGeom prst="rect">
-            <a:avLst/>
-          </a:prstGeom>
-        </p:spPr>
-      </p:pic>
-      <p:pic>
-        <p:nvPicPr>
-          <p:cNvPr id="8" name="図 7" descr="python-logo-master-v3-TM.png"/>
-          <p:cNvPicPr>
-            <a:picLocks noChangeAspect="1"/>
-          </p:cNvPicPr>
-          <p:nvPr/>
-        </p:nvPicPr>
-        <p:blipFill>
-          <a:blip r:embed="rId6">
-            <a:extLst>
-              <a:ext uri="{28A0092B-C50C-407E-A947-70E740481C1C}">
-                <a14:useLocalDpi xmlns:a14="http://schemas.microsoft.com/office/drawing/2010/main" val="0"/>
-              </a:ext>
-            </a:extLst>
-          </a:blip>
-          <a:stretch>
-            <a:fillRect/>
-          </a:stretch>
-        </p:blipFill>
-        <p:spPr>
-          <a:xfrm>
-            <a:off x="7866375" y="2824683"/>
-            <a:ext cx="3852464" cy="1301248"/>
-          </a:xfrm>
-          <a:prstGeom prst="rect">
-            <a:avLst/>
-          </a:prstGeom>
-        </p:spPr>
-      </p:pic>
-    </p:spTree>
-    <p:extLst>
-      <p:ext uri="{BB962C8B-B14F-4D97-AF65-F5344CB8AC3E}">
-        <p14:creationId xmlns:p14="http://schemas.microsoft.com/office/powerpoint/2010/main" val="4238897694"/>
       </p:ext>
     </p:extLst>
   </p:cSld>
@@ -34005,14 +34385,10 @@
           <a:lstStyle/>
           <a:p>
             <a:r>
-              <a:rPr lang="en-US" altLang="en-US" sz="3600" dirty="0"/>
-              <a:t>動作可能な</a:t>
-            </a:r>
-            <a:r>
               <a:rPr lang="en-US" altLang="en-US" sz="3600" dirty="0" smtClean="0"/>
-              <a:t>言語</a:t>
-            </a:r>
-            <a:endParaRPr lang="en-US" altLang="en-US" sz="3600" dirty="0"/>
+              <a:t>動作可能な言語</a:t>
+            </a:r>
+            <a:endParaRPr lang="en-US" altLang="en-US" sz="2800" dirty="0"/>
           </a:p>
           <a:p>
             <a:pPr lvl="1"/>
@@ -34140,47 +34516,10 @@
           </a:prstGeom>
         </p:spPr>
       </p:pic>
-      <p:sp>
-        <p:nvSpPr>
-          <p:cNvPr id="4" name="テキスト ボックス 3"/>
-          <p:cNvSpPr txBox="1"/>
-          <p:nvPr/>
-        </p:nvSpPr>
-        <p:spPr>
-          <a:xfrm>
-            <a:off x="5086040" y="5151220"/>
-            <a:ext cx="2019920" cy="914400"/>
-          </a:xfrm>
-          <a:prstGeom prst="rect">
-            <a:avLst/>
-          </a:prstGeom>
-        </p:spPr>
-        <p:txBody>
-          <a:bodyPr vert="horz" wrap="none" lIns="91440" tIns="45720" rIns="91440" bIns="45720" rtlCol="0" anchor="ctr">
-            <a:noAutofit/>
-          </a:bodyPr>
-          <a:lstStyle/>
-          <a:p>
-            <a:r>
-              <a:rPr lang="ja-JP" altLang="en-US" sz="8000" dirty="0" smtClean="0">
-                <a:solidFill>
-                  <a:srgbClr val="FF0000"/>
-                </a:solidFill>
-              </a:rPr>
-              <a:t>又は</a:t>
-            </a:r>
-            <a:endParaRPr kumimoji="1" lang="ja-JP" altLang="en-US" sz="8000" dirty="0" smtClean="0">
-              <a:solidFill>
-                <a:srgbClr val="FF0000"/>
-              </a:solidFill>
-            </a:endParaRPr>
-          </a:p>
-        </p:txBody>
-      </p:sp>
     </p:spTree>
     <p:extLst>
       <p:ext uri="{BB962C8B-B14F-4D97-AF65-F5344CB8AC3E}">
-        <p14:creationId xmlns:p14="http://schemas.microsoft.com/office/powerpoint/2010/main" val="3846963584"/>
+        <p14:creationId xmlns:p14="http://schemas.microsoft.com/office/powerpoint/2010/main" val="4238897694"/>
       </p:ext>
     </p:extLst>
   </p:cSld>
@@ -34319,6 +34658,10 @@
             </a:r>
             <a:endParaRPr lang="en-US" altLang="en-US" sz="3600" dirty="0"/>
           </a:p>
+          <a:p>
+            <a:pPr lvl="1"/>
+            <a:endParaRPr lang="en-US" altLang="ja-JP" sz="2800" dirty="0" smtClean="0"/>
+          </a:p>
         </p:txBody>
       </p:sp>
       <p:pic>
@@ -34353,7 +34696,7 @@
       </p:pic>
       <p:pic>
         <p:nvPicPr>
-          <p:cNvPr id="6" name="図 5" descr="2000px-Tomcat-logo.svg.png"/>
+          <p:cNvPr id="3" name="図 2" descr="NET_h_rgb_2.png"/>
           <p:cNvPicPr>
             <a:picLocks noChangeAspect="1"/>
           </p:cNvPicPr>
@@ -34373,29 +34716,89 @@
         </p:blipFill>
         <p:spPr>
           <a:xfrm>
-            <a:off x="3928911" y="2293352"/>
-            <a:ext cx="4334191" cy="2888739"/>
+            <a:off x="298277" y="3068182"/>
+            <a:ext cx="3297211" cy="814251"/>
           </a:xfrm>
           <a:prstGeom prst="rect">
             <a:avLst/>
           </a:prstGeom>
         </p:spPr>
       </p:pic>
-      <p:sp>
-        <p:nvSpPr>
-          <p:cNvPr id="11" name="テキスト ボックス 10"/>
-          <p:cNvSpPr txBox="1"/>
+      <p:pic>
+        <p:nvPicPr>
+          <p:cNvPr id="7" name="図 6" descr="c0d23d2d6769e53e24a1b3136c064577-php_logo.png"/>
+          <p:cNvPicPr>
+            <a:picLocks noChangeAspect="1"/>
+          </p:cNvPicPr>
           <p:nvPr/>
-        </p:nvSpPr>
-        <p:spPr>
-          <a:xfrm>
-            <a:off x="3573827" y="5257065"/>
-            <a:ext cx="5044359" cy="914400"/>
+        </p:nvPicPr>
+        <p:blipFill>
+          <a:blip r:embed="rId5">
+            <a:extLst>
+              <a:ext uri="{28A0092B-C50C-407E-A947-70E740481C1C}">
+                <a14:useLocalDpi xmlns:a14="http://schemas.microsoft.com/office/drawing/2010/main" val="0"/>
+              </a:ext>
+            </a:extLst>
+          </a:blip>
+          <a:stretch>
+            <a:fillRect/>
+          </a:stretch>
+        </p:blipFill>
+        <p:spPr>
+          <a:xfrm>
+            <a:off x="4191000" y="2332307"/>
+            <a:ext cx="3810000" cy="2286000"/>
           </a:xfrm>
           <a:prstGeom prst="rect">
             <a:avLst/>
           </a:prstGeom>
         </p:spPr>
+      </p:pic>
+      <p:pic>
+        <p:nvPicPr>
+          <p:cNvPr id="8" name="図 7" descr="python-logo-master-v3-TM.png"/>
+          <p:cNvPicPr>
+            <a:picLocks noChangeAspect="1"/>
+          </p:cNvPicPr>
+          <p:nvPr/>
+        </p:nvPicPr>
+        <p:blipFill>
+          <a:blip r:embed="rId6">
+            <a:extLst>
+              <a:ext uri="{28A0092B-C50C-407E-A947-70E740481C1C}">
+                <a14:useLocalDpi xmlns:a14="http://schemas.microsoft.com/office/drawing/2010/main" val="0"/>
+              </a:ext>
+            </a:extLst>
+          </a:blip>
+          <a:stretch>
+            <a:fillRect/>
+          </a:stretch>
+        </p:blipFill>
+        <p:spPr>
+          <a:xfrm>
+            <a:off x="7866375" y="2824683"/>
+            <a:ext cx="3852464" cy="1301248"/>
+          </a:xfrm>
+          <a:prstGeom prst="rect">
+            <a:avLst/>
+          </a:prstGeom>
+        </p:spPr>
+      </p:pic>
+      <p:sp>
+        <p:nvSpPr>
+          <p:cNvPr id="4" name="テキスト ボックス 3"/>
+          <p:cNvSpPr txBox="1"/>
+          <p:nvPr/>
+        </p:nvSpPr>
+        <p:spPr>
+          <a:xfrm>
+            <a:off x="5086040" y="5151220"/>
+            <a:ext cx="2019920" cy="914400"/>
+          </a:xfrm>
+          <a:prstGeom prst="rect">
+            <a:avLst/>
+          </a:prstGeom>
+        </p:spPr>
         <p:txBody>
           <a:bodyPr vert="horz" wrap="none" lIns="91440" tIns="45720" rIns="91440" bIns="45720" rtlCol="0" anchor="ctr">
             <a:noAutofit/>
@@ -34403,17 +34806,25 @@
           <a:lstStyle/>
           <a:p>
             <a:r>
-              <a:rPr kumimoji="1" lang="en-US" altLang="ja-JP" sz="6000" dirty="0" smtClean="0"/>
-              <a:t>Apache Tomcat</a:t>
-            </a:r>
-            <a:endParaRPr kumimoji="1" lang="ja-JP" altLang="en-US" sz="6000" dirty="0" smtClean="0"/>
+              <a:rPr lang="ja-JP" altLang="en-US" sz="8000" dirty="0" smtClean="0">
+                <a:solidFill>
+                  <a:srgbClr val="FF0000"/>
+                </a:solidFill>
+              </a:rPr>
+              <a:t>又は</a:t>
+            </a:r>
+            <a:endParaRPr kumimoji="1" lang="ja-JP" altLang="en-US" sz="8000" dirty="0" smtClean="0">
+              <a:solidFill>
+                <a:srgbClr val="FF0000"/>
+              </a:solidFill>
+            </a:endParaRPr>
           </a:p>
         </p:txBody>
       </p:sp>
     </p:spTree>
     <p:extLst>
       <p:ext uri="{BB962C8B-B14F-4D97-AF65-F5344CB8AC3E}">
-        <p14:creationId xmlns:p14="http://schemas.microsoft.com/office/powerpoint/2010/main" val="875649201"/>
+        <p14:creationId xmlns:p14="http://schemas.microsoft.com/office/powerpoint/2010/main" val="3846963584"/>
       </p:ext>
     </p:extLst>
   </p:cSld>
@@ -34463,6 +34874,239 @@
           <a:lstStyle/>
           <a:p>
             <a:r>
+              <a:rPr lang="en-US" altLang="ja-JP" dirty="0"/>
+              <a:t>Web App</a:t>
+            </a:r>
+            <a:endParaRPr kumimoji="1" lang="ja-JP" altLang="en-US" dirty="0"/>
+          </a:p>
+        </p:txBody>
+      </p:sp>
+      <p:sp>
+        <p:nvSpPr>
+          <p:cNvPr id="26" name="テキスト ボックス 25"/>
+          <p:cNvSpPr txBox="1"/>
+          <p:nvPr/>
+        </p:nvSpPr>
+        <p:spPr>
+          <a:xfrm>
+            <a:off x="12854912" y="1613143"/>
+            <a:ext cx="914400" cy="914400"/>
+          </a:xfrm>
+          <a:prstGeom prst="rect">
+            <a:avLst/>
+          </a:prstGeom>
+        </p:spPr>
+        <p:txBody>
+          <a:bodyPr vert="horz" wrap="none" lIns="91440" tIns="45720" rIns="91440" bIns="45720" rtlCol="0" anchor="ctr">
+            <a:normAutofit/>
+          </a:bodyPr>
+          <a:lstStyle/>
+          <a:p>
+            <a:endParaRPr kumimoji="1" lang="ja-JP" altLang="en-US" dirty="0" smtClean="0"/>
+          </a:p>
+        </p:txBody>
+      </p:sp>
+      <p:sp>
+        <p:nvSpPr>
+          <p:cNvPr id="30" name="テキスト ボックス 29"/>
+          <p:cNvSpPr txBox="1"/>
+          <p:nvPr/>
+        </p:nvSpPr>
+        <p:spPr>
+          <a:xfrm>
+            <a:off x="7105385" y="6858000"/>
+            <a:ext cx="914400" cy="914400"/>
+          </a:xfrm>
+          <a:prstGeom prst="rect">
+            <a:avLst/>
+          </a:prstGeom>
+        </p:spPr>
+        <p:txBody>
+          <a:bodyPr vert="horz" wrap="none" lIns="91440" tIns="45720" rIns="91440" bIns="45720" rtlCol="0" anchor="ctr">
+            <a:normAutofit/>
+          </a:bodyPr>
+          <a:lstStyle/>
+          <a:p>
+            <a:endParaRPr kumimoji="1" lang="ja-JP" altLang="en-US" dirty="0" smtClean="0"/>
+          </a:p>
+        </p:txBody>
+      </p:sp>
+      <p:sp>
+        <p:nvSpPr>
+          <p:cNvPr id="9" name="コンテンツ プレースホルダー 2"/>
+          <p:cNvSpPr>
+            <a:spLocks noGrp="1"/>
+          </p:cNvSpPr>
+          <p:nvPr>
+            <p:ph sz="half" idx="1"/>
+          </p:nvPr>
+        </p:nvSpPr>
+        <p:spPr>
+          <a:xfrm>
+            <a:off x="602511" y="1155701"/>
+            <a:ext cx="10979895" cy="4970467"/>
+          </a:xfrm>
+        </p:spPr>
+        <p:txBody>
+          <a:bodyPr>
+            <a:normAutofit/>
+          </a:bodyPr>
+          <a:lstStyle/>
+          <a:p>
+            <a:r>
+              <a:rPr lang="en-US" altLang="en-US" sz="3600" dirty="0"/>
+              <a:t>動作可能な</a:t>
+            </a:r>
+            <a:r>
+              <a:rPr lang="en-US" altLang="en-US" sz="3600" dirty="0" smtClean="0"/>
+              <a:t>言語</a:t>
+            </a:r>
+            <a:endParaRPr lang="en-US" altLang="en-US" sz="3600" dirty="0"/>
+          </a:p>
+        </p:txBody>
+      </p:sp>
+      <p:pic>
+        <p:nvPicPr>
+          <p:cNvPr id="10" name="図 9" descr="Web App (was Websites).png"/>
+          <p:cNvPicPr>
+            <a:picLocks noChangeAspect="1"/>
+          </p:cNvPicPr>
+          <p:nvPr/>
+        </p:nvPicPr>
+        <p:blipFill>
+          <a:blip r:embed="rId3" cstate="print">
+            <a:extLst>
+              <a:ext uri="{28A0092B-C50C-407E-A947-70E740481C1C}">
+                <a14:useLocalDpi xmlns:a14="http://schemas.microsoft.com/office/drawing/2010/main" val="0"/>
+              </a:ext>
+            </a:extLst>
+          </a:blip>
+          <a:stretch>
+            <a:fillRect/>
+          </a:stretch>
+        </p:blipFill>
+        <p:spPr>
+          <a:xfrm>
+            <a:off x="10764000" y="5598000"/>
+            <a:ext cx="1116000" cy="1116000"/>
+          </a:xfrm>
+          <a:prstGeom prst="rect">
+            <a:avLst/>
+          </a:prstGeom>
+        </p:spPr>
+      </p:pic>
+      <p:pic>
+        <p:nvPicPr>
+          <p:cNvPr id="6" name="図 5" descr="2000px-Tomcat-logo.svg.png"/>
+          <p:cNvPicPr>
+            <a:picLocks noChangeAspect="1"/>
+          </p:cNvPicPr>
+          <p:nvPr/>
+        </p:nvPicPr>
+        <p:blipFill>
+          <a:blip r:embed="rId4">
+            <a:extLst>
+              <a:ext uri="{28A0092B-C50C-407E-A947-70E740481C1C}">
+                <a14:useLocalDpi xmlns:a14="http://schemas.microsoft.com/office/drawing/2010/main" val="0"/>
+              </a:ext>
+            </a:extLst>
+          </a:blip>
+          <a:stretch>
+            <a:fillRect/>
+          </a:stretch>
+        </p:blipFill>
+        <p:spPr>
+          <a:xfrm>
+            <a:off x="3928911" y="2293352"/>
+            <a:ext cx="4334191" cy="2888739"/>
+          </a:xfrm>
+          <a:prstGeom prst="rect">
+            <a:avLst/>
+          </a:prstGeom>
+        </p:spPr>
+      </p:pic>
+      <p:sp>
+        <p:nvSpPr>
+          <p:cNvPr id="11" name="テキスト ボックス 10"/>
+          <p:cNvSpPr txBox="1"/>
+          <p:nvPr/>
+        </p:nvSpPr>
+        <p:spPr>
+          <a:xfrm>
+            <a:off x="3573827" y="5257065"/>
+            <a:ext cx="5044359" cy="914400"/>
+          </a:xfrm>
+          <a:prstGeom prst="rect">
+            <a:avLst/>
+          </a:prstGeom>
+        </p:spPr>
+        <p:txBody>
+          <a:bodyPr vert="horz" wrap="none" lIns="91440" tIns="45720" rIns="91440" bIns="45720" rtlCol="0" anchor="ctr">
+            <a:noAutofit/>
+          </a:bodyPr>
+          <a:lstStyle/>
+          <a:p>
+            <a:r>
+              <a:rPr kumimoji="1" lang="en-US" altLang="ja-JP" sz="6000" dirty="0" smtClean="0"/>
+              <a:t>Apache Tomcat</a:t>
+            </a:r>
+            <a:endParaRPr kumimoji="1" lang="ja-JP" altLang="en-US" sz="6000" dirty="0" smtClean="0"/>
+          </a:p>
+        </p:txBody>
+      </p:sp>
+    </p:spTree>
+    <p:extLst>
+      <p:ext uri="{BB962C8B-B14F-4D97-AF65-F5344CB8AC3E}">
+        <p14:creationId xmlns:p14="http://schemas.microsoft.com/office/powerpoint/2010/main" val="875649201"/>
+      </p:ext>
+    </p:extLst>
+  </p:cSld>
+  <p:clrMapOvr>
+    <a:masterClrMapping/>
+  </p:clrMapOvr>
+  <p:timing>
+    <p:tnLst>
+      <p:par>
+        <p:cTn xmlns:p14="http://schemas.microsoft.com/office/powerpoint/2010/main" id="1" dur="indefinite" restart="never" nodeType="tmRoot"/>
+      </p:par>
+    </p:tnLst>
+  </p:timing>
+</p:sld>
+</file>
+
+<file path=ppt/slides/slide37.xml><?xml version="1.0" encoding="utf-8"?>
+<p:sld xmlns:a="http://schemas.openxmlformats.org/drawingml/2006/main" xmlns:r="http://schemas.openxmlformats.org/officeDocument/2006/relationships" xmlns:p="http://schemas.openxmlformats.org/presentationml/2006/main">
+  <p:cSld>
+    <p:spTree>
+      <p:nvGrpSpPr>
+        <p:cNvPr id="1" name=""/>
+        <p:cNvGrpSpPr/>
+        <p:nvPr/>
+      </p:nvGrpSpPr>
+      <p:grpSpPr>
+        <a:xfrm>
+          <a:off x="0" y="0"/>
+          <a:ext cx="0" cy="0"/>
+          <a:chOff x="0" y="0"/>
+          <a:chExt cx="0" cy="0"/>
+        </a:xfrm>
+      </p:grpSpPr>
+      <p:sp>
+        <p:nvSpPr>
+          <p:cNvPr id="2" name="タイトル 1"/>
+          <p:cNvSpPr>
+            <a:spLocks noGrp="1"/>
+          </p:cNvSpPr>
+          <p:nvPr>
+            <p:ph type="title"/>
+          </p:nvPr>
+        </p:nvSpPr>
+        <p:spPr/>
+        <p:txBody>
+          <a:bodyPr/>
+          <a:lstStyle/>
+          <a:p>
+            <a:r>
               <a:rPr kumimoji="1" lang="en-US" altLang="ja-JP" dirty="0" smtClean="0"/>
               <a:t>App Service</a:t>
             </a:r>
@@ -34890,7 +35534,7 @@
 </p:sld>
 </file>
 
-<file path=ppt/slides/slide37.xml><?xml version="1.0" encoding="utf-8"?>
+<file path=ppt/slides/slide38.xml><?xml version="1.0" encoding="utf-8"?>
 <p:sld xmlns:a="http://schemas.openxmlformats.org/drawingml/2006/main" xmlns:r="http://schemas.openxmlformats.org/officeDocument/2006/relationships" xmlns:p="http://schemas.openxmlformats.org/presentationml/2006/main">
   <p:cSld>
     <p:spTree>
@@ -35625,7 +36269,7 @@
 </p:sld>
 </file>
 
-<file path=ppt/slides/slide38.xml><?xml version="1.0" encoding="utf-8"?>
+<file path=ppt/slides/slide39.xml><?xml version="1.0" encoding="utf-8"?>
 <p:sld xmlns:a="http://schemas.openxmlformats.org/drawingml/2006/main" xmlns:r="http://schemas.openxmlformats.org/officeDocument/2006/relationships" xmlns:p="http://schemas.openxmlformats.org/presentationml/2006/main">
   <p:cSld>
     <p:spTree>
@@ -36360,78 +37004,6 @@
 </p:sld>
 </file>
 
-<file path=ppt/slides/slide39.xml><?xml version="1.0" encoding="utf-8"?>
-<p:sld xmlns:a="http://schemas.openxmlformats.org/drawingml/2006/main" xmlns:r="http://schemas.openxmlformats.org/officeDocument/2006/relationships" xmlns:p="http://schemas.openxmlformats.org/presentationml/2006/main">
-  <p:cSld>
-    <p:spTree>
-      <p:nvGrpSpPr>
-        <p:cNvPr id="1" name=""/>
-        <p:cNvGrpSpPr/>
-        <p:nvPr/>
-      </p:nvGrpSpPr>
-      <p:grpSpPr>
-        <a:xfrm>
-          <a:off x="0" y="0"/>
-          <a:ext cx="0" cy="0"/>
-          <a:chOff x="0" y="0"/>
-          <a:chExt cx="0" cy="0"/>
-        </a:xfrm>
-      </p:grpSpPr>
-      <p:sp>
-        <p:nvSpPr>
-          <p:cNvPr id="2" name="タイトル 1"/>
-          <p:cNvSpPr>
-            <a:spLocks noGrp="1"/>
-          </p:cNvSpPr>
-          <p:nvPr>
-            <p:ph type="title"/>
-          </p:nvPr>
-        </p:nvSpPr>
-        <p:spPr/>
-        <p:txBody>
-          <a:bodyPr/>
-          <a:lstStyle/>
-          <a:p>
-            <a:r>
-              <a:rPr lang="ja-JP" altLang="en-US" dirty="0" smtClean="0"/>
-              <a:t>無料で出来ることできないこと</a:t>
-            </a:r>
-            <a:endParaRPr kumimoji="1" lang="ja-JP" altLang="en-US" dirty="0"/>
-          </a:p>
-        </p:txBody>
-      </p:sp>
-      <p:sp>
-        <p:nvSpPr>
-          <p:cNvPr id="3" name="コンテンツ プレースホルダー 2"/>
-          <p:cNvSpPr>
-            <a:spLocks noGrp="1"/>
-          </p:cNvSpPr>
-          <p:nvPr>
-            <p:ph sz="half" idx="1"/>
-          </p:nvPr>
-        </p:nvSpPr>
-        <p:spPr/>
-        <p:txBody>
-          <a:bodyPr/>
-          <a:lstStyle/>
-          <a:p>
-            <a:endParaRPr kumimoji="1" lang="ja-JP" altLang="en-US"/>
-          </a:p>
-        </p:txBody>
-      </p:sp>
-    </p:spTree>
-    <p:extLst>
-      <p:ext uri="{BB962C8B-B14F-4D97-AF65-F5344CB8AC3E}">
-        <p14:creationId xmlns:p14="http://schemas.microsoft.com/office/powerpoint/2010/main" val="852992006"/>
-      </p:ext>
-    </p:extLst>
-  </p:cSld>
-  <p:clrMapOvr>
-    <a:masterClrMapping/>
-  </p:clrMapOvr>
-</p:sld>
-</file>
-
 <file path=ppt/slides/slide4.xml><?xml version="1.0" encoding="utf-8"?>
 <p:sld xmlns:a="http://schemas.openxmlformats.org/drawingml/2006/main" xmlns:r="http://schemas.openxmlformats.org/officeDocument/2006/relationships" xmlns:p="http://schemas.openxmlformats.org/presentationml/2006/main">
   <p:cSld>
@@ -36544,6 +37116,78 @@
           <a:bodyPr/>
           <a:lstStyle/>
           <a:p>
+            <a:r>
+              <a:rPr lang="ja-JP" altLang="en-US" dirty="0" smtClean="0"/>
+              <a:t>無料で出来ることできないこと</a:t>
+            </a:r>
+            <a:endParaRPr kumimoji="1" lang="ja-JP" altLang="en-US" dirty="0"/>
+          </a:p>
+        </p:txBody>
+      </p:sp>
+      <p:sp>
+        <p:nvSpPr>
+          <p:cNvPr id="3" name="コンテンツ プレースホルダー 2"/>
+          <p:cNvSpPr>
+            <a:spLocks noGrp="1"/>
+          </p:cNvSpPr>
+          <p:nvPr>
+            <p:ph sz="half" idx="1"/>
+          </p:nvPr>
+        </p:nvSpPr>
+        <p:spPr/>
+        <p:txBody>
+          <a:bodyPr/>
+          <a:lstStyle/>
+          <a:p>
+            <a:endParaRPr kumimoji="1" lang="ja-JP" altLang="en-US"/>
+          </a:p>
+        </p:txBody>
+      </p:sp>
+    </p:spTree>
+    <p:extLst>
+      <p:ext uri="{BB962C8B-B14F-4D97-AF65-F5344CB8AC3E}">
+        <p14:creationId xmlns:p14="http://schemas.microsoft.com/office/powerpoint/2010/main" val="852992006"/>
+      </p:ext>
+    </p:extLst>
+  </p:cSld>
+  <p:clrMapOvr>
+    <a:masterClrMapping/>
+  </p:clrMapOvr>
+</p:sld>
+</file>
+
+<file path=ppt/slides/slide41.xml><?xml version="1.0" encoding="utf-8"?>
+<p:sld xmlns:a="http://schemas.openxmlformats.org/drawingml/2006/main" xmlns:r="http://schemas.openxmlformats.org/officeDocument/2006/relationships" xmlns:p="http://schemas.openxmlformats.org/presentationml/2006/main">
+  <p:cSld>
+    <p:spTree>
+      <p:nvGrpSpPr>
+        <p:cNvPr id="1" name=""/>
+        <p:cNvGrpSpPr/>
+        <p:nvPr/>
+      </p:nvGrpSpPr>
+      <p:grpSpPr>
+        <a:xfrm>
+          <a:off x="0" y="0"/>
+          <a:ext cx="0" cy="0"/>
+          <a:chOff x="0" y="0"/>
+          <a:chExt cx="0" cy="0"/>
+        </a:xfrm>
+      </p:grpSpPr>
+      <p:sp>
+        <p:nvSpPr>
+          <p:cNvPr id="2" name="タイトル 1"/>
+          <p:cNvSpPr>
+            <a:spLocks noGrp="1"/>
+          </p:cNvSpPr>
+          <p:nvPr>
+            <p:ph type="title"/>
+          </p:nvPr>
+        </p:nvSpPr>
+        <p:spPr/>
+        <p:txBody>
+          <a:bodyPr/>
+          <a:lstStyle/>
+          <a:p>
             <a:pPr algn="ctr"/>
             <a:r>
               <a:rPr lang="ja-JP" altLang="en-US" dirty="0" smtClean="0"/>
@@ -36592,7 +37236,7 @@
 </p:sld>
 </file>
 
-<file path=ppt/slides/slide41.xml><?xml version="1.0" encoding="utf-8"?>
+<file path=ppt/slides/slide42.xml><?xml version="1.0" encoding="utf-8"?>
 <p:sld xmlns:a="http://schemas.openxmlformats.org/drawingml/2006/main" xmlns:r="http://schemas.openxmlformats.org/officeDocument/2006/relationships" xmlns:p="http://schemas.openxmlformats.org/presentationml/2006/main">
   <p:cSld>
     <p:spTree>
@@ -36625,8 +37269,8 @@
           <a:lstStyle/>
           <a:p>
             <a:r>
-              <a:rPr kumimoji="1" lang="ja-JP" altLang="en-US" dirty="0" smtClean="0"/>
-              <a:t>今回は</a:t>
+              <a:rPr lang="ja-JP" altLang="en-US" dirty="0" smtClean="0"/>
+              <a:t>開発入門</a:t>
             </a:r>
             <a:endParaRPr kumimoji="1" lang="ja-JP" altLang="en-US" dirty="0"/>
           </a:p>
@@ -36711,210 +37355,6 @@
     <p:extLst>
       <p:ext uri="{BB962C8B-B14F-4D97-AF65-F5344CB8AC3E}">
         <p14:creationId xmlns:p14="http://schemas.microsoft.com/office/powerpoint/2010/main" val="1066278900"/>
-      </p:ext>
-    </p:extLst>
-  </p:cSld>
-  <p:clrMapOvr>
-    <a:masterClrMapping/>
-  </p:clrMapOvr>
-</p:sld>
-</file>
-
-<file path=ppt/slides/slide42.xml><?xml version="1.0" encoding="utf-8"?>
-<p:sld xmlns:a="http://schemas.openxmlformats.org/drawingml/2006/main" xmlns:r="http://schemas.openxmlformats.org/officeDocument/2006/relationships" xmlns:p="http://schemas.openxmlformats.org/presentationml/2006/main">
-  <p:cSld>
-    <p:spTree>
-      <p:nvGrpSpPr>
-        <p:cNvPr id="1" name=""/>
-        <p:cNvGrpSpPr/>
-        <p:nvPr/>
-      </p:nvGrpSpPr>
-      <p:grpSpPr>
-        <a:xfrm>
-          <a:off x="0" y="0"/>
-          <a:ext cx="0" cy="0"/>
-          <a:chOff x="0" y="0"/>
-          <a:chExt cx="0" cy="0"/>
-        </a:xfrm>
-      </p:grpSpPr>
-      <p:sp>
-        <p:nvSpPr>
-          <p:cNvPr id="2" name="タイトル 1"/>
-          <p:cNvSpPr>
-            <a:spLocks noGrp="1"/>
-          </p:cNvSpPr>
-          <p:nvPr>
-            <p:ph type="title"/>
-          </p:nvPr>
-        </p:nvSpPr>
-        <p:spPr/>
-        <p:txBody>
-          <a:bodyPr/>
-          <a:lstStyle/>
-          <a:p>
-            <a:r>
-              <a:rPr lang="ja-JP" altLang="en-US" dirty="0" smtClean="0"/>
-              <a:t>環境構築方法</a:t>
-            </a:r>
-            <a:endParaRPr kumimoji="1" lang="ja-JP" altLang="en-US" dirty="0"/>
-          </a:p>
-        </p:txBody>
-      </p:sp>
-      <p:sp>
-        <p:nvSpPr>
-          <p:cNvPr id="3" name="コンテンツ プレースホルダー 2"/>
-          <p:cNvSpPr>
-            <a:spLocks noGrp="1"/>
-          </p:cNvSpPr>
-          <p:nvPr>
-            <p:ph sz="half" idx="1"/>
-          </p:nvPr>
-        </p:nvSpPr>
-        <p:spPr/>
-        <p:txBody>
-          <a:bodyPr/>
-          <a:lstStyle/>
-          <a:p>
-            <a:r>
-              <a:rPr lang="en-US" altLang="ja-JP" sz="3600" dirty="0"/>
-              <a:t>Microsoft Azure for </a:t>
-            </a:r>
-            <a:r>
-              <a:rPr lang="en-US" altLang="ja-JP" sz="3600" dirty="0" err="1"/>
-              <a:t>DreamSpark</a:t>
-            </a:r>
-            <a:r>
-              <a:rPr lang="en-US" altLang="ja-JP" sz="3600" dirty="0"/>
-              <a:t> </a:t>
-            </a:r>
-            <a:r>
-              <a:rPr lang="ja-JP" altLang="en-US" sz="3600" dirty="0"/>
-              <a:t>登録の</a:t>
-            </a:r>
-            <a:r>
-              <a:rPr lang="ja-JP" altLang="en-US" sz="3600" dirty="0" smtClean="0"/>
-              <a:t>流れ</a:t>
-            </a:r>
-            <a:endParaRPr lang="en-US" altLang="ja-JP" sz="3600" dirty="0" smtClean="0"/>
-          </a:p>
-        </p:txBody>
-      </p:sp>
-      <p:pic>
-        <p:nvPicPr>
-          <p:cNvPr id="4" name="図 3" descr="スクリーンショット 2016-05-31 10.14.55.png"/>
-          <p:cNvPicPr>
-            <a:picLocks noChangeAspect="1"/>
-          </p:cNvPicPr>
-          <p:nvPr/>
-        </p:nvPicPr>
-        <p:blipFill>
-          <a:blip r:embed="rId2">
-            <a:extLst>
-              <a:ext uri="{28A0092B-C50C-407E-A947-70E740481C1C}">
-                <a14:useLocalDpi xmlns:a14="http://schemas.microsoft.com/office/drawing/2010/main" val="0"/>
-              </a:ext>
-            </a:extLst>
-          </a:blip>
-          <a:stretch>
-            <a:fillRect/>
-          </a:stretch>
-        </p:blipFill>
-        <p:spPr>
-          <a:xfrm>
-            <a:off x="3113040" y="2341626"/>
-            <a:ext cx="5965923" cy="3352059"/>
-          </a:xfrm>
-          <a:prstGeom prst="rect">
-            <a:avLst/>
-          </a:prstGeom>
-        </p:spPr>
-      </p:pic>
-      <p:sp>
-        <p:nvSpPr>
-          <p:cNvPr id="5" name="テキスト ボックス 4"/>
-          <p:cNvSpPr txBox="1"/>
-          <p:nvPr/>
-        </p:nvSpPr>
-        <p:spPr>
-          <a:xfrm>
-            <a:off x="2239977" y="6368459"/>
-            <a:ext cx="914400" cy="914400"/>
-          </a:xfrm>
-          <a:prstGeom prst="rect">
-            <a:avLst/>
-          </a:prstGeom>
-        </p:spPr>
-        <p:txBody>
-          <a:bodyPr vert="horz" wrap="none" lIns="91440" tIns="45720" rIns="91440" bIns="45720" rtlCol="0" anchor="ctr">
-            <a:normAutofit/>
-          </a:bodyPr>
-          <a:lstStyle/>
-          <a:p>
-            <a:endParaRPr kumimoji="1" lang="ja-JP" altLang="en-US" dirty="0" smtClean="0"/>
-          </a:p>
-        </p:txBody>
-      </p:sp>
-      <p:sp>
-        <p:nvSpPr>
-          <p:cNvPr id="6" name="テキスト ボックス 5"/>
-          <p:cNvSpPr txBox="1"/>
-          <p:nvPr/>
-        </p:nvSpPr>
-        <p:spPr>
-          <a:xfrm>
-            <a:off x="1386763" y="5627531"/>
-            <a:ext cx="9418487" cy="914400"/>
-          </a:xfrm>
-          <a:prstGeom prst="rect">
-            <a:avLst/>
-          </a:prstGeom>
-        </p:spPr>
-        <p:txBody>
-          <a:bodyPr vert="horz" wrap="none" lIns="91440" tIns="45720" rIns="91440" bIns="45720" rtlCol="0" anchor="ctr">
-            <a:normAutofit/>
-          </a:bodyPr>
-          <a:lstStyle/>
-          <a:p>
-            <a:r>
-              <a:rPr lang="en-US" altLang="ja-JP" sz="2400" dirty="0"/>
-              <a:t>http://</a:t>
-            </a:r>
-            <a:r>
-              <a:rPr lang="en-US" altLang="ja-JP" sz="2400" dirty="0" err="1"/>
-              <a:t>www.slideshare.net</a:t>
-            </a:r>
-            <a:r>
-              <a:rPr lang="en-US" altLang="ja-JP" sz="2400" dirty="0"/>
-              <a:t>/</a:t>
-            </a:r>
-            <a:r>
-              <a:rPr lang="en-US" altLang="ja-JP" sz="2400" dirty="0" err="1"/>
-              <a:t>ayatokura</a:t>
-            </a:r>
-            <a:r>
-              <a:rPr lang="en-US" altLang="ja-JP" sz="2400" dirty="0"/>
-              <a:t>/</a:t>
-            </a:r>
-            <a:r>
-              <a:rPr lang="en-US" altLang="ja-JP" sz="2400" dirty="0" err="1"/>
-              <a:t>microsoft</a:t>
-            </a:r>
-            <a:r>
-              <a:rPr lang="en-US" altLang="ja-JP" sz="2400" dirty="0"/>
-              <a:t>-azure-for-</a:t>
-            </a:r>
-            <a:r>
-              <a:rPr lang="en-US" altLang="ja-JP" sz="2400" dirty="0" err="1"/>
-              <a:t>dreamspark</a:t>
-            </a:r>
-            <a:endParaRPr kumimoji="1" lang="ja-JP" altLang="en-US" sz="2400" dirty="0" smtClean="0"/>
-          </a:p>
-        </p:txBody>
-      </p:sp>
-    </p:spTree>
-    <p:extLst>
-      <p:ext uri="{BB962C8B-B14F-4D97-AF65-F5344CB8AC3E}">
-        <p14:creationId xmlns:p14="http://schemas.microsoft.com/office/powerpoint/2010/main" val="3403227757"/>
       </p:ext>
     </p:extLst>
   </p:cSld>
@@ -36957,10 +37397,22 @@
           <a:lstStyle/>
           <a:p>
             <a:r>
-              <a:rPr kumimoji="1" lang="ja-JP" altLang="en-US" dirty="0" smtClean="0"/>
-              <a:t>新しくプロジェクトを作る</a:t>
-            </a:r>
-            <a:endParaRPr kumimoji="1" lang="ja-JP" altLang="en-US" dirty="0"/>
+              <a:rPr lang="en-US" altLang="ja-JP" sz="4000" dirty="0"/>
+              <a:t>Microsoft Azure for </a:t>
+            </a:r>
+            <a:r>
+              <a:rPr lang="en-US" altLang="ja-JP" sz="4000" dirty="0" err="1"/>
+              <a:t>DreamSpark</a:t>
+            </a:r>
+            <a:r>
+              <a:rPr lang="en-US" altLang="ja-JP" sz="4000" dirty="0"/>
+              <a:t> </a:t>
+            </a:r>
+            <a:r>
+              <a:rPr lang="ja-JP" altLang="en-US" sz="4000" dirty="0"/>
+              <a:t>登録の流れ</a:t>
+            </a:r>
+            <a:endParaRPr lang="en-US" altLang="ja-JP" sz="4000" dirty="0"/>
           </a:p>
         </p:txBody>
       </p:sp>
@@ -36974,6 +37426,153 @@
             <p:ph sz="half" idx="1"/>
           </p:nvPr>
         </p:nvSpPr>
+        <p:spPr/>
+        <p:txBody>
+          <a:bodyPr/>
+          <a:lstStyle/>
+          <a:p>
+            <a:r>
+              <a:rPr lang="en-US" altLang="ja-JP" sz="3600" dirty="0"/>
+              <a:t>Microsoft Azure for </a:t>
+            </a:r>
+            <a:r>
+              <a:rPr lang="en-US" altLang="ja-JP" sz="3600" dirty="0" err="1"/>
+              <a:t>DreamSpark</a:t>
+            </a:r>
+            <a:r>
+              <a:rPr lang="en-US" altLang="ja-JP" sz="3600" dirty="0"/>
+              <a:t> </a:t>
+            </a:r>
+            <a:r>
+              <a:rPr lang="ja-JP" altLang="en-US" sz="3600" dirty="0"/>
+              <a:t>登録の</a:t>
+            </a:r>
+            <a:r>
+              <a:rPr lang="ja-JP" altLang="en-US" sz="3600" dirty="0" smtClean="0"/>
+              <a:t>流れ</a:t>
+            </a:r>
+            <a:endParaRPr lang="en-US" altLang="ja-JP" sz="3600" dirty="0" smtClean="0"/>
+          </a:p>
+        </p:txBody>
+      </p:sp>
+      <p:pic>
+        <p:nvPicPr>
+          <p:cNvPr id="4" name="図 3" descr="スクリーンショット 2016-05-31 10.14.55.png"/>
+          <p:cNvPicPr>
+            <a:picLocks noChangeAspect="1"/>
+          </p:cNvPicPr>
+          <p:nvPr/>
+        </p:nvPicPr>
+        <p:blipFill>
+          <a:blip r:embed="rId2">
+            <a:extLst>
+              <a:ext uri="{28A0092B-C50C-407E-A947-70E740481C1C}">
+                <a14:useLocalDpi xmlns:a14="http://schemas.microsoft.com/office/drawing/2010/main" val="0"/>
+              </a:ext>
+            </a:extLst>
+          </a:blip>
+          <a:stretch>
+            <a:fillRect/>
+          </a:stretch>
+        </p:blipFill>
+        <p:spPr>
+          <a:xfrm>
+            <a:off x="3113040" y="2341626"/>
+            <a:ext cx="5965923" cy="3352059"/>
+          </a:xfrm>
+          <a:prstGeom prst="rect">
+            <a:avLst/>
+          </a:prstGeom>
+        </p:spPr>
+      </p:pic>
+      <p:sp>
+        <p:nvSpPr>
+          <p:cNvPr id="5" name="テキスト ボックス 4"/>
+          <p:cNvSpPr txBox="1"/>
+          <p:nvPr/>
+        </p:nvSpPr>
+        <p:spPr>
+          <a:xfrm>
+            <a:off x="2239977" y="6368459"/>
+            <a:ext cx="914400" cy="914400"/>
+          </a:xfrm>
+          <a:prstGeom prst="rect">
+            <a:avLst/>
+          </a:prstGeom>
+        </p:spPr>
+        <p:txBody>
+          <a:bodyPr vert="horz" wrap="none" lIns="91440" tIns="45720" rIns="91440" bIns="45720" rtlCol="0" anchor="ctr">
+            <a:normAutofit/>
+          </a:bodyPr>
+          <a:lstStyle/>
+          <a:p>
+            <a:endParaRPr kumimoji="1" lang="ja-JP" altLang="en-US" dirty="0" smtClean="0"/>
+          </a:p>
+        </p:txBody>
+      </p:sp>
+    </p:spTree>
+    <p:extLst>
+      <p:ext uri="{BB962C8B-B14F-4D97-AF65-F5344CB8AC3E}">
+        <p14:creationId xmlns:p14="http://schemas.microsoft.com/office/powerpoint/2010/main" val="3403227757"/>
+      </p:ext>
+    </p:extLst>
+  </p:cSld>
+  <p:clrMapOvr>
+    <a:masterClrMapping/>
+  </p:clrMapOvr>
+</p:sld>
+</file>
+
+<file path=ppt/slides/slide44.xml><?xml version="1.0" encoding="utf-8"?>
+<p:sld xmlns:a="http://schemas.openxmlformats.org/drawingml/2006/main" xmlns:r="http://schemas.openxmlformats.org/officeDocument/2006/relationships" xmlns:p="http://schemas.openxmlformats.org/presentationml/2006/main">
+  <p:cSld>
+    <p:spTree>
+      <p:nvGrpSpPr>
+        <p:cNvPr id="1" name=""/>
+        <p:cNvGrpSpPr/>
+        <p:nvPr/>
+      </p:nvGrpSpPr>
+      <p:grpSpPr>
+        <a:xfrm>
+          <a:off x="0" y="0"/>
+          <a:ext cx="0" cy="0"/>
+          <a:chOff x="0" y="0"/>
+          <a:chExt cx="0" cy="0"/>
+        </a:xfrm>
+      </p:grpSpPr>
+      <p:sp>
+        <p:nvSpPr>
+          <p:cNvPr id="2" name="タイトル 1"/>
+          <p:cNvSpPr>
+            <a:spLocks noGrp="1"/>
+          </p:cNvSpPr>
+          <p:nvPr>
+            <p:ph type="title"/>
+          </p:nvPr>
+        </p:nvSpPr>
+        <p:spPr/>
+        <p:txBody>
+          <a:bodyPr/>
+          <a:lstStyle/>
+          <a:p>
+            <a:r>
+              <a:rPr kumimoji="1" lang="ja-JP" altLang="en-US" dirty="0" smtClean="0"/>
+              <a:t>新しくプロジェクトを作る</a:t>
+            </a:r>
+            <a:endParaRPr kumimoji="1" lang="ja-JP" altLang="en-US" dirty="0"/>
+          </a:p>
+        </p:txBody>
+      </p:sp>
+      <p:sp>
+        <p:nvSpPr>
+          <p:cNvPr id="3" name="コンテンツ プレースホルダー 2"/>
+          <p:cNvSpPr>
+            <a:spLocks noGrp="1"/>
+          </p:cNvSpPr>
+          <p:nvPr>
+            <p:ph sz="half" idx="1"/>
+          </p:nvPr>
+        </p:nvSpPr>
         <p:spPr>
           <a:xfrm>
             <a:off x="213622" y="1127204"/>
@@ -36996,11 +37595,7 @@
             </a:r>
             <a:r>
               <a:rPr lang="ja-JP" altLang="en-US" sz="3600" dirty="0" smtClean="0"/>
-              <a:t>を利用した</a:t>
-            </a:r>
-            <a:r>
-              <a:rPr lang="ja-JP" altLang="en-US" sz="3600" dirty="0" smtClean="0"/>
-              <a:t>方法を紹介します</a:t>
+              <a:t>を利用した方法を紹介します</a:t>
             </a:r>
             <a:endParaRPr lang="en-US" altLang="ja-JP" sz="3600" dirty="0"/>
           </a:p>
@@ -37081,96 +37676,6 @@
     <p:extLst>
       <p:ext uri="{BB962C8B-B14F-4D97-AF65-F5344CB8AC3E}">
         <p14:creationId xmlns:p14="http://schemas.microsoft.com/office/powerpoint/2010/main" val="611783367"/>
-      </p:ext>
-    </p:extLst>
-  </p:cSld>
-  <p:clrMapOvr>
-    <a:masterClrMapping/>
-  </p:clrMapOvr>
-  <p:timing>
-    <p:tnLst>
-      <p:par>
-        <p:cTn xmlns:p14="http://schemas.microsoft.com/office/powerpoint/2010/main" id="1" dur="indefinite" restart="never" nodeType="tmRoot"/>
-      </p:par>
-    </p:tnLst>
-  </p:timing>
-</p:sld>
-</file>
-
-<file path=ppt/slides/slide44.xml><?xml version="1.0" encoding="utf-8"?>
-<p:sld xmlns:a="http://schemas.openxmlformats.org/drawingml/2006/main" xmlns:r="http://schemas.openxmlformats.org/officeDocument/2006/relationships" xmlns:p="http://schemas.openxmlformats.org/presentationml/2006/main">
-  <p:cSld>
-    <p:spTree>
-      <p:nvGrpSpPr>
-        <p:cNvPr id="1" name=""/>
-        <p:cNvGrpSpPr/>
-        <p:nvPr/>
-      </p:nvGrpSpPr>
-      <p:grpSpPr>
-        <a:xfrm>
-          <a:off x="0" y="0"/>
-          <a:ext cx="0" cy="0"/>
-          <a:chOff x="0" y="0"/>
-          <a:chExt cx="0" cy="0"/>
-        </a:xfrm>
-      </p:grpSpPr>
-      <p:sp>
-        <p:nvSpPr>
-          <p:cNvPr id="2" name="タイトル 1"/>
-          <p:cNvSpPr>
-            <a:spLocks noGrp="1"/>
-          </p:cNvSpPr>
-          <p:nvPr>
-            <p:ph type="title"/>
-          </p:nvPr>
-        </p:nvSpPr>
-        <p:spPr/>
-        <p:txBody>
-          <a:bodyPr/>
-          <a:lstStyle/>
-          <a:p>
-            <a:r>
-              <a:rPr kumimoji="1" lang="ja-JP" altLang="en-US" dirty="0" smtClean="0"/>
-              <a:t>新しくプロジェクトを作る</a:t>
-            </a:r>
-            <a:endParaRPr kumimoji="1" lang="ja-JP" altLang="en-US" dirty="0"/>
-          </a:p>
-        </p:txBody>
-      </p:sp>
-      <p:pic>
-        <p:nvPicPr>
-          <p:cNvPr id="4" name="図 3" descr="スクリーンショット_2016-05-31_18_37_22.png"/>
-          <p:cNvPicPr>
-            <a:picLocks noChangeAspect="1"/>
-          </p:cNvPicPr>
-          <p:nvPr/>
-        </p:nvPicPr>
-        <p:blipFill>
-          <a:blip r:embed="rId2">
-            <a:extLst>
-              <a:ext uri="{28A0092B-C50C-407E-A947-70E740481C1C}">
-                <a14:useLocalDpi xmlns:a14="http://schemas.microsoft.com/office/drawing/2010/main" val="0"/>
-              </a:ext>
-            </a:extLst>
-          </a:blip>
-          <a:stretch>
-            <a:fillRect/>
-          </a:stretch>
-        </p:blipFill>
-        <p:spPr>
-          <a:xfrm>
-            <a:off x="3611098" y="851247"/>
-            <a:ext cx="4969805" cy="5972885"/>
-          </a:xfrm>
-          <a:prstGeom prst="rect">
-            <a:avLst/>
-          </a:prstGeom>
-        </p:spPr>
-      </p:pic>
-    </p:spTree>
-    <p:extLst>
-      <p:ext uri="{BB962C8B-B14F-4D97-AF65-F5344CB8AC3E}">
-        <p14:creationId xmlns:p14="http://schemas.microsoft.com/office/powerpoint/2010/main" val="1540125932"/>
       </p:ext>
     </p:extLst>
   </p:cSld>
@@ -37229,7 +37734,7 @@
       </p:sp>
       <p:pic>
         <p:nvPicPr>
-          <p:cNvPr id="3" name="図 2" descr="スクリーンショット_2016-05-31_19_24_20.png"/>
+          <p:cNvPr id="4" name="図 3" descr="スクリーンショット_2016-05-31_18_37_22.png"/>
           <p:cNvPicPr>
             <a:picLocks noChangeAspect="1"/>
           </p:cNvPicPr>
@@ -37249,8 +37754,8 @@
         </p:blipFill>
         <p:spPr>
           <a:xfrm>
-            <a:off x="3125021" y="868808"/>
-            <a:ext cx="5941958" cy="5989191"/>
+            <a:off x="3611098" y="851247"/>
+            <a:ext cx="4969805" cy="5972885"/>
           </a:xfrm>
           <a:prstGeom prst="rect">
             <a:avLst/>
@@ -37260,7 +37765,7 @@
     </p:spTree>
     <p:extLst>
       <p:ext uri="{BB962C8B-B14F-4D97-AF65-F5344CB8AC3E}">
-        <p14:creationId xmlns:p14="http://schemas.microsoft.com/office/powerpoint/2010/main" val="3682658779"/>
+        <p14:creationId xmlns:p14="http://schemas.microsoft.com/office/powerpoint/2010/main" val="1540125932"/>
       </p:ext>
     </p:extLst>
   </p:cSld>
@@ -37319,7 +37824,7 @@
       </p:sp>
       <p:pic>
         <p:nvPicPr>
-          <p:cNvPr id="4" name="図 3" descr="スクリーンショット 2016-05-31 19.47.14.png"/>
+          <p:cNvPr id="3" name="図 2" descr="スクリーンショット_2016-05-31_19_24_20.png"/>
           <p:cNvPicPr>
             <a:picLocks noChangeAspect="1"/>
           </p:cNvPicPr>
@@ -37339,118 +37844,18 @@
         </p:blipFill>
         <p:spPr>
           <a:xfrm>
-            <a:off x="9098088" y="795868"/>
-            <a:ext cx="3093912" cy="6062132"/>
+            <a:off x="3125021" y="868808"/>
+            <a:ext cx="5941958" cy="5989191"/>
           </a:xfrm>
           <a:prstGeom prst="rect">
             <a:avLst/>
           </a:prstGeom>
         </p:spPr>
       </p:pic>
-      <p:sp>
-        <p:nvSpPr>
-          <p:cNvPr id="5" name="テキスト ボックス 4"/>
-          <p:cNvSpPr txBox="1"/>
-          <p:nvPr/>
-        </p:nvSpPr>
-        <p:spPr>
-          <a:xfrm>
-            <a:off x="660400" y="1337732"/>
-            <a:ext cx="6485466" cy="5012267"/>
-          </a:xfrm>
-          <a:prstGeom prst="rect">
-            <a:avLst/>
-          </a:prstGeom>
-        </p:spPr>
-        <p:txBody>
-          <a:bodyPr vert="horz" wrap="none" lIns="91440" tIns="45720" rIns="91440" bIns="45720" rtlCol="0" anchor="ctr">
-            <a:normAutofit/>
-          </a:bodyPr>
-          <a:lstStyle/>
-          <a:p>
-            <a:pPr marL="457200" indent="-457200">
-              <a:lnSpc>
-                <a:spcPct val="200000"/>
-              </a:lnSpc>
-              <a:buFont typeface="Arial"/>
-              <a:buChar char="•"/>
-            </a:pPr>
-            <a:r>
-              <a:rPr kumimoji="1" lang="ja-JP" altLang="en-US" sz="3200" dirty="0" smtClean="0"/>
-              <a:t>アプリ名</a:t>
-            </a:r>
-            <a:endParaRPr kumimoji="1" lang="en-US" altLang="ja-JP" sz="3200" dirty="0" smtClean="0"/>
-          </a:p>
-          <a:p>
-            <a:pPr marL="457200" indent="-457200">
-              <a:lnSpc>
-                <a:spcPct val="200000"/>
-              </a:lnSpc>
-              <a:buFont typeface="Arial"/>
-              <a:buChar char="•"/>
-            </a:pPr>
-            <a:r>
-              <a:rPr lang="ja-JP" altLang="en-US" sz="3200" dirty="0" smtClean="0"/>
-              <a:t>サブスクリプション</a:t>
-            </a:r>
-            <a:endParaRPr lang="en-US" altLang="ja-JP" sz="3200" dirty="0" smtClean="0"/>
-          </a:p>
-          <a:p>
-            <a:pPr marL="457200" indent="-457200">
-              <a:lnSpc>
-                <a:spcPct val="200000"/>
-              </a:lnSpc>
-              <a:buFont typeface="Arial"/>
-              <a:buChar char="•"/>
-            </a:pPr>
-            <a:r>
-              <a:rPr kumimoji="1" lang="ja-JP" altLang="en-US" sz="3200" dirty="0" smtClean="0"/>
-              <a:t>リソース名</a:t>
-            </a:r>
-            <a:endParaRPr kumimoji="1" lang="en-US" altLang="ja-JP" sz="3200" dirty="0" smtClean="0"/>
-          </a:p>
-          <a:p>
-            <a:pPr marL="457200" indent="-457200">
-              <a:lnSpc>
-                <a:spcPct val="200000"/>
-              </a:lnSpc>
-              <a:buFont typeface="Arial"/>
-              <a:buChar char="•"/>
-            </a:pPr>
-            <a:r>
-              <a:rPr lang="en-US" altLang="ja-JP" sz="3200" dirty="0" smtClean="0"/>
-              <a:t>App Service </a:t>
-            </a:r>
-            <a:r>
-              <a:rPr lang="ja-JP" altLang="en-US" sz="3200" dirty="0" smtClean="0"/>
-              <a:t>プラン</a:t>
-            </a:r>
-            <a:r>
-              <a:rPr lang="en-US" altLang="ja-JP" sz="3200" dirty="0" smtClean="0"/>
-              <a:t>/</a:t>
-            </a:r>
-            <a:r>
-              <a:rPr lang="ja-JP" altLang="en-US" sz="3200" dirty="0" smtClean="0"/>
-              <a:t>場所</a:t>
-            </a:r>
-            <a:endParaRPr kumimoji="1" lang="en-US" altLang="ja-JP" sz="3200" dirty="0" smtClean="0"/>
-          </a:p>
-          <a:p>
-            <a:pPr marL="914400" lvl="1" indent="-457200">
-              <a:lnSpc>
-                <a:spcPct val="200000"/>
-              </a:lnSpc>
-              <a:buFont typeface="Arial"/>
-              <a:buChar char="•"/>
-            </a:pPr>
-            <a:endParaRPr kumimoji="1" lang="ja-JP" altLang="en-US" sz="3200" dirty="0" smtClean="0"/>
-          </a:p>
-        </p:txBody>
-      </p:sp>
     </p:spTree>
     <p:extLst>
       <p:ext uri="{BB962C8B-B14F-4D97-AF65-F5344CB8AC3E}">
-        <p14:creationId xmlns:p14="http://schemas.microsoft.com/office/powerpoint/2010/main" val="3947167305"/>
+        <p14:creationId xmlns:p14="http://schemas.microsoft.com/office/powerpoint/2010/main" val="3682658779"/>
       </p:ext>
     </p:extLst>
   </p:cSld>
@@ -37566,18 +37971,10 @@
               <a:buChar char="•"/>
             </a:pPr>
             <a:r>
-              <a:rPr kumimoji="1" lang="ja-JP" altLang="en-US" sz="3200" dirty="0" smtClean="0">
-                <a:solidFill>
-                  <a:srgbClr val="FF0000"/>
-                </a:solidFill>
-              </a:rPr>
+              <a:rPr kumimoji="1" lang="ja-JP" altLang="en-US" sz="3200" dirty="0" smtClean="0"/>
               <a:t>アプリ名</a:t>
             </a:r>
-            <a:endParaRPr kumimoji="1" lang="en-US" altLang="ja-JP" sz="3200" dirty="0" smtClean="0">
-              <a:solidFill>
-                <a:srgbClr val="FF0000"/>
-              </a:solidFill>
-            </a:endParaRPr>
+            <a:endParaRPr kumimoji="1" lang="en-US" altLang="ja-JP" sz="3200" dirty="0" smtClean="0"/>
           </a:p>
           <a:p>
             <a:pPr marL="457200" indent="-457200">
@@ -37648,7 +38045,7 @@
     </p:spTree>
     <p:extLst>
       <p:ext uri="{BB962C8B-B14F-4D97-AF65-F5344CB8AC3E}">
-        <p14:creationId xmlns:p14="http://schemas.microsoft.com/office/powerpoint/2010/main" val="3141796860"/>
+        <p14:creationId xmlns:p14="http://schemas.microsoft.com/office/powerpoint/2010/main" val="3947167305"/>
       </p:ext>
     </p:extLst>
   </p:cSld>
@@ -37698,7 +38095,7 @@
           <a:lstStyle/>
           <a:p>
             <a:r>
-              <a:rPr lang="ja-JP" altLang="en-US" dirty="0"/>
+              <a:rPr kumimoji="1" lang="ja-JP" altLang="en-US" dirty="0" smtClean="0"/>
               <a:t>新しくプロジェクトを作る</a:t>
             </a:r>
             <a:endParaRPr kumimoji="1" lang="ja-JP" altLang="en-US" dirty="0"/>
@@ -37707,7 +38104,7 @@
       </p:sp>
       <p:pic>
         <p:nvPicPr>
-          <p:cNvPr id="5" name="図 4" descr="スクリーンショット 2016-05-31 19.56.20.png"/>
+          <p:cNvPr id="4" name="図 3" descr="スクリーンショット 2016-05-31 19.47.14.png"/>
           <p:cNvPicPr>
             <a:picLocks noChangeAspect="1"/>
           </p:cNvPicPr>
@@ -37727,8 +38124,8 @@
         </p:blipFill>
         <p:spPr>
           <a:xfrm>
-            <a:off x="1878598" y="1200150"/>
-            <a:ext cx="8434805" cy="2034117"/>
+            <a:off x="9098088" y="795868"/>
+            <a:ext cx="3093912" cy="6062132"/>
           </a:xfrm>
           <a:prstGeom prst="rect">
             <a:avLst/>
@@ -37737,14 +38134,14 @@
       </p:pic>
       <p:sp>
         <p:nvSpPr>
-          <p:cNvPr id="7" name="テキスト ボックス 6"/>
+          <p:cNvPr id="5" name="テキスト ボックス 4"/>
           <p:cNvSpPr txBox="1"/>
           <p:nvPr/>
         </p:nvSpPr>
         <p:spPr>
           <a:xfrm>
-            <a:off x="1989667" y="4639733"/>
-            <a:ext cx="8212667" cy="1625599"/>
+            <a:off x="660400" y="1337732"/>
+            <a:ext cx="6485466" cy="5012267"/>
           </a:xfrm>
           <a:prstGeom prst="rect">
             <a:avLst/>
@@ -37752,54 +38149,93 @@
         </p:spPr>
         <p:txBody>
           <a:bodyPr vert="horz" wrap="none" lIns="91440" tIns="45720" rIns="91440" bIns="45720" rtlCol="0" anchor="ctr">
-            <a:noAutofit/>
+            <a:normAutofit/>
           </a:bodyPr>
           <a:lstStyle/>
           <a:p>
             <a:pPr marL="457200" indent="-457200">
               <a:lnSpc>
-                <a:spcPct val="150000"/>
+                <a:spcPct val="200000"/>
               </a:lnSpc>
               <a:buFont typeface="Arial"/>
               <a:buChar char="•"/>
             </a:pPr>
             <a:r>
-              <a:rPr lang="ja-JP" altLang="en-US" sz="3200" dirty="0" smtClean="0"/>
-              <a:t>アプリ名は</a:t>
-            </a:r>
-            <a:r>
-              <a:rPr lang="en-US" altLang="ja-JP" sz="3200" dirty="0" smtClean="0"/>
-              <a:t>URL</a:t>
-            </a:r>
-            <a:r>
-              <a:rPr lang="ja-JP" altLang="en-US" sz="3200" dirty="0" smtClean="0"/>
-              <a:t>の一部になります</a:t>
-            </a:r>
-            <a:endParaRPr lang="en-US" altLang="ja-JP" sz="3200" dirty="0" smtClean="0"/>
+              <a:rPr kumimoji="1" lang="ja-JP" altLang="en-US" sz="3200" dirty="0" smtClean="0">
+                <a:solidFill>
+                  <a:srgbClr val="FF0000"/>
+                </a:solidFill>
+              </a:rPr>
+              <a:t>アプリ名</a:t>
+            </a:r>
+            <a:endParaRPr kumimoji="1" lang="en-US" altLang="ja-JP" sz="3200" dirty="0" smtClean="0">
+              <a:solidFill>
+                <a:srgbClr val="FF0000"/>
+              </a:solidFill>
+            </a:endParaRPr>
           </a:p>
           <a:p>
             <a:pPr marL="457200" indent="-457200">
               <a:lnSpc>
-                <a:spcPct val="150000"/>
+                <a:spcPct val="200000"/>
               </a:lnSpc>
               <a:buFont typeface="Arial"/>
               <a:buChar char="•"/>
             </a:pPr>
             <a:r>
+              <a:rPr lang="ja-JP" altLang="en-US" sz="3200" dirty="0" smtClean="0"/>
+              <a:t>サブスクリプション</a:t>
+            </a:r>
+            <a:endParaRPr lang="en-US" altLang="ja-JP" sz="3200" dirty="0" smtClean="0"/>
+          </a:p>
+          <a:p>
+            <a:pPr marL="457200" indent="-457200">
+              <a:lnSpc>
+                <a:spcPct val="200000"/>
+              </a:lnSpc>
+              <a:buFont typeface="Arial"/>
+              <a:buChar char="•"/>
+            </a:pPr>
+            <a:r>
               <a:rPr kumimoji="1" lang="ja-JP" altLang="en-US" sz="3200" dirty="0" smtClean="0"/>
-              <a:t>すでに存在するアプリ名に被らないよう</a:t>
-            </a:r>
-            <a:r>
-              <a:rPr kumimoji="1" lang="en-US" altLang="ja-JP" sz="3200" dirty="0" smtClean="0"/>
-              <a:t/>
-            </a:r>
-            <a:br>
-              <a:rPr kumimoji="1" lang="en-US" altLang="ja-JP" sz="3200" dirty="0" smtClean="0"/>
-            </a:br>
-            <a:r>
-              <a:rPr kumimoji="1" lang="ja-JP" altLang="en-US" sz="3200" dirty="0" smtClean="0"/>
-              <a:t>決めましょう</a:t>
-            </a:r>
+              <a:t>リソース名</a:t>
+            </a:r>
+            <a:endParaRPr kumimoji="1" lang="en-US" altLang="ja-JP" sz="3200" dirty="0" smtClean="0"/>
+          </a:p>
+          <a:p>
+            <a:pPr marL="457200" indent="-457200">
+              <a:lnSpc>
+                <a:spcPct val="200000"/>
+              </a:lnSpc>
+              <a:buFont typeface="Arial"/>
+              <a:buChar char="•"/>
+            </a:pPr>
+            <a:r>
+              <a:rPr lang="en-US" altLang="ja-JP" sz="3200" dirty="0" smtClean="0"/>
+              <a:t>App Service </a:t>
+            </a:r>
+            <a:r>
+              <a:rPr lang="ja-JP" altLang="en-US" sz="3200" dirty="0" smtClean="0"/>
+              <a:t>プラン</a:t>
+            </a:r>
+            <a:r>
+              <a:rPr lang="en-US" altLang="ja-JP" sz="3200" dirty="0" smtClean="0"/>
+              <a:t>/</a:t>
+            </a:r>
+            <a:r>
+              <a:rPr lang="ja-JP" altLang="en-US" sz="3200" dirty="0" smtClean="0"/>
+              <a:t>場所</a:t>
+            </a:r>
+            <a:endParaRPr kumimoji="1" lang="en-US" altLang="ja-JP" sz="3200" dirty="0" smtClean="0"/>
+          </a:p>
+          <a:p>
+            <a:pPr marL="914400" lvl="1" indent="-457200">
+              <a:lnSpc>
+                <a:spcPct val="200000"/>
+              </a:lnSpc>
+              <a:buFont typeface="Arial"/>
+              <a:buChar char="•"/>
+            </a:pPr>
             <a:endParaRPr kumimoji="1" lang="ja-JP" altLang="en-US" sz="3200" dirty="0" smtClean="0"/>
           </a:p>
         </p:txBody>
@@ -37807,7 +38243,7 @@
     </p:spTree>
     <p:extLst>
       <p:ext uri="{BB962C8B-B14F-4D97-AF65-F5344CB8AC3E}">
-        <p14:creationId xmlns:p14="http://schemas.microsoft.com/office/powerpoint/2010/main" val="2750603457"/>
+        <p14:creationId xmlns:p14="http://schemas.microsoft.com/office/powerpoint/2010/main" val="3141796860"/>
       </p:ext>
     </p:extLst>
   </p:cSld>
@@ -37857,7 +38293,7 @@
           <a:lstStyle/>
           <a:p>
             <a:r>
-              <a:rPr kumimoji="1" lang="ja-JP" altLang="en-US" dirty="0" smtClean="0"/>
+              <a:rPr lang="ja-JP" altLang="en-US" dirty="0"/>
               <a:t>新しくプロジェクトを作る</a:t>
             </a:r>
             <a:endParaRPr kumimoji="1" lang="ja-JP" altLang="en-US" dirty="0"/>
@@ -37866,7 +38302,7 @@
       </p:sp>
       <p:pic>
         <p:nvPicPr>
-          <p:cNvPr id="4" name="図 3" descr="スクリーンショット 2016-05-31 19.47.14.png"/>
+          <p:cNvPr id="5" name="図 4" descr="スクリーンショット 2016-05-31 19.56.20.png"/>
           <p:cNvPicPr>
             <a:picLocks noChangeAspect="1"/>
           </p:cNvPicPr>
@@ -37886,8 +38322,8 @@
         </p:blipFill>
         <p:spPr>
           <a:xfrm>
-            <a:off x="9098088" y="795868"/>
-            <a:ext cx="3093912" cy="6062132"/>
+            <a:off x="1878598" y="1200150"/>
+            <a:ext cx="8434805" cy="2034117"/>
           </a:xfrm>
           <a:prstGeom prst="rect">
             <a:avLst/>
@@ -37896,14 +38332,14 @@
       </p:pic>
       <p:sp>
         <p:nvSpPr>
-          <p:cNvPr id="5" name="テキスト ボックス 4"/>
+          <p:cNvPr id="7" name="テキスト ボックス 6"/>
           <p:cNvSpPr txBox="1"/>
           <p:nvPr/>
         </p:nvSpPr>
         <p:spPr>
           <a:xfrm>
-            <a:off x="660400" y="1337732"/>
-            <a:ext cx="6485466" cy="5012267"/>
+            <a:off x="1989667" y="4639733"/>
+            <a:ext cx="8212667" cy="1625599"/>
           </a:xfrm>
           <a:prstGeom prst="rect">
             <a:avLst/>
@@ -37911,93 +38347,61 @@
         </p:spPr>
         <p:txBody>
           <a:bodyPr vert="horz" wrap="none" lIns="91440" tIns="45720" rIns="91440" bIns="45720" rtlCol="0" anchor="ctr">
-            <a:normAutofit/>
+            <a:noAutofit/>
           </a:bodyPr>
           <a:lstStyle/>
           <a:p>
             <a:pPr marL="457200" indent="-457200">
               <a:lnSpc>
-                <a:spcPct val="200000"/>
+                <a:spcPct val="150000"/>
               </a:lnSpc>
               <a:buFont typeface="Arial"/>
               <a:buChar char="•"/>
             </a:pPr>
             <a:r>
-              <a:rPr kumimoji="1" lang="ja-JP" altLang="en-US" sz="3200" dirty="0" smtClean="0"/>
-              <a:t>アプリ名</a:t>
-            </a:r>
-            <a:endParaRPr kumimoji="1" lang="en-US" altLang="ja-JP" sz="3200" dirty="0" smtClean="0"/>
+              <a:rPr lang="ja-JP" altLang="en-US" sz="3200" dirty="0" smtClean="0"/>
+              <a:t>アプリ名は</a:t>
+            </a:r>
+            <a:r>
+              <a:rPr lang="en-US" altLang="ja-JP" sz="3200" dirty="0" smtClean="0"/>
+              <a:t>URL</a:t>
+            </a:r>
+            <a:r>
+              <a:rPr lang="ja-JP" altLang="en-US" sz="3200" dirty="0" smtClean="0"/>
+              <a:t>の一部になります</a:t>
+            </a:r>
+            <a:endParaRPr lang="en-US" altLang="ja-JP" sz="3200" dirty="0" smtClean="0"/>
           </a:p>
           <a:p>
             <a:pPr marL="457200" indent="-457200">
               <a:lnSpc>
-                <a:spcPct val="200000"/>
+                <a:spcPct val="150000"/>
               </a:lnSpc>
               <a:buFont typeface="Arial"/>
               <a:buChar char="•"/>
             </a:pPr>
             <a:r>
-              <a:rPr lang="ja-JP" altLang="en-US" sz="3200" dirty="0" smtClean="0"/>
-              <a:t>サブスクリプション</a:t>
-            </a:r>
-            <a:endParaRPr lang="en-US" altLang="ja-JP" sz="3200" dirty="0" smtClean="0"/>
-          </a:p>
-          <a:p>
-            <a:pPr marL="457200" indent="-457200">
-              <a:lnSpc>
-                <a:spcPct val="200000"/>
-              </a:lnSpc>
-              <a:buFont typeface="Arial"/>
-              <a:buChar char="•"/>
-            </a:pPr>
-            <a:r>
               <a:rPr kumimoji="1" lang="ja-JP" altLang="en-US" sz="3200" dirty="0" smtClean="0"/>
-              <a:t>リソース名</a:t>
-            </a:r>
-            <a:endParaRPr kumimoji="1" lang="en-US" altLang="ja-JP" sz="3200" dirty="0" smtClean="0"/>
-          </a:p>
-          <a:p>
-            <a:pPr marL="457200" indent="-457200">
-              <a:lnSpc>
-                <a:spcPct val="200000"/>
-              </a:lnSpc>
-              <a:buFont typeface="Arial"/>
-              <a:buChar char="•"/>
-            </a:pPr>
-            <a:r>
-              <a:rPr lang="en-US" altLang="ja-JP" sz="3200" dirty="0" smtClean="0"/>
-              <a:t>App Service </a:t>
-            </a:r>
-            <a:r>
-              <a:rPr lang="ja-JP" altLang="en-US" sz="3200" dirty="0" smtClean="0"/>
-              <a:t>プラン</a:t>
-            </a:r>
-            <a:r>
-              <a:rPr lang="en-US" altLang="ja-JP" sz="3200" dirty="0"/>
-              <a:t>/</a:t>
-            </a:r>
-            <a:r>
-              <a:rPr lang="ja-JP" altLang="en-US" sz="3200" dirty="0" smtClean="0"/>
-              <a:t>場所</a:t>
-            </a:r>
-            <a:endParaRPr kumimoji="1" lang="en-US" altLang="ja-JP" sz="3200" dirty="0" smtClean="0"/>
-          </a:p>
-          <a:p>
-            <a:pPr marL="914400" lvl="1" indent="-457200">
-              <a:lnSpc>
-                <a:spcPct val="200000"/>
-              </a:lnSpc>
-              <a:buFont typeface="Arial"/>
-              <a:buChar char="•"/>
-            </a:pPr>
-            <a:endParaRPr kumimoji="1" lang="ja-JP" altLang="en-US" sz="3200" dirty="0" smtClean="0"/>
+              <a:t>すでに存在するアプリ名に被らないよう</a:t>
+            </a:r>
+            <a:r>
+              <a:rPr kumimoji="1" lang="en-US" altLang="ja-JP" sz="3200" dirty="0" smtClean="0"/>
+              <a:t/>
+            </a:r>
+            <a:br>
+              <a:rPr kumimoji="1" lang="en-US" altLang="ja-JP" sz="3200" dirty="0" smtClean="0"/>
+            </a:br>
+            <a:r>
+              <a:rPr kumimoji="1" lang="ja-JP" altLang="en-US" sz="3200" dirty="0" smtClean="0"/>
+              <a:t>決めましょう</a:t>
+            </a:r>
           </a:p>
         </p:txBody>
       </p:sp>
     </p:spTree>
     <p:extLst>
       <p:ext uri="{BB962C8B-B14F-4D97-AF65-F5344CB8AC3E}">
-        <p14:creationId xmlns:p14="http://schemas.microsoft.com/office/powerpoint/2010/main" val="1279043161"/>
+        <p14:creationId xmlns:p14="http://schemas.microsoft.com/office/powerpoint/2010/main" val="2750603457"/>
       </p:ext>
     </p:extLst>
   </p:cSld>
@@ -38400,18 +38804,10 @@
               <a:buChar char="•"/>
             </a:pPr>
             <a:r>
-              <a:rPr lang="ja-JP" altLang="en-US" sz="3200" dirty="0" smtClean="0">
-                <a:solidFill>
-                  <a:srgbClr val="FF0000"/>
-                </a:solidFill>
-              </a:rPr>
+              <a:rPr lang="ja-JP" altLang="en-US" sz="3200" dirty="0" smtClean="0"/>
               <a:t>サブスクリプション</a:t>
             </a:r>
-            <a:endParaRPr lang="en-US" altLang="ja-JP" sz="3200" dirty="0" smtClean="0">
-              <a:solidFill>
-                <a:srgbClr val="FF0000"/>
-              </a:solidFill>
-            </a:endParaRPr>
+            <a:endParaRPr lang="en-US" altLang="ja-JP" sz="3200" dirty="0" smtClean="0"/>
           </a:p>
           <a:p>
             <a:pPr marL="457200" indent="-457200">
@@ -38444,7 +38840,7 @@
               <a:t>プラン</a:t>
             </a:r>
             <a:r>
-              <a:rPr lang="en-US" altLang="ja-JP" sz="3200" dirty="0" smtClean="0"/>
+              <a:rPr lang="en-US" altLang="ja-JP" sz="3200" dirty="0"/>
               <a:t>/</a:t>
             </a:r>
             <a:r>
@@ -38598,10 +38994,18 @@
               <a:buChar char="•"/>
             </a:pPr>
             <a:r>
-              <a:rPr lang="ja-JP" altLang="en-US" sz="3200" dirty="0" smtClean="0"/>
+              <a:rPr lang="ja-JP" altLang="en-US" sz="3200" dirty="0" smtClean="0">
+                <a:solidFill>
+                  <a:srgbClr val="FF0000"/>
+                </a:solidFill>
+              </a:rPr>
               <a:t>サブスクリプション</a:t>
             </a:r>
-            <a:endParaRPr lang="en-US" altLang="ja-JP" sz="3200" dirty="0" smtClean="0"/>
+            <a:endParaRPr lang="en-US" altLang="ja-JP" sz="3200" dirty="0" smtClean="0">
+              <a:solidFill>
+                <a:srgbClr val="FF0000"/>
+              </a:solidFill>
+            </a:endParaRPr>
           </a:p>
           <a:p>
             <a:pPr marL="457200" indent="-457200">
@@ -38612,18 +39016,10 @@
               <a:buChar char="•"/>
             </a:pPr>
             <a:r>
-              <a:rPr kumimoji="1" lang="ja-JP" altLang="en-US" sz="3200" dirty="0" smtClean="0">
-                <a:solidFill>
-                  <a:srgbClr val="FF0000"/>
-                </a:solidFill>
-              </a:rPr>
+              <a:rPr kumimoji="1" lang="ja-JP" altLang="en-US" sz="3200" dirty="0" smtClean="0"/>
               <a:t>リソース名</a:t>
             </a:r>
-            <a:endParaRPr kumimoji="1" lang="en-US" altLang="ja-JP" sz="3200" dirty="0" smtClean="0">
-              <a:solidFill>
-                <a:srgbClr val="FF0000"/>
-              </a:solidFill>
-            </a:endParaRPr>
+            <a:endParaRPr kumimoji="1" lang="en-US" altLang="ja-JP" sz="3200" dirty="0" smtClean="0"/>
           </a:p>
           <a:p>
             <a:pPr marL="457200" indent="-457200">
@@ -38666,7 +39062,7 @@
     </p:spTree>
     <p:extLst>
       <p:ext uri="{BB962C8B-B14F-4D97-AF65-F5344CB8AC3E}">
-        <p14:creationId xmlns:p14="http://schemas.microsoft.com/office/powerpoint/2010/main" val="1529136180"/>
+        <p14:creationId xmlns:p14="http://schemas.microsoft.com/office/powerpoint/2010/main" val="1279043161"/>
       </p:ext>
     </p:extLst>
   </p:cSld>
@@ -38716,89 +39112,16 @@
           <a:lstStyle/>
           <a:p>
             <a:r>
-              <a:rPr lang="ja-JP" altLang="en-US" dirty="0"/>
+              <a:rPr kumimoji="1" lang="ja-JP" altLang="en-US" dirty="0" smtClean="0"/>
               <a:t>新しくプロジェクトを作る</a:t>
             </a:r>
             <a:endParaRPr kumimoji="1" lang="ja-JP" altLang="en-US" dirty="0"/>
-          </a:p>
-        </p:txBody>
-      </p:sp>
-      <p:sp>
-        <p:nvSpPr>
-          <p:cNvPr id="7" name="テキスト ボックス 6"/>
-          <p:cNvSpPr txBox="1"/>
-          <p:nvPr/>
-        </p:nvSpPr>
-        <p:spPr>
-          <a:xfrm>
-            <a:off x="1989667" y="4639733"/>
-            <a:ext cx="8212667" cy="1625599"/>
-          </a:xfrm>
-          <a:prstGeom prst="rect">
-            <a:avLst/>
-          </a:prstGeom>
-        </p:spPr>
-        <p:txBody>
-          <a:bodyPr vert="horz" wrap="none" lIns="91440" tIns="45720" rIns="91440" bIns="45720" rtlCol="0" anchor="ctr">
-            <a:noAutofit/>
-          </a:bodyPr>
-          <a:lstStyle/>
-          <a:p>
-            <a:pPr marL="457200" indent="-457200">
-              <a:lnSpc>
-                <a:spcPct val="150000"/>
-              </a:lnSpc>
-              <a:buFont typeface="Arial"/>
-              <a:buChar char="•"/>
-            </a:pPr>
-            <a:r>
-              <a:rPr lang="ja-JP" altLang="en-US" sz="3200" dirty="0" smtClean="0"/>
-              <a:t>フォルダ名みたいなもの</a:t>
-            </a:r>
-            <a:endParaRPr lang="en-US" altLang="ja-JP" sz="3200" dirty="0" smtClean="0"/>
-          </a:p>
-          <a:p>
-            <a:pPr marL="457200" indent="-457200">
-              <a:lnSpc>
-                <a:spcPct val="150000"/>
-              </a:lnSpc>
-              <a:buFont typeface="Arial"/>
-              <a:buChar char="•"/>
-            </a:pPr>
-            <a:r>
-              <a:rPr lang="ja-JP" altLang="en-US" sz="3200" dirty="0" smtClean="0"/>
-              <a:t>この</a:t>
-            </a:r>
-            <a:r>
-              <a:rPr lang="en-US" altLang="ja-JP" sz="3200" dirty="0" smtClean="0"/>
-              <a:t>Web</a:t>
-            </a:r>
-            <a:r>
-              <a:rPr lang="ja-JP" altLang="en-US" sz="3200" dirty="0" smtClean="0"/>
-              <a:t>サイトが何なのか分かる形で</a:t>
-            </a:r>
-            <a:r>
-              <a:rPr lang="en-US" altLang="ja-JP" sz="3200" dirty="0" smtClean="0"/>
-              <a:t/>
-            </a:r>
-            <a:br>
-              <a:rPr lang="en-US" altLang="ja-JP" sz="3200" dirty="0" smtClean="0"/>
-            </a:br>
-            <a:r>
-              <a:rPr lang="ja-JP" altLang="en-US" sz="3200" dirty="0" smtClean="0"/>
-              <a:t>記入すると</a:t>
-            </a:r>
-            <a:r>
-              <a:rPr lang="en-US" altLang="ja-JP" sz="3200" dirty="0" smtClean="0"/>
-              <a:t>◎</a:t>
-            </a:r>
-            <a:endParaRPr lang="en-US" altLang="ja-JP" sz="3200" dirty="0" smtClean="0"/>
           </a:p>
         </p:txBody>
       </p:sp>
       <p:pic>
         <p:nvPicPr>
-          <p:cNvPr id="3" name="図 2" descr="スクリーンショット 2016-05-31 19.56.33.png"/>
+          <p:cNvPr id="4" name="図 3" descr="スクリーンショット 2016-05-31 19.47.14.png"/>
           <p:cNvPicPr>
             <a:picLocks noChangeAspect="1"/>
           </p:cNvPicPr>
@@ -38818,18 +39141,126 @@
         </p:blipFill>
         <p:spPr>
           <a:xfrm>
-            <a:off x="2562761" y="1416047"/>
-            <a:ext cx="7066479" cy="2055283"/>
+            <a:off x="9098088" y="795868"/>
+            <a:ext cx="3093912" cy="6062132"/>
           </a:xfrm>
           <a:prstGeom prst="rect">
             <a:avLst/>
           </a:prstGeom>
         </p:spPr>
       </p:pic>
+      <p:sp>
+        <p:nvSpPr>
+          <p:cNvPr id="5" name="テキスト ボックス 4"/>
+          <p:cNvSpPr txBox="1"/>
+          <p:nvPr/>
+        </p:nvSpPr>
+        <p:spPr>
+          <a:xfrm>
+            <a:off x="660400" y="1337732"/>
+            <a:ext cx="6485466" cy="5012267"/>
+          </a:xfrm>
+          <a:prstGeom prst="rect">
+            <a:avLst/>
+          </a:prstGeom>
+        </p:spPr>
+        <p:txBody>
+          <a:bodyPr vert="horz" wrap="none" lIns="91440" tIns="45720" rIns="91440" bIns="45720" rtlCol="0" anchor="ctr">
+            <a:normAutofit/>
+          </a:bodyPr>
+          <a:lstStyle/>
+          <a:p>
+            <a:pPr marL="457200" indent="-457200">
+              <a:lnSpc>
+                <a:spcPct val="200000"/>
+              </a:lnSpc>
+              <a:buFont typeface="Arial"/>
+              <a:buChar char="•"/>
+            </a:pPr>
+            <a:r>
+              <a:rPr kumimoji="1" lang="ja-JP" altLang="en-US" sz="3200" dirty="0" smtClean="0"/>
+              <a:t>アプリ名</a:t>
+            </a:r>
+            <a:endParaRPr kumimoji="1" lang="en-US" altLang="ja-JP" sz="3200" dirty="0" smtClean="0"/>
+          </a:p>
+          <a:p>
+            <a:pPr marL="457200" indent="-457200">
+              <a:lnSpc>
+                <a:spcPct val="200000"/>
+              </a:lnSpc>
+              <a:buFont typeface="Arial"/>
+              <a:buChar char="•"/>
+            </a:pPr>
+            <a:r>
+              <a:rPr lang="ja-JP" altLang="en-US" sz="3200" dirty="0" smtClean="0"/>
+              <a:t>サブスクリプション</a:t>
+            </a:r>
+            <a:endParaRPr lang="en-US" altLang="ja-JP" sz="3200" dirty="0" smtClean="0"/>
+          </a:p>
+          <a:p>
+            <a:pPr marL="457200" indent="-457200">
+              <a:lnSpc>
+                <a:spcPct val="200000"/>
+              </a:lnSpc>
+              <a:buFont typeface="Arial"/>
+              <a:buChar char="•"/>
+            </a:pPr>
+            <a:r>
+              <a:rPr kumimoji="1" lang="ja-JP" altLang="en-US" sz="3200" dirty="0" smtClean="0">
+                <a:solidFill>
+                  <a:srgbClr val="FF0000"/>
+                </a:solidFill>
+              </a:rPr>
+              <a:t>リソース名</a:t>
+            </a:r>
+            <a:endParaRPr kumimoji="1" lang="en-US" altLang="ja-JP" sz="3200" dirty="0" smtClean="0">
+              <a:solidFill>
+                <a:srgbClr val="FF0000"/>
+              </a:solidFill>
+            </a:endParaRPr>
+          </a:p>
+          <a:p>
+            <a:pPr marL="457200" indent="-457200">
+              <a:lnSpc>
+                <a:spcPct val="200000"/>
+              </a:lnSpc>
+              <a:buFont typeface="Arial"/>
+              <a:buChar char="•"/>
+            </a:pPr>
+            <a:r>
+              <a:rPr lang="en-US" altLang="ja-JP" sz="3200" dirty="0" smtClean="0"/>
+              <a:t>App Service </a:t>
+            </a:r>
+            <a:r>
+              <a:rPr lang="ja-JP" altLang="en-US" sz="3200" dirty="0" smtClean="0"/>
+              <a:t>プラン</a:t>
+            </a:r>
+            <a:r>
+              <a:rPr lang="en-US" altLang="ja-JP" sz="3200" dirty="0" smtClean="0"/>
+              <a:t>/</a:t>
+            </a:r>
+            <a:r>
+              <a:rPr lang="ja-JP" altLang="en-US" sz="3200" dirty="0" smtClean="0"/>
+              <a:t>場所</a:t>
+            </a:r>
+            <a:endParaRPr kumimoji="1" lang="en-US" altLang="ja-JP" sz="3200" dirty="0" smtClean="0"/>
+          </a:p>
+          <a:p>
+            <a:pPr marL="914400" lvl="1" indent="-457200">
+              <a:lnSpc>
+                <a:spcPct val="200000"/>
+              </a:lnSpc>
+              <a:buFont typeface="Arial"/>
+              <a:buChar char="•"/>
+            </a:pPr>
+            <a:endParaRPr kumimoji="1" lang="ja-JP" altLang="en-US" sz="3200" dirty="0" smtClean="0"/>
+          </a:p>
+        </p:txBody>
+      </p:sp>
     </p:spTree>
     <p:extLst>
       <p:ext uri="{BB962C8B-B14F-4D97-AF65-F5344CB8AC3E}">
-        <p14:creationId xmlns:p14="http://schemas.microsoft.com/office/powerpoint/2010/main" val="2692417257"/>
+        <p14:creationId xmlns:p14="http://schemas.microsoft.com/office/powerpoint/2010/main" val="1529136180"/>
       </p:ext>
     </p:extLst>
   </p:cSld>
@@ -38879,16 +39310,97 @@
           <a:lstStyle/>
           <a:p>
             <a:r>
-              <a:rPr kumimoji="1" lang="ja-JP" altLang="en-US" dirty="0" smtClean="0"/>
+              <a:rPr lang="ja-JP" altLang="en-US" dirty="0"/>
               <a:t>新しくプロジェクトを作る</a:t>
             </a:r>
             <a:endParaRPr kumimoji="1" lang="ja-JP" altLang="en-US" dirty="0"/>
+          </a:p>
+        </p:txBody>
+      </p:sp>
+      <p:sp>
+        <p:nvSpPr>
+          <p:cNvPr id="7" name="テキスト ボックス 6"/>
+          <p:cNvSpPr txBox="1"/>
+          <p:nvPr/>
+        </p:nvSpPr>
+        <p:spPr>
+          <a:xfrm>
+            <a:off x="1989667" y="4639733"/>
+            <a:ext cx="8212667" cy="1625599"/>
+          </a:xfrm>
+          <a:prstGeom prst="rect">
+            <a:avLst/>
+          </a:prstGeom>
+        </p:spPr>
+        <p:txBody>
+          <a:bodyPr vert="horz" wrap="none" lIns="91440" tIns="45720" rIns="91440" bIns="45720" rtlCol="0" anchor="ctr">
+            <a:noAutofit/>
+          </a:bodyPr>
+          <a:lstStyle/>
+          <a:p>
+            <a:pPr marL="457200" indent="-457200">
+              <a:lnSpc>
+                <a:spcPct val="150000"/>
+              </a:lnSpc>
+              <a:buFont typeface="Arial"/>
+              <a:buChar char="•"/>
+            </a:pPr>
+            <a:r>
+              <a:rPr lang="ja-JP" altLang="en-US" sz="3200" dirty="0" smtClean="0"/>
+              <a:t>フォルダ名みたいなもの</a:t>
+            </a:r>
+            <a:endParaRPr lang="en-US" altLang="ja-JP" sz="3200" dirty="0" smtClean="0"/>
+          </a:p>
+          <a:p>
+            <a:pPr marL="457200" indent="-457200">
+              <a:lnSpc>
+                <a:spcPct val="150000"/>
+              </a:lnSpc>
+              <a:buFont typeface="Arial"/>
+              <a:buChar char="•"/>
+            </a:pPr>
+            <a:r>
+              <a:rPr lang="ja-JP" altLang="en-US" sz="3200" dirty="0" smtClean="0"/>
+              <a:t>この</a:t>
+            </a:r>
+            <a:r>
+              <a:rPr lang="en-US" altLang="ja-JP" sz="3200" dirty="0" smtClean="0"/>
+              <a:t>Web</a:t>
+            </a:r>
+            <a:r>
+              <a:rPr lang="ja-JP" altLang="en-US" sz="3200" dirty="0" smtClean="0"/>
+              <a:t>サイト</a:t>
+            </a:r>
+            <a:r>
+              <a:rPr lang="ja-JP" altLang="en-US" sz="3200" dirty="0" smtClean="0"/>
+              <a:t>が</a:t>
+            </a:r>
+            <a:r>
+              <a:rPr lang="ja-JP" altLang="en-US" sz="3200" dirty="0" smtClean="0"/>
+              <a:t>一目で分かる名前だ</a:t>
+            </a:r>
+            <a:r>
+              <a:rPr lang="ja-JP" altLang="en-US" sz="3200" dirty="0" smtClean="0"/>
+              <a:t>と</a:t>
+            </a:r>
+            <a:r>
+              <a:rPr lang="en-US" altLang="ja-JP" sz="3200" dirty="0" smtClean="0"/>
+              <a:t/>
+            </a:r>
+            <a:br>
+              <a:rPr lang="en-US" altLang="ja-JP" sz="3200" dirty="0" smtClean="0"/>
+            </a:br>
+            <a:r>
+              <a:rPr lang="ja-JP" altLang="en-US" sz="3200" dirty="0" smtClean="0"/>
+              <a:t>非常に良い</a:t>
+            </a:r>
+            <a:endParaRPr lang="en-US" altLang="ja-JP" sz="3200" dirty="0" smtClean="0"/>
           </a:p>
         </p:txBody>
       </p:sp>
       <p:pic>
         <p:nvPicPr>
-          <p:cNvPr id="4" name="図 3" descr="スクリーンショット 2016-05-31 19.47.14.png"/>
+          <p:cNvPr id="3" name="図 2" descr="スクリーンショット 2016-05-31 19.56.33.png"/>
           <p:cNvPicPr>
             <a:picLocks noChangeAspect="1"/>
           </p:cNvPicPr>
@@ -38908,118 +39420,18 @@
         </p:blipFill>
         <p:spPr>
           <a:xfrm>
-            <a:off x="9098088" y="795868"/>
-            <a:ext cx="3093912" cy="6062132"/>
+            <a:off x="2562761" y="1416047"/>
+            <a:ext cx="7066479" cy="2055283"/>
           </a:xfrm>
           <a:prstGeom prst="rect">
             <a:avLst/>
           </a:prstGeom>
         </p:spPr>
       </p:pic>
-      <p:sp>
-        <p:nvSpPr>
-          <p:cNvPr id="5" name="テキスト ボックス 4"/>
-          <p:cNvSpPr txBox="1"/>
-          <p:nvPr/>
-        </p:nvSpPr>
-        <p:spPr>
-          <a:xfrm>
-            <a:off x="660400" y="1337732"/>
-            <a:ext cx="6485466" cy="5012267"/>
-          </a:xfrm>
-          <a:prstGeom prst="rect">
-            <a:avLst/>
-          </a:prstGeom>
-        </p:spPr>
-        <p:txBody>
-          <a:bodyPr vert="horz" wrap="none" lIns="91440" tIns="45720" rIns="91440" bIns="45720" rtlCol="0" anchor="ctr">
-            <a:normAutofit/>
-          </a:bodyPr>
-          <a:lstStyle/>
-          <a:p>
-            <a:pPr marL="457200" indent="-457200">
-              <a:lnSpc>
-                <a:spcPct val="200000"/>
-              </a:lnSpc>
-              <a:buFont typeface="Arial"/>
-              <a:buChar char="•"/>
-            </a:pPr>
-            <a:r>
-              <a:rPr kumimoji="1" lang="ja-JP" altLang="en-US" sz="3200" dirty="0" smtClean="0"/>
-              <a:t>アプリ名</a:t>
-            </a:r>
-            <a:endParaRPr kumimoji="1" lang="en-US" altLang="ja-JP" sz="3200" dirty="0" smtClean="0"/>
-          </a:p>
-          <a:p>
-            <a:pPr marL="457200" indent="-457200">
-              <a:lnSpc>
-                <a:spcPct val="200000"/>
-              </a:lnSpc>
-              <a:buFont typeface="Arial"/>
-              <a:buChar char="•"/>
-            </a:pPr>
-            <a:r>
-              <a:rPr lang="ja-JP" altLang="en-US" sz="3200" dirty="0" smtClean="0"/>
-              <a:t>サブスクリプション</a:t>
-            </a:r>
-            <a:endParaRPr lang="en-US" altLang="ja-JP" sz="3200" dirty="0" smtClean="0"/>
-          </a:p>
-          <a:p>
-            <a:pPr marL="457200" indent="-457200">
-              <a:lnSpc>
-                <a:spcPct val="200000"/>
-              </a:lnSpc>
-              <a:buFont typeface="Arial"/>
-              <a:buChar char="•"/>
-            </a:pPr>
-            <a:r>
-              <a:rPr kumimoji="1" lang="ja-JP" altLang="en-US" sz="3200" dirty="0" smtClean="0"/>
-              <a:t>リソース名</a:t>
-            </a:r>
-            <a:endParaRPr kumimoji="1" lang="en-US" altLang="ja-JP" sz="3200" dirty="0" smtClean="0"/>
-          </a:p>
-          <a:p>
-            <a:pPr marL="457200" indent="-457200">
-              <a:lnSpc>
-                <a:spcPct val="200000"/>
-              </a:lnSpc>
-              <a:buFont typeface="Arial"/>
-              <a:buChar char="•"/>
-            </a:pPr>
-            <a:r>
-              <a:rPr lang="en-US" altLang="ja-JP" sz="3200" dirty="0" smtClean="0"/>
-              <a:t>App Service </a:t>
-            </a:r>
-            <a:r>
-              <a:rPr lang="ja-JP" altLang="en-US" sz="3200" dirty="0" smtClean="0"/>
-              <a:t>プラン</a:t>
-            </a:r>
-            <a:r>
-              <a:rPr lang="en-US" altLang="ja-JP" sz="3200" dirty="0" smtClean="0"/>
-              <a:t>/</a:t>
-            </a:r>
-            <a:r>
-              <a:rPr lang="ja-JP" altLang="en-US" sz="3200" dirty="0" smtClean="0"/>
-              <a:t>場所</a:t>
-            </a:r>
-            <a:endParaRPr kumimoji="1" lang="en-US" altLang="ja-JP" sz="3200" dirty="0" smtClean="0"/>
-          </a:p>
-          <a:p>
-            <a:pPr marL="914400" lvl="1" indent="-457200">
-              <a:lnSpc>
-                <a:spcPct val="200000"/>
-              </a:lnSpc>
-              <a:buFont typeface="Arial"/>
-              <a:buChar char="•"/>
-            </a:pPr>
-            <a:endParaRPr kumimoji="1" lang="ja-JP" altLang="en-US" sz="3200" dirty="0" smtClean="0"/>
-          </a:p>
-        </p:txBody>
-      </p:sp>
     </p:spTree>
     <p:extLst>
       <p:ext uri="{BB962C8B-B14F-4D97-AF65-F5344CB8AC3E}">
-        <p14:creationId xmlns:p14="http://schemas.microsoft.com/office/powerpoint/2010/main" val="2062886881"/>
+        <p14:creationId xmlns:p14="http://schemas.microsoft.com/office/powerpoint/2010/main" val="2692417257"/>
       </p:ext>
     </p:extLst>
   </p:cSld>
@@ -39177,42 +39589,22 @@
               <a:buChar char="•"/>
             </a:pPr>
             <a:r>
-              <a:rPr lang="en-US" altLang="ja-JP" sz="3200" dirty="0" smtClean="0">
-                <a:solidFill>
-                  <a:srgbClr val="FF0000"/>
-                </a:solidFill>
-              </a:rPr>
+              <a:rPr lang="en-US" altLang="ja-JP" sz="3200" dirty="0" smtClean="0"/>
               <a:t>App Service </a:t>
             </a:r>
             <a:r>
-              <a:rPr lang="ja-JP" altLang="en-US" sz="3200" dirty="0" smtClean="0">
-                <a:solidFill>
-                  <a:srgbClr val="FF0000"/>
-                </a:solidFill>
-              </a:rPr>
+              <a:rPr lang="ja-JP" altLang="en-US" sz="3200" dirty="0" smtClean="0"/>
               <a:t>プラン</a:t>
             </a:r>
             <a:r>
-              <a:rPr lang="en-US" altLang="ja-JP" sz="3200" dirty="0" smtClean="0">
-                <a:solidFill>
-                  <a:srgbClr val="FF0000"/>
-                </a:solidFill>
-              </a:rPr>
+              <a:rPr lang="en-US" altLang="ja-JP" sz="3200" dirty="0" smtClean="0"/>
               <a:t>/</a:t>
             </a:r>
             <a:r>
-              <a:rPr lang="ja-JP" altLang="en-US" sz="3200" dirty="0" smtClean="0">
-                <a:solidFill>
-                  <a:srgbClr val="FF0000"/>
-                </a:solidFill>
-              </a:rPr>
+              <a:rPr lang="ja-JP" altLang="en-US" sz="3200" dirty="0" smtClean="0"/>
               <a:t>場所</a:t>
             </a:r>
-            <a:endParaRPr kumimoji="1" lang="en-US" altLang="ja-JP" sz="3200" dirty="0" smtClean="0">
-              <a:solidFill>
-                <a:srgbClr val="FF0000"/>
-              </a:solidFill>
-            </a:endParaRPr>
+            <a:endParaRPr kumimoji="1" lang="en-US" altLang="ja-JP" sz="3200" dirty="0" smtClean="0"/>
           </a:p>
           <a:p>
             <a:pPr marL="914400" lvl="1" indent="-457200">
@@ -39229,7 +39621,7 @@
     </p:spTree>
     <p:extLst>
       <p:ext uri="{BB962C8B-B14F-4D97-AF65-F5344CB8AC3E}">
-        <p14:creationId xmlns:p14="http://schemas.microsoft.com/office/powerpoint/2010/main" val="3162316282"/>
+        <p14:creationId xmlns:p14="http://schemas.microsoft.com/office/powerpoint/2010/main" val="2062886881"/>
       </p:ext>
     </p:extLst>
   </p:cSld>
@@ -39279,7 +39671,7 @@
           <a:lstStyle/>
           <a:p>
             <a:r>
-              <a:rPr lang="ja-JP" altLang="en-US" dirty="0" smtClean="0"/>
+              <a:rPr kumimoji="1" lang="ja-JP" altLang="en-US" dirty="0" smtClean="0"/>
               <a:t>新しくプロジェクトを作る</a:t>
             </a:r>
             <a:endParaRPr kumimoji="1" lang="ja-JP" altLang="en-US" dirty="0"/>
@@ -39288,7 +39680,7 @@
       </p:sp>
       <p:pic>
         <p:nvPicPr>
-          <p:cNvPr id="4" name="図 3" descr="スクリーンショット_2016-05-31_23_32_20.png"/>
+          <p:cNvPr id="4" name="図 3" descr="スクリーンショット 2016-05-31 19.47.14.png"/>
           <p:cNvPicPr>
             <a:picLocks noChangeAspect="1"/>
           </p:cNvPicPr>
@@ -39308,18 +39700,138 @@
         </p:blipFill>
         <p:spPr>
           <a:xfrm>
-            <a:off x="2286526" y="848871"/>
-            <a:ext cx="7618949" cy="5958329"/>
+            <a:off x="9098088" y="795868"/>
+            <a:ext cx="3093912" cy="6062132"/>
           </a:xfrm>
           <a:prstGeom prst="rect">
             <a:avLst/>
           </a:prstGeom>
         </p:spPr>
       </p:pic>
+      <p:sp>
+        <p:nvSpPr>
+          <p:cNvPr id="5" name="テキスト ボックス 4"/>
+          <p:cNvSpPr txBox="1"/>
+          <p:nvPr/>
+        </p:nvSpPr>
+        <p:spPr>
+          <a:xfrm>
+            <a:off x="660400" y="1337732"/>
+            <a:ext cx="6485466" cy="5012267"/>
+          </a:xfrm>
+          <a:prstGeom prst="rect">
+            <a:avLst/>
+          </a:prstGeom>
+        </p:spPr>
+        <p:txBody>
+          <a:bodyPr vert="horz" wrap="none" lIns="91440" tIns="45720" rIns="91440" bIns="45720" rtlCol="0" anchor="ctr">
+            <a:normAutofit/>
+          </a:bodyPr>
+          <a:lstStyle/>
+          <a:p>
+            <a:pPr marL="457200" indent="-457200">
+              <a:lnSpc>
+                <a:spcPct val="200000"/>
+              </a:lnSpc>
+              <a:buFont typeface="Arial"/>
+              <a:buChar char="•"/>
+            </a:pPr>
+            <a:r>
+              <a:rPr kumimoji="1" lang="ja-JP" altLang="en-US" sz="3200" dirty="0" smtClean="0"/>
+              <a:t>アプリ名</a:t>
+            </a:r>
+            <a:endParaRPr kumimoji="1" lang="en-US" altLang="ja-JP" sz="3200" dirty="0" smtClean="0"/>
+          </a:p>
+          <a:p>
+            <a:pPr marL="457200" indent="-457200">
+              <a:lnSpc>
+                <a:spcPct val="200000"/>
+              </a:lnSpc>
+              <a:buFont typeface="Arial"/>
+              <a:buChar char="•"/>
+            </a:pPr>
+            <a:r>
+              <a:rPr lang="ja-JP" altLang="en-US" sz="3200" dirty="0" smtClean="0"/>
+              <a:t>サブスクリプション</a:t>
+            </a:r>
+            <a:endParaRPr lang="en-US" altLang="ja-JP" sz="3200" dirty="0" smtClean="0"/>
+          </a:p>
+          <a:p>
+            <a:pPr marL="457200" indent="-457200">
+              <a:lnSpc>
+                <a:spcPct val="200000"/>
+              </a:lnSpc>
+              <a:buFont typeface="Arial"/>
+              <a:buChar char="•"/>
+            </a:pPr>
+            <a:r>
+              <a:rPr kumimoji="1" lang="ja-JP" altLang="en-US" sz="3200" dirty="0" smtClean="0"/>
+              <a:t>リソース名</a:t>
+            </a:r>
+            <a:endParaRPr kumimoji="1" lang="en-US" altLang="ja-JP" sz="3200" dirty="0" smtClean="0"/>
+          </a:p>
+          <a:p>
+            <a:pPr marL="457200" indent="-457200">
+              <a:lnSpc>
+                <a:spcPct val="200000"/>
+              </a:lnSpc>
+              <a:buFont typeface="Arial"/>
+              <a:buChar char="•"/>
+            </a:pPr>
+            <a:r>
+              <a:rPr lang="en-US" altLang="ja-JP" sz="3200" dirty="0" smtClean="0">
+                <a:solidFill>
+                  <a:srgbClr val="FF0000"/>
+                </a:solidFill>
+              </a:rPr>
+              <a:t>App Service </a:t>
+            </a:r>
+            <a:r>
+              <a:rPr lang="ja-JP" altLang="en-US" sz="3200" dirty="0" smtClean="0">
+                <a:solidFill>
+                  <a:srgbClr val="FF0000"/>
+                </a:solidFill>
+              </a:rPr>
+              <a:t>プラン</a:t>
+            </a:r>
+            <a:r>
+              <a:rPr lang="en-US" altLang="ja-JP" sz="3200" dirty="0" smtClean="0">
+                <a:solidFill>
+                  <a:srgbClr val="FF0000"/>
+                </a:solidFill>
+              </a:rPr>
+              <a:t>/</a:t>
+            </a:r>
+            <a:r>
+              <a:rPr lang="ja-JP" altLang="en-US" sz="3200" dirty="0" smtClean="0">
+                <a:solidFill>
+                  <a:srgbClr val="FF0000"/>
+                </a:solidFill>
+              </a:rPr>
+              <a:t>場所</a:t>
+            </a:r>
+            <a:endParaRPr kumimoji="1" lang="en-US" altLang="ja-JP" sz="3200" dirty="0" smtClean="0">
+              <a:solidFill>
+                <a:srgbClr val="FF0000"/>
+              </a:solidFill>
+            </a:endParaRPr>
+          </a:p>
+          <a:p>
+            <a:pPr marL="914400" lvl="1" indent="-457200">
+              <a:lnSpc>
+                <a:spcPct val="200000"/>
+              </a:lnSpc>
+              <a:buFont typeface="Arial"/>
+              <a:buChar char="•"/>
+            </a:pPr>
+            <a:endParaRPr kumimoji="1" lang="ja-JP" altLang="en-US" sz="3200" dirty="0" smtClean="0"/>
+          </a:p>
+        </p:txBody>
+      </p:sp>
     </p:spTree>
     <p:extLst>
       <p:ext uri="{BB962C8B-B14F-4D97-AF65-F5344CB8AC3E}">
-        <p14:creationId xmlns:p14="http://schemas.microsoft.com/office/powerpoint/2010/main" val="1215859972"/>
+        <p14:creationId xmlns:p14="http://schemas.microsoft.com/office/powerpoint/2010/main" val="3162316282"/>
       </p:ext>
     </p:extLst>
   </p:cSld>
@@ -39369,8 +39881,8 @@
           <a:lstStyle/>
           <a:p>
             <a:r>
-              <a:rPr lang="ja-JP" altLang="en-US" dirty="0"/>
-              <a:t>新しくプロジェクトを作る</a:t>
+              <a:rPr kumimoji="1" lang="en-US" altLang="ja-JP" dirty="0" smtClean="0"/>
+              <a:t>App Service</a:t>
             </a:r>
             <a:endParaRPr kumimoji="1" lang="ja-JP" altLang="en-US" dirty="0"/>
           </a:p>
@@ -39378,14 +39890,14 @@
       </p:sp>
       <p:sp>
         <p:nvSpPr>
-          <p:cNvPr id="7" name="テキスト ボックス 6"/>
+          <p:cNvPr id="26" name="テキスト ボックス 25"/>
           <p:cNvSpPr txBox="1"/>
           <p:nvPr/>
         </p:nvSpPr>
         <p:spPr>
           <a:xfrm>
-            <a:off x="1989667" y="4639733"/>
-            <a:ext cx="8212667" cy="1625599"/>
+            <a:off x="12854912" y="1613143"/>
+            <a:ext cx="914400" cy="914400"/>
           </a:xfrm>
           <a:prstGeom prst="rect">
             <a:avLst/>
@@ -39393,66 +39905,393 @@
         </p:spPr>
         <p:txBody>
           <a:bodyPr vert="horz" wrap="none" lIns="91440" tIns="45720" rIns="91440" bIns="45720" rtlCol="0" anchor="ctr">
-            <a:noAutofit/>
+            <a:normAutofit/>
           </a:bodyPr>
           <a:lstStyle/>
           <a:p>
-            <a:pPr marL="457200" indent="-457200">
-              <a:lnSpc>
-                <a:spcPct val="150000"/>
-              </a:lnSpc>
-              <a:buFont typeface="Arial"/>
-              <a:buChar char="•"/>
-            </a:pPr>
-            <a:r>
-              <a:rPr lang="ja-JP" altLang="en-US" sz="3200" dirty="0" smtClean="0"/>
-              <a:t>フォルダ名みたいなもの</a:t>
-            </a:r>
-            <a:endParaRPr lang="en-US" altLang="ja-JP" sz="3200" dirty="0" smtClean="0"/>
-          </a:p>
-          <a:p>
-            <a:pPr marL="457200" indent="-457200">
-              <a:lnSpc>
-                <a:spcPct val="150000"/>
-              </a:lnSpc>
-              <a:buFont typeface="Arial"/>
-              <a:buChar char="•"/>
-            </a:pPr>
-            <a:r>
-              <a:rPr lang="ja-JP" altLang="en-US" sz="3200" dirty="0" smtClean="0"/>
-              <a:t>この</a:t>
-            </a:r>
+            <a:endParaRPr kumimoji="1" lang="ja-JP" altLang="en-US" dirty="0" smtClean="0"/>
+          </a:p>
+        </p:txBody>
+      </p:sp>
+      <p:sp>
+        <p:nvSpPr>
+          <p:cNvPr id="30" name="テキスト ボックス 29"/>
+          <p:cNvSpPr txBox="1"/>
+          <p:nvPr/>
+        </p:nvSpPr>
+        <p:spPr>
+          <a:xfrm>
+            <a:off x="7105385" y="6858000"/>
+            <a:ext cx="914400" cy="914400"/>
+          </a:xfrm>
+          <a:prstGeom prst="rect">
+            <a:avLst/>
+          </a:prstGeom>
+        </p:spPr>
+        <p:txBody>
+          <a:bodyPr vert="horz" wrap="none" lIns="91440" tIns="45720" rIns="91440" bIns="45720" rtlCol="0" anchor="ctr">
+            <a:normAutofit/>
+          </a:bodyPr>
+          <a:lstStyle/>
+          <a:p>
+            <a:endParaRPr kumimoji="1" lang="ja-JP" altLang="en-US" dirty="0" smtClean="0"/>
+          </a:p>
+        </p:txBody>
+      </p:sp>
+      <p:pic>
+        <p:nvPicPr>
+          <p:cNvPr id="5" name="図 4" descr="App Service.png"/>
+          <p:cNvPicPr>
+            <a:picLocks noChangeAspect="1"/>
+          </p:cNvPicPr>
+          <p:nvPr/>
+        </p:nvPicPr>
+        <p:blipFill>
+          <a:blip r:embed="rId3" cstate="print">
+            <a:extLst>
+              <a:ext uri="{28A0092B-C50C-407E-A947-70E740481C1C}">
+                <a14:useLocalDpi xmlns:a14="http://schemas.microsoft.com/office/drawing/2010/main" val="0"/>
+              </a:ext>
+            </a:extLst>
+          </a:blip>
+          <a:stretch>
+            <a:fillRect/>
+          </a:stretch>
+        </p:blipFill>
+        <p:spPr>
+          <a:xfrm>
+            <a:off x="6971915" y="3251368"/>
+            <a:ext cx="1260000" cy="1260000"/>
+          </a:xfrm>
+          <a:prstGeom prst="rect">
+            <a:avLst/>
+          </a:prstGeom>
+        </p:spPr>
+      </p:pic>
+      <p:pic>
+        <p:nvPicPr>
+          <p:cNvPr id="6" name="図 5" descr="Web App (was Websites).png"/>
+          <p:cNvPicPr>
+            <a:picLocks noChangeAspect="1"/>
+          </p:cNvPicPr>
+          <p:nvPr/>
+        </p:nvPicPr>
+        <p:blipFill>
+          <a:blip r:embed="rId4" cstate="print">
+            <a:extLst>
+              <a:ext uri="{28A0092B-C50C-407E-A947-70E740481C1C}">
+                <a14:useLocalDpi xmlns:a14="http://schemas.microsoft.com/office/drawing/2010/main" val="0"/>
+              </a:ext>
+            </a:extLst>
+          </a:blip>
+          <a:stretch>
+            <a:fillRect/>
+          </a:stretch>
+        </p:blipFill>
+        <p:spPr>
+          <a:xfrm>
+            <a:off x="909174" y="1123460"/>
+            <a:ext cx="899999" cy="899999"/>
+          </a:xfrm>
+          <a:prstGeom prst="rect">
+            <a:avLst/>
+          </a:prstGeom>
+        </p:spPr>
+      </p:pic>
+      <p:pic>
+        <p:nvPicPr>
+          <p:cNvPr id="7" name="図 6" descr="Mobile App (was Mobile Services).png"/>
+          <p:cNvPicPr>
+            <a:picLocks noChangeAspect="1"/>
+          </p:cNvPicPr>
+          <p:nvPr/>
+        </p:nvPicPr>
+        <p:blipFill>
+          <a:blip r:embed="rId5" cstate="print">
+            <a:extLst>
+              <a:ext uri="{28A0092B-C50C-407E-A947-70E740481C1C}">
+                <a14:useLocalDpi xmlns:a14="http://schemas.microsoft.com/office/drawing/2010/main" val="0"/>
+              </a:ext>
+            </a:extLst>
+          </a:blip>
+          <a:stretch>
+            <a:fillRect/>
+          </a:stretch>
+        </p:blipFill>
+        <p:spPr>
+          <a:xfrm>
+            <a:off x="909174" y="2665338"/>
+            <a:ext cx="899999" cy="899999"/>
+          </a:xfrm>
+          <a:prstGeom prst="rect">
+            <a:avLst/>
+          </a:prstGeom>
+        </p:spPr>
+      </p:pic>
+      <p:pic>
+        <p:nvPicPr>
+          <p:cNvPr id="8" name="図 7" descr="API App.png"/>
+          <p:cNvPicPr>
+            <a:picLocks noChangeAspect="1"/>
+          </p:cNvPicPr>
+          <p:nvPr/>
+        </p:nvPicPr>
+        <p:blipFill>
+          <a:blip r:embed="rId6" cstate="print">
+            <a:extLst>
+              <a:ext uri="{28A0092B-C50C-407E-A947-70E740481C1C}">
+                <a14:useLocalDpi xmlns:a14="http://schemas.microsoft.com/office/drawing/2010/main" val="0"/>
+              </a:ext>
+            </a:extLst>
+          </a:blip>
+          <a:stretch>
+            <a:fillRect/>
+          </a:stretch>
+        </p:blipFill>
+        <p:spPr>
+          <a:xfrm>
+            <a:off x="909174" y="4148692"/>
+            <a:ext cx="899999" cy="899999"/>
+          </a:xfrm>
+          <a:prstGeom prst="rect">
+            <a:avLst/>
+          </a:prstGeom>
+        </p:spPr>
+      </p:pic>
+      <p:pic>
+        <p:nvPicPr>
+          <p:cNvPr id="9" name="図 8" descr="Logic App.png"/>
+          <p:cNvPicPr>
+            <a:picLocks noChangeAspect="1"/>
+          </p:cNvPicPr>
+          <p:nvPr/>
+        </p:nvPicPr>
+        <p:blipFill>
+          <a:blip r:embed="rId7" cstate="print">
+            <a:extLst>
+              <a:ext uri="{28A0092B-C50C-407E-A947-70E740481C1C}">
+                <a14:useLocalDpi xmlns:a14="http://schemas.microsoft.com/office/drawing/2010/main" val="0"/>
+              </a:ext>
+            </a:extLst>
+          </a:blip>
+          <a:stretch>
+            <a:fillRect/>
+          </a:stretch>
+        </p:blipFill>
+        <p:spPr>
+          <a:xfrm>
+            <a:off x="909174" y="5661308"/>
+            <a:ext cx="899999" cy="899999"/>
+          </a:xfrm>
+          <a:prstGeom prst="rect">
+            <a:avLst/>
+          </a:prstGeom>
+        </p:spPr>
+      </p:pic>
+      <p:sp>
+        <p:nvSpPr>
+          <p:cNvPr id="10" name="テキスト ボックス 9"/>
+          <p:cNvSpPr txBox="1"/>
+          <p:nvPr/>
+        </p:nvSpPr>
+        <p:spPr>
+          <a:xfrm>
+            <a:off x="2627338" y="1116255"/>
+            <a:ext cx="1393372" cy="914400"/>
+          </a:xfrm>
+          <a:prstGeom prst="rect">
+            <a:avLst/>
+          </a:prstGeom>
+        </p:spPr>
+        <p:txBody>
+          <a:bodyPr vert="horz" wrap="none" lIns="91440" tIns="45720" rIns="91440" bIns="45720" rtlCol="0" anchor="ctr">
+            <a:normAutofit/>
+          </a:bodyPr>
+          <a:lstStyle/>
+          <a:p>
+            <a:r>
+              <a:rPr lang="en-US" altLang="ja-JP" sz="3200" dirty="0"/>
+              <a:t>Web App</a:t>
+            </a:r>
+            <a:endParaRPr kumimoji="1" lang="ja-JP" altLang="en-US" sz="3200" dirty="0" smtClean="0"/>
+          </a:p>
+        </p:txBody>
+      </p:sp>
+      <p:sp>
+        <p:nvSpPr>
+          <p:cNvPr id="13" name="テキスト ボックス 12"/>
+          <p:cNvSpPr txBox="1"/>
+          <p:nvPr/>
+        </p:nvSpPr>
+        <p:spPr>
+          <a:xfrm>
+            <a:off x="2627338" y="2658132"/>
+            <a:ext cx="1393372" cy="914400"/>
+          </a:xfrm>
+          <a:prstGeom prst="rect">
+            <a:avLst/>
+          </a:prstGeom>
+        </p:spPr>
+        <p:txBody>
+          <a:bodyPr vert="horz" wrap="none" lIns="91440" tIns="45720" rIns="91440" bIns="45720" rtlCol="0" anchor="ctr">
+            <a:normAutofit/>
+          </a:bodyPr>
+          <a:lstStyle/>
+          <a:p>
             <a:r>
               <a:rPr lang="en-US" altLang="ja-JP" sz="3200" dirty="0" smtClean="0"/>
-              <a:t>Web</a:t>
-            </a:r>
-            <a:r>
-              <a:rPr lang="ja-JP" altLang="en-US" sz="3200" dirty="0" smtClean="0"/>
-              <a:t>サイトが何なのか分かる形で</a:t>
-            </a:r>
+              <a:t>Mobile Apps</a:t>
+            </a:r>
+            <a:endParaRPr kumimoji="1" lang="ja-JP" altLang="en-US" sz="3200" dirty="0" smtClean="0"/>
+          </a:p>
+        </p:txBody>
+      </p:sp>
+      <p:sp>
+        <p:nvSpPr>
+          <p:cNvPr id="14" name="テキスト ボックス 13"/>
+          <p:cNvSpPr txBox="1"/>
+          <p:nvPr/>
+        </p:nvSpPr>
+        <p:spPr>
+          <a:xfrm>
+            <a:off x="2627338" y="4098987"/>
+            <a:ext cx="1393372" cy="914400"/>
+          </a:xfrm>
+          <a:prstGeom prst="rect">
+            <a:avLst/>
+          </a:prstGeom>
+        </p:spPr>
+        <p:txBody>
+          <a:bodyPr vert="horz" wrap="none" lIns="91440" tIns="45720" rIns="91440" bIns="45720" rtlCol="0" anchor="ctr">
+            <a:normAutofit/>
+          </a:bodyPr>
+          <a:lstStyle/>
+          <a:p>
             <a:r>
               <a:rPr lang="en-US" altLang="ja-JP" sz="3200" dirty="0" smtClean="0"/>
-              <a:t/>
-            </a:r>
-            <a:br>
+              <a:t>API Apps</a:t>
+            </a:r>
+            <a:endParaRPr kumimoji="1" lang="ja-JP" altLang="en-US" sz="3200" dirty="0" smtClean="0"/>
+          </a:p>
+        </p:txBody>
+      </p:sp>
+      <p:sp>
+        <p:nvSpPr>
+          <p:cNvPr id="15" name="テキスト ボックス 14"/>
+          <p:cNvSpPr txBox="1"/>
+          <p:nvPr/>
+        </p:nvSpPr>
+        <p:spPr>
+          <a:xfrm>
+            <a:off x="2627338" y="5654103"/>
+            <a:ext cx="1393372" cy="914400"/>
+          </a:xfrm>
+          <a:prstGeom prst="rect">
+            <a:avLst/>
+          </a:prstGeom>
+        </p:spPr>
+        <p:txBody>
+          <a:bodyPr vert="horz" wrap="none" lIns="91440" tIns="45720" rIns="91440" bIns="45720" rtlCol="0" anchor="ctr">
+            <a:normAutofit/>
+          </a:bodyPr>
+          <a:lstStyle/>
+          <a:p>
+            <a:r>
               <a:rPr lang="en-US" altLang="ja-JP" sz="3200" dirty="0" smtClean="0"/>
-            </a:br>
-            <a:r>
-              <a:rPr lang="ja-JP" altLang="en-US" sz="3200" dirty="0" smtClean="0"/>
-              <a:t>記入すると</a:t>
+              <a:t>Logic Apps</a:t>
+            </a:r>
+            <a:endParaRPr kumimoji="1" lang="ja-JP" altLang="en-US" sz="3200" dirty="0" smtClean="0"/>
+          </a:p>
+        </p:txBody>
+      </p:sp>
+      <p:sp>
+        <p:nvSpPr>
+          <p:cNvPr id="18" name="テキスト ボックス 17"/>
+          <p:cNvSpPr txBox="1"/>
+          <p:nvPr/>
+        </p:nvSpPr>
+        <p:spPr>
+          <a:xfrm>
+            <a:off x="8582515" y="3424168"/>
+            <a:ext cx="1393372" cy="914400"/>
+          </a:xfrm>
+          <a:prstGeom prst="rect">
+            <a:avLst/>
+          </a:prstGeom>
+        </p:spPr>
+        <p:txBody>
+          <a:bodyPr vert="horz" wrap="none" lIns="91440" tIns="45720" rIns="91440" bIns="45720" rtlCol="0" anchor="ctr">
+            <a:normAutofit/>
+          </a:bodyPr>
+          <a:lstStyle/>
+          <a:p>
+            <a:r>
+              <a:rPr kumimoji="1" lang="en-US" altLang="ja-JP" sz="3200" dirty="0" smtClean="0"/>
+              <a:t>App</a:t>
+            </a:r>
+            <a:r>
+              <a:rPr lang="en-US" altLang="ja-JP" sz="3200" dirty="0"/>
+              <a:t> </a:t>
             </a:r>
             <a:r>
               <a:rPr lang="en-US" altLang="ja-JP" sz="3200" dirty="0" smtClean="0"/>
-              <a:t>◎</a:t>
-            </a:r>
-            <a:endParaRPr lang="en-US" altLang="ja-JP" sz="3200" dirty="0" smtClean="0"/>
+              <a:t>Service</a:t>
+            </a:r>
+            <a:endParaRPr kumimoji="1" lang="ja-JP" altLang="en-US" sz="3200" dirty="0" smtClean="0"/>
+          </a:p>
+        </p:txBody>
+      </p:sp>
+      <p:sp>
+        <p:nvSpPr>
+          <p:cNvPr id="16" name="右中かっこ 15"/>
+          <p:cNvSpPr/>
+          <p:nvPr/>
+        </p:nvSpPr>
+        <p:spPr>
+          <a:xfrm>
+            <a:off x="4920895" y="1323089"/>
+            <a:ext cx="1403997" cy="5186500"/>
+          </a:xfrm>
+          <a:prstGeom prst="rightBrace">
+            <a:avLst/>
+          </a:prstGeom>
+          <a:ln>
+            <a:solidFill>
+              <a:srgbClr val="0078D7"/>
+            </a:solidFill>
+          </a:ln>
+        </p:spPr>
+        <p:style>
+          <a:lnRef idx="3">
+            <a:schemeClr val="accent3"/>
+          </a:lnRef>
+          <a:fillRef idx="0">
+            <a:schemeClr val="accent3"/>
+          </a:fillRef>
+          <a:effectRef idx="2">
+            <a:schemeClr val="accent3"/>
+          </a:effectRef>
+          <a:fontRef idx="minor">
+            <a:schemeClr val="tx1"/>
+          </a:fontRef>
+        </p:style>
+        <p:txBody>
+          <a:bodyPr rtlCol="0" anchor="ctr"/>
+          <a:lstStyle/>
+          <a:p>
+            <a:pPr algn="ctr"/>
+            <a:endParaRPr kumimoji="1" lang="ja-JP" altLang="en-US">
+              <a:solidFill>
+                <a:srgbClr val="0078D7"/>
+              </a:solidFill>
+            </a:endParaRPr>
           </a:p>
         </p:txBody>
       </p:sp>
     </p:spTree>
     <p:extLst>
       <p:ext uri="{BB962C8B-B14F-4D97-AF65-F5344CB8AC3E}">
-        <p14:creationId xmlns:p14="http://schemas.microsoft.com/office/powerpoint/2010/main" val="1214372792"/>
+        <p14:creationId xmlns:p14="http://schemas.microsoft.com/office/powerpoint/2010/main" val="1833151040"/>
       </p:ext>
     </p:extLst>
   </p:cSld>
@@ -39502,99 +40341,47 @@
           <a:lstStyle/>
           <a:p>
             <a:r>
-              <a:rPr kumimoji="1" lang="ja-JP" altLang="en-US" dirty="0" smtClean="0"/>
-              <a:t>デモ</a:t>
+              <a:rPr lang="ja-JP" altLang="en-US" dirty="0" smtClean="0"/>
+              <a:t>新しくプロジェクトを作る</a:t>
             </a:r>
             <a:endParaRPr kumimoji="1" lang="ja-JP" altLang="en-US" dirty="0"/>
           </a:p>
         </p:txBody>
       </p:sp>
-      <p:sp>
-        <p:nvSpPr>
-          <p:cNvPr id="3" name="コンテンツ プレースホルダー 2"/>
-          <p:cNvSpPr>
-            <a:spLocks noGrp="1"/>
-          </p:cNvSpPr>
-          <p:nvPr>
-            <p:ph sz="half" idx="1"/>
-          </p:nvPr>
-        </p:nvSpPr>
-        <p:spPr/>
-        <p:txBody>
-          <a:bodyPr>
-            <a:normAutofit/>
-          </a:bodyPr>
-          <a:lstStyle/>
-          <a:p>
-            <a:r>
-              <a:rPr lang="ja-JP" altLang="en-US" sz="2000" dirty="0" smtClean="0"/>
-              <a:t>新規プロジェクト作成</a:t>
-            </a:r>
-            <a:r>
-              <a:rPr lang="en-US" altLang="ja-JP" sz="2000" dirty="0" smtClean="0"/>
-              <a:t>-&gt;</a:t>
-            </a:r>
-            <a:r>
-              <a:rPr lang="ja-JP" altLang="en-US" sz="2000" dirty="0" smtClean="0"/>
-              <a:t>開発</a:t>
-            </a:r>
-            <a:r>
-              <a:rPr lang="en-US" altLang="ja-JP" sz="2000" dirty="0" smtClean="0"/>
-              <a:t>-&gt;</a:t>
-            </a:r>
-            <a:r>
-              <a:rPr lang="ja-JP" altLang="en-US" sz="2000" dirty="0" smtClean="0"/>
-              <a:t>実行までの流れを追えるデモを</a:t>
-            </a:r>
-            <a:endParaRPr lang="en-US" altLang="ja-JP" sz="2000" dirty="0" smtClean="0"/>
-          </a:p>
-          <a:p>
-            <a:r>
-              <a:rPr lang="ja-JP" altLang="en-US" sz="2000" dirty="0" smtClean="0"/>
-              <a:t>ソースは</a:t>
-            </a:r>
-            <a:r>
-              <a:rPr lang="en-US" altLang="ja-JP" sz="2000" dirty="0" smtClean="0"/>
-              <a:t>github</a:t>
-            </a:r>
-            <a:r>
-              <a:rPr lang="ja-JP" altLang="en-US" sz="2000" dirty="0" smtClean="0"/>
-              <a:t>に</a:t>
-            </a:r>
-            <a:endParaRPr lang="en-US" altLang="ja-JP" sz="2000" dirty="0" smtClean="0"/>
-          </a:p>
-          <a:p>
-            <a:r>
-              <a:rPr lang="ja-JP" altLang="en-US" sz="2000" dirty="0" smtClean="0"/>
-              <a:t>時間調節用にデモを</a:t>
-            </a:r>
-            <a:r>
-              <a:rPr lang="en-US" altLang="ja-JP" sz="2000" dirty="0" smtClean="0"/>
-              <a:t>2</a:t>
-            </a:r>
-            <a:r>
-              <a:rPr lang="ja-JP" altLang="en-US" sz="2000" dirty="0" smtClean="0"/>
-              <a:t>つぐ</a:t>
-            </a:r>
-            <a:r>
-              <a:rPr lang="ja-JP" altLang="en-US" sz="2000" dirty="0" err="1" smtClean="0"/>
-              <a:t>らい</a:t>
-            </a:r>
-            <a:r>
-              <a:rPr lang="ja-JP" altLang="en-US" sz="2000" dirty="0" smtClean="0"/>
-              <a:t>用意しとくといいかも</a:t>
-            </a:r>
-            <a:endParaRPr lang="en-US" altLang="ja-JP" sz="2000" dirty="0" smtClean="0"/>
-          </a:p>
-          <a:p>
-            <a:endParaRPr kumimoji="1" lang="en-US" altLang="ja-JP" sz="2000" dirty="0" smtClean="0"/>
-          </a:p>
-        </p:txBody>
-      </p:sp>
+      <p:pic>
+        <p:nvPicPr>
+          <p:cNvPr id="4" name="図 3" descr="スクリーンショット_2016-05-31_23_32_20.png"/>
+          <p:cNvPicPr>
+            <a:picLocks noChangeAspect="1"/>
+          </p:cNvPicPr>
+          <p:nvPr/>
+        </p:nvPicPr>
+        <p:blipFill>
+          <a:blip r:embed="rId2">
+            <a:extLst>
+              <a:ext uri="{28A0092B-C50C-407E-A947-70E740481C1C}">
+                <a14:useLocalDpi xmlns:a14="http://schemas.microsoft.com/office/drawing/2010/main" val="0"/>
+              </a:ext>
+            </a:extLst>
+          </a:blip>
+          <a:stretch>
+            <a:fillRect/>
+          </a:stretch>
+        </p:blipFill>
+        <p:spPr>
+          <a:xfrm>
+            <a:off x="2286526" y="848871"/>
+            <a:ext cx="7618949" cy="5958329"/>
+          </a:xfrm>
+          <a:prstGeom prst="rect">
+            <a:avLst/>
+          </a:prstGeom>
+        </p:spPr>
+      </p:pic>
     </p:spTree>
     <p:extLst>
       <p:ext uri="{BB962C8B-B14F-4D97-AF65-F5344CB8AC3E}">
-        <p14:creationId xmlns:p14="http://schemas.microsoft.com/office/powerpoint/2010/main" val="1976840998"/>
+        <p14:creationId xmlns:p14="http://schemas.microsoft.com/office/powerpoint/2010/main" val="1215859972"/>
       </p:ext>
     </p:extLst>
   </p:cSld>
@@ -39643,38 +40430,116 @@
           <a:bodyPr/>
           <a:lstStyle/>
           <a:p>
-            <a:pPr algn="ctr"/>
             <a:r>
               <a:rPr lang="ja-JP" altLang="en-US" dirty="0" smtClean="0"/>
-              <a:t>さらに学ぶには</a:t>
+              <a:t>新しくプロジェクトを作る</a:t>
             </a:r>
             <a:endParaRPr kumimoji="1" lang="ja-JP" altLang="en-US" dirty="0"/>
           </a:p>
         </p:txBody>
       </p:sp>
-      <p:sp>
-        <p:nvSpPr>
-          <p:cNvPr id="3" name="テキスト プレースホルダー 2"/>
-          <p:cNvSpPr>
-            <a:spLocks noGrp="1"/>
-          </p:cNvSpPr>
-          <p:nvPr>
-            <p:ph type="body" idx="1"/>
-          </p:nvPr>
-        </p:nvSpPr>
-        <p:spPr/>
-        <p:txBody>
-          <a:bodyPr/>
-          <a:lstStyle/>
-          <a:p>
-            <a:endParaRPr kumimoji="1" lang="ja-JP" altLang="en-US"/>
+      <p:pic>
+        <p:nvPicPr>
+          <p:cNvPr id="3" name="図 2" descr="スクリーンショット 2016-06-02 21.28.32.png"/>
+          <p:cNvPicPr>
+            <a:picLocks noChangeAspect="1"/>
+          </p:cNvPicPr>
+          <p:nvPr/>
+        </p:nvPicPr>
+        <p:blipFill>
+          <a:blip r:embed="rId2">
+            <a:extLst>
+              <a:ext uri="{28A0092B-C50C-407E-A947-70E740481C1C}">
+                <a14:useLocalDpi xmlns:a14="http://schemas.microsoft.com/office/drawing/2010/main" val="0"/>
+              </a:ext>
+            </a:extLst>
+          </a:blip>
+          <a:stretch>
+            <a:fillRect/>
+          </a:stretch>
+        </p:blipFill>
+        <p:spPr>
+          <a:xfrm>
+            <a:off x="9218472" y="790800"/>
+            <a:ext cx="2973529" cy="6067201"/>
+          </a:xfrm>
+          <a:prstGeom prst="rect">
+            <a:avLst/>
+          </a:prstGeom>
+        </p:spPr>
+      </p:pic>
+      <p:sp>
+        <p:nvSpPr>
+          <p:cNvPr id="5" name="テキスト ボックス 4"/>
+          <p:cNvSpPr txBox="1"/>
+          <p:nvPr/>
+        </p:nvSpPr>
+        <p:spPr>
+          <a:xfrm>
+            <a:off x="674670" y="1905066"/>
+            <a:ext cx="6485466" cy="3838669"/>
+          </a:xfrm>
+          <a:prstGeom prst="rect">
+            <a:avLst/>
+          </a:prstGeom>
+        </p:spPr>
+        <p:txBody>
+          <a:bodyPr vert="horz" wrap="none" lIns="91440" tIns="45720" rIns="91440" bIns="45720" rtlCol="0" anchor="ctr">
+            <a:normAutofit/>
+          </a:bodyPr>
+          <a:lstStyle/>
+          <a:p>
+            <a:pPr marL="457200" indent="-457200">
+              <a:lnSpc>
+                <a:spcPct val="200000"/>
+              </a:lnSpc>
+              <a:buFont typeface="Arial"/>
+              <a:buChar char="•"/>
+            </a:pPr>
+            <a:r>
+              <a:rPr lang="en-US" altLang="ja-JP" sz="3200" dirty="0" smtClean="0"/>
+              <a:t>App Service </a:t>
+            </a:r>
+            <a:r>
+              <a:rPr lang="ja-JP" altLang="en-US" sz="3200" dirty="0" smtClean="0"/>
+              <a:t>プラン</a:t>
+            </a:r>
+            <a:endParaRPr kumimoji="1" lang="en-US" altLang="ja-JP" sz="3200" dirty="0" smtClean="0"/>
+          </a:p>
+          <a:p>
+            <a:pPr marL="457200" indent="-457200">
+              <a:lnSpc>
+                <a:spcPct val="200000"/>
+              </a:lnSpc>
+              <a:buFont typeface="Arial"/>
+              <a:buChar char="•"/>
+            </a:pPr>
+            <a:r>
+              <a:rPr kumimoji="1" lang="ja-JP" altLang="en-US" sz="3200" dirty="0" smtClean="0"/>
+              <a:t>場所</a:t>
+            </a:r>
+            <a:endParaRPr kumimoji="1" lang="en-US" altLang="ja-JP" sz="3200" dirty="0" smtClean="0"/>
+          </a:p>
+          <a:p>
+            <a:pPr marL="457200" indent="-457200">
+              <a:lnSpc>
+                <a:spcPct val="200000"/>
+              </a:lnSpc>
+              <a:buFont typeface="Arial"/>
+              <a:buChar char="•"/>
+            </a:pPr>
+            <a:r>
+              <a:rPr lang="ja-JP" altLang="en-US" sz="3200" dirty="0" smtClean="0"/>
+              <a:t>価格レベル</a:t>
+            </a:r>
+            <a:endParaRPr kumimoji="1" lang="en-US" altLang="ja-JP" sz="3200" dirty="0" smtClean="0"/>
           </a:p>
         </p:txBody>
       </p:sp>
     </p:spTree>
     <p:extLst>
       <p:ext uri="{BB962C8B-B14F-4D97-AF65-F5344CB8AC3E}">
-        <p14:creationId xmlns:p14="http://schemas.microsoft.com/office/powerpoint/2010/main" val="2037307570"/>
+        <p14:creationId xmlns:p14="http://schemas.microsoft.com/office/powerpoint/2010/main" val="1066524238"/>
       </p:ext>
     </p:extLst>
   </p:cSld>
@@ -39724,146 +40589,122 @@
           <a:lstStyle/>
           <a:p>
             <a:r>
-              <a:rPr kumimoji="1" lang="ja-JP" altLang="en-US" dirty="0" smtClean="0"/>
-              <a:t>見るべき入門サイト、情報源</a:t>
+              <a:rPr lang="ja-JP" altLang="en-US" dirty="0" smtClean="0"/>
+              <a:t>新しくプロジェクトを作る</a:t>
             </a:r>
             <a:endParaRPr kumimoji="1" lang="ja-JP" altLang="en-US" dirty="0"/>
           </a:p>
         </p:txBody>
       </p:sp>
-      <p:sp>
-        <p:nvSpPr>
-          <p:cNvPr id="3" name="コンテンツ プレースホルダー 2"/>
-          <p:cNvSpPr>
-            <a:spLocks noGrp="1"/>
-          </p:cNvSpPr>
-          <p:nvPr>
-            <p:ph sz="half" idx="1"/>
-          </p:nvPr>
-        </p:nvSpPr>
-        <p:spPr/>
-        <p:txBody>
-          <a:bodyPr>
+      <p:pic>
+        <p:nvPicPr>
+          <p:cNvPr id="3" name="図 2" descr="スクリーンショット 2016-06-02 21.28.32.png"/>
+          <p:cNvPicPr>
+            <a:picLocks noChangeAspect="1"/>
+          </p:cNvPicPr>
+          <p:nvPr/>
+        </p:nvPicPr>
+        <p:blipFill>
+          <a:blip r:embed="rId2">
+            <a:extLst>
+              <a:ext uri="{28A0092B-C50C-407E-A947-70E740481C1C}">
+                <a14:useLocalDpi xmlns:a14="http://schemas.microsoft.com/office/drawing/2010/main" val="0"/>
+              </a:ext>
+            </a:extLst>
+          </a:blip>
+          <a:stretch>
+            <a:fillRect/>
+          </a:stretch>
+        </p:blipFill>
+        <p:spPr>
+          <a:xfrm>
+            <a:off x="9218472" y="790800"/>
+            <a:ext cx="2973529" cy="6067201"/>
+          </a:xfrm>
+          <a:prstGeom prst="rect">
+            <a:avLst/>
+          </a:prstGeom>
+        </p:spPr>
+      </p:pic>
+      <p:sp>
+        <p:nvSpPr>
+          <p:cNvPr id="5" name="テキスト ボックス 4"/>
+          <p:cNvSpPr txBox="1"/>
+          <p:nvPr/>
+        </p:nvSpPr>
+        <p:spPr>
+          <a:xfrm>
+            <a:off x="674670" y="1905066"/>
+            <a:ext cx="6485466" cy="3838669"/>
+          </a:xfrm>
+          <a:prstGeom prst="rect">
+            <a:avLst/>
+          </a:prstGeom>
+        </p:spPr>
+        <p:txBody>
+          <a:bodyPr vert="horz" wrap="none" lIns="91440" tIns="45720" rIns="91440" bIns="45720" rtlCol="0" anchor="ctr">
             <a:normAutofit/>
           </a:bodyPr>
           <a:lstStyle/>
           <a:p>
-            <a:r>
-              <a:rPr lang="ja-JP" altLang="en-US" sz="2800" dirty="0" smtClean="0"/>
-              <a:t>ドキュメントセンター</a:t>
-            </a:r>
-            <a:endParaRPr lang="en-US" altLang="ja-JP" sz="2800" dirty="0" smtClean="0"/>
-          </a:p>
-          <a:p>
-            <a:pPr lvl="1"/>
-            <a:r>
-              <a:rPr lang="en-US" altLang="ja-JP" sz="2267" dirty="0"/>
-              <a:t>https://</a:t>
-            </a:r>
-            <a:r>
-              <a:rPr lang="en-US" altLang="ja-JP" sz="2267" dirty="0" err="1"/>
-              <a:t>azure.microsoft.com</a:t>
-            </a:r>
-            <a:r>
-              <a:rPr lang="en-US" altLang="ja-JP" sz="2267" dirty="0"/>
-              <a:t>/</a:t>
-            </a:r>
-            <a:r>
-              <a:rPr lang="en-US" altLang="ja-JP" sz="2267" dirty="0" err="1"/>
-              <a:t>ja-jp</a:t>
-            </a:r>
-            <a:r>
-              <a:rPr lang="en-US" altLang="ja-JP" sz="2267" dirty="0"/>
-              <a:t>/documentation/</a:t>
-            </a:r>
-            <a:endParaRPr lang="en-US" altLang="ja-JP" sz="2267" dirty="0" smtClean="0"/>
-          </a:p>
-          <a:p>
-            <a:r>
-              <a:rPr lang="ja-JP" altLang="en-US" sz="2400" dirty="0"/>
-              <a:t>プチザッキ</a:t>
-            </a:r>
-            <a:endParaRPr lang="en-US" altLang="ja-JP" sz="2400" dirty="0"/>
-          </a:p>
-          <a:p>
-            <a:pPr lvl="1"/>
-            <a:r>
-              <a:rPr lang="en-US" altLang="ja-JP" sz="1867" dirty="0"/>
-              <a:t>https://</a:t>
-            </a:r>
-            <a:r>
-              <a:rPr lang="en-US" altLang="ja-JP" sz="1867" dirty="0" err="1"/>
-              <a:t>buchizo.wordpress.com</a:t>
-            </a:r>
-            <a:r>
-              <a:rPr lang="en-US" altLang="ja-JP" sz="1867" dirty="0"/>
-              <a:t>/</a:t>
-            </a:r>
-          </a:p>
-          <a:p>
-            <a:r>
-              <a:rPr lang="en-US" altLang="ja-JP" sz="2400" dirty="0" smtClean="0"/>
-              <a:t>Azure</a:t>
-            </a:r>
-            <a:r>
-              <a:rPr lang="ja-JP" altLang="en-US" sz="2400" dirty="0"/>
-              <a:t>ブログ</a:t>
-            </a:r>
-            <a:r>
-              <a:rPr lang="ja-JP" altLang="en-US" sz="2400" dirty="0" smtClean="0"/>
-              <a:t>まとめ</a:t>
-            </a:r>
-            <a:endParaRPr lang="en-US" altLang="ja-JP" sz="2400" dirty="0"/>
-          </a:p>
-          <a:p>
-            <a:pPr lvl="1"/>
-            <a:r>
-              <a:rPr lang="en-US" altLang="ja-JP" sz="1867" dirty="0"/>
-              <a:t>https://</a:t>
-            </a:r>
-            <a:r>
-              <a:rPr lang="en-US" altLang="ja-JP" sz="1867" dirty="0" err="1"/>
-              <a:t>azurejp.azurewebsites.net</a:t>
-            </a:r>
-            <a:r>
-              <a:rPr lang="en-US" altLang="ja-JP" sz="1867" dirty="0" smtClean="0"/>
-              <a:t>/</a:t>
-            </a:r>
-          </a:p>
-          <a:p>
-            <a:r>
-              <a:rPr lang="en-US" altLang="ja-JP" sz="2400" dirty="0"/>
-              <a:t>Microsoft Virtual Academy</a:t>
-            </a:r>
-          </a:p>
-          <a:p>
-            <a:pPr lvl="1"/>
-            <a:r>
-              <a:rPr lang="en-US" altLang="ja-JP" sz="1867" dirty="0"/>
-              <a:t>https://</a:t>
-            </a:r>
-            <a:r>
-              <a:rPr lang="en-US" altLang="ja-JP" sz="1867" dirty="0" err="1"/>
-              <a:t>mva.microsoft.com</a:t>
-            </a:r>
-            <a:r>
-              <a:rPr lang="en-US" altLang="ja-JP" sz="1867" dirty="0"/>
-              <a:t>/</a:t>
-            </a:r>
-          </a:p>
-          <a:p>
-            <a:pPr lvl="1"/>
-            <a:endParaRPr lang="en-US" altLang="ja-JP" sz="2800" dirty="0"/>
-          </a:p>
-          <a:p>
-            <a:endParaRPr lang="en-US" altLang="ja-JP" sz="2800" dirty="0"/>
+            <a:pPr marL="457200" indent="-457200">
+              <a:lnSpc>
+                <a:spcPct val="200000"/>
+              </a:lnSpc>
+              <a:buFont typeface="Arial"/>
+              <a:buChar char="•"/>
+            </a:pPr>
+            <a:r>
+              <a:rPr lang="en-US" altLang="ja-JP" sz="3200" dirty="0" smtClean="0">
+                <a:solidFill>
+                  <a:srgbClr val="FF0000"/>
+                </a:solidFill>
+              </a:rPr>
+              <a:t>App Service </a:t>
+            </a:r>
+            <a:r>
+              <a:rPr lang="ja-JP" altLang="en-US" sz="3200" dirty="0" smtClean="0">
+                <a:solidFill>
+                  <a:srgbClr val="FF0000"/>
+                </a:solidFill>
+              </a:rPr>
+              <a:t>プラン</a:t>
+            </a:r>
+          </a:p>
+          <a:p>
+            <a:pPr marL="457200" indent="-457200">
+              <a:lnSpc>
+                <a:spcPct val="200000"/>
+              </a:lnSpc>
+              <a:buFont typeface="Arial"/>
+              <a:buChar char="•"/>
+            </a:pPr>
+            <a:r>
+              <a:rPr kumimoji="1" lang="ja-JP" altLang="en-US" sz="3200" dirty="0" smtClean="0"/>
+              <a:t>場所</a:t>
+            </a:r>
+            <a:endParaRPr kumimoji="1" lang="en-US" altLang="ja-JP" sz="3200" dirty="0" smtClean="0"/>
+          </a:p>
+          <a:p>
+            <a:pPr marL="457200" indent="-457200">
+              <a:lnSpc>
+                <a:spcPct val="200000"/>
+              </a:lnSpc>
+              <a:buFont typeface="Arial"/>
+              <a:buChar char="•"/>
+            </a:pPr>
+            <a:r>
+              <a:rPr lang="ja-JP" altLang="en-US" sz="3200" dirty="0" smtClean="0"/>
+              <a:t>価格レベル</a:t>
+            </a:r>
+            <a:endParaRPr kumimoji="1" lang="en-US" altLang="ja-JP" sz="3200" dirty="0" smtClean="0"/>
           </a:p>
         </p:txBody>
       </p:sp>
     </p:spTree>
     <p:extLst>
       <p:ext uri="{BB962C8B-B14F-4D97-AF65-F5344CB8AC3E}">
-        <p14:creationId xmlns:p14="http://schemas.microsoft.com/office/powerpoint/2010/main" val="2084919992"/>
+        <p14:creationId xmlns:p14="http://schemas.microsoft.com/office/powerpoint/2010/main" val="2817288993"/>
       </p:ext>
     </p:extLst>
   </p:cSld>
@@ -39977,11 +40818,7 @@
             </a:r>
             <a:r>
               <a:rPr kumimoji="1" lang="ja-JP" altLang="en-US" sz="3600" dirty="0" smtClean="0"/>
-              <a:t>を</a:t>
-            </a:r>
-            <a:r>
-              <a:rPr kumimoji="1" lang="ja-JP" altLang="en-US" sz="3600" dirty="0" smtClean="0"/>
-              <a:t>支えているサービスだったりするよ</a:t>
+              <a:t>を支えているサービスだったりするよ</a:t>
             </a:r>
             <a:endParaRPr lang="en-US" altLang="ja-JP" sz="3600" dirty="0"/>
           </a:p>
@@ -40054,6 +40891,1255 @@
           <a:lstStyle/>
           <a:p>
             <a:r>
+              <a:rPr lang="ja-JP" altLang="en-US" dirty="0" smtClean="0"/>
+              <a:t>新しくプロジェクトを作る</a:t>
+            </a:r>
+            <a:endParaRPr kumimoji="1" lang="ja-JP" altLang="en-US" dirty="0"/>
+          </a:p>
+        </p:txBody>
+      </p:sp>
+      <p:pic>
+        <p:nvPicPr>
+          <p:cNvPr id="3" name="図 2" descr="スクリーンショット 2016-06-02 21.28.32.png"/>
+          <p:cNvPicPr>
+            <a:picLocks noChangeAspect="1"/>
+          </p:cNvPicPr>
+          <p:nvPr/>
+        </p:nvPicPr>
+        <p:blipFill>
+          <a:blip r:embed="rId2">
+            <a:extLst>
+              <a:ext uri="{28A0092B-C50C-407E-A947-70E740481C1C}">
+                <a14:useLocalDpi xmlns:a14="http://schemas.microsoft.com/office/drawing/2010/main" val="0"/>
+              </a:ext>
+            </a:extLst>
+          </a:blip>
+          <a:stretch>
+            <a:fillRect/>
+          </a:stretch>
+        </p:blipFill>
+        <p:spPr>
+          <a:xfrm>
+            <a:off x="9218472" y="790800"/>
+            <a:ext cx="2973529" cy="6067201"/>
+          </a:xfrm>
+          <a:prstGeom prst="rect">
+            <a:avLst/>
+          </a:prstGeom>
+        </p:spPr>
+      </p:pic>
+      <p:sp>
+        <p:nvSpPr>
+          <p:cNvPr id="5" name="テキスト ボックス 4"/>
+          <p:cNvSpPr txBox="1"/>
+          <p:nvPr/>
+        </p:nvSpPr>
+        <p:spPr>
+          <a:xfrm>
+            <a:off x="674670" y="1905066"/>
+            <a:ext cx="6485466" cy="3838669"/>
+          </a:xfrm>
+          <a:prstGeom prst="rect">
+            <a:avLst/>
+          </a:prstGeom>
+        </p:spPr>
+        <p:txBody>
+          <a:bodyPr vert="horz" wrap="none" lIns="91440" tIns="45720" rIns="91440" bIns="45720" rtlCol="0" anchor="ctr">
+            <a:normAutofit/>
+          </a:bodyPr>
+          <a:lstStyle/>
+          <a:p>
+            <a:pPr marL="457200" indent="-457200">
+              <a:lnSpc>
+                <a:spcPct val="150000"/>
+              </a:lnSpc>
+              <a:buFont typeface="Arial"/>
+              <a:buChar char="•"/>
+            </a:pPr>
+            <a:r>
+              <a:rPr lang="en-US" altLang="ja-JP" sz="3200" dirty="0" smtClean="0">
+                <a:solidFill>
+                  <a:srgbClr val="FF0000"/>
+                </a:solidFill>
+              </a:rPr>
+              <a:t>App Service </a:t>
+            </a:r>
+            <a:r>
+              <a:rPr lang="ja-JP" altLang="en-US" sz="3200" dirty="0" smtClean="0">
+                <a:solidFill>
+                  <a:srgbClr val="FF0000"/>
+                </a:solidFill>
+              </a:rPr>
+              <a:t>プラン</a:t>
+            </a:r>
+            <a:endParaRPr lang="en-US" altLang="ja-JP" sz="3200" dirty="0" smtClean="0">
+              <a:solidFill>
+                <a:srgbClr val="FF0000"/>
+              </a:solidFill>
+            </a:endParaRPr>
+          </a:p>
+          <a:p>
+            <a:pPr>
+              <a:lnSpc>
+                <a:spcPct val="150000"/>
+              </a:lnSpc>
+            </a:pPr>
+            <a:r>
+              <a:rPr lang="en-US" altLang="ja-JP" sz="3200" dirty="0" smtClean="0"/>
+              <a:t>→</a:t>
+            </a:r>
+            <a:r>
+              <a:rPr lang="ja-JP" altLang="en-US" sz="3200" dirty="0" smtClean="0"/>
+              <a:t>こ</a:t>
+            </a:r>
+            <a:r>
+              <a:rPr lang="ja-JP" altLang="en-US" sz="3200" dirty="0" smtClean="0"/>
+              <a:t>れ</a:t>
+            </a:r>
+            <a:r>
+              <a:rPr lang="ja-JP" altLang="en-US" sz="3200" dirty="0" smtClean="0"/>
+              <a:t>が</a:t>
+            </a:r>
+            <a:r>
+              <a:rPr lang="ja-JP" altLang="en-US" sz="3200" dirty="0" smtClean="0"/>
+              <a:t>何に利用されているのか</a:t>
+            </a:r>
+            <a:r>
+              <a:rPr lang="en-US" altLang="ja-JP" sz="3200" dirty="0" smtClean="0"/>
+              <a:t/>
+            </a:r>
+            <a:br>
+              <a:rPr lang="en-US" altLang="ja-JP" sz="3200" dirty="0" smtClean="0"/>
+            </a:br>
+            <a:r>
+              <a:rPr lang="ja-JP" altLang="en-US" sz="3200" dirty="0" smtClean="0"/>
+              <a:t>　</a:t>
+            </a:r>
+            <a:r>
+              <a:rPr lang="ja-JP" altLang="en-US" sz="3200" dirty="0" smtClean="0"/>
+              <a:t>分かる</a:t>
+            </a:r>
+            <a:r>
+              <a:rPr lang="ja-JP" altLang="en-US" sz="3200" dirty="0"/>
+              <a:t>形</a:t>
+            </a:r>
+            <a:r>
+              <a:rPr lang="ja-JP" altLang="en-US" sz="3200" dirty="0" smtClean="0"/>
+              <a:t>で記入</a:t>
+            </a:r>
+            <a:r>
+              <a:rPr lang="ja-JP" altLang="en-US" sz="3200" dirty="0"/>
+              <a:t>する</a:t>
+            </a:r>
+            <a:r>
+              <a:rPr lang="ja-JP" altLang="en-US" sz="3200" dirty="0" smtClean="0"/>
+              <a:t>と</a:t>
+            </a:r>
+            <a:r>
+              <a:rPr lang="ja-JP" altLang="en-US" sz="3200" dirty="0" smtClean="0"/>
+              <a:t>非常に良い</a:t>
+            </a:r>
+            <a:endParaRPr lang="en-US" altLang="ja-JP" sz="3200" dirty="0"/>
+          </a:p>
+          <a:p>
+            <a:endParaRPr lang="ja-JP" altLang="en-US" sz="3200" dirty="0" smtClean="0">
+              <a:solidFill>
+                <a:srgbClr val="FF0000"/>
+              </a:solidFill>
+            </a:endParaRPr>
+          </a:p>
+        </p:txBody>
+      </p:sp>
+    </p:spTree>
+    <p:extLst>
+      <p:ext uri="{BB962C8B-B14F-4D97-AF65-F5344CB8AC3E}">
+        <p14:creationId xmlns:p14="http://schemas.microsoft.com/office/powerpoint/2010/main" val="3717808555"/>
+      </p:ext>
+    </p:extLst>
+  </p:cSld>
+  <p:clrMapOvr>
+    <a:masterClrMapping/>
+  </p:clrMapOvr>
+  <p:timing>
+    <p:tnLst>
+      <p:par>
+        <p:cTn xmlns:p14="http://schemas.microsoft.com/office/powerpoint/2010/main" id="1" dur="indefinite" restart="never" nodeType="tmRoot"/>
+      </p:par>
+    </p:tnLst>
+  </p:timing>
+</p:sld>
+</file>
+
+<file path=ppt/slides/slide61.xml><?xml version="1.0" encoding="utf-8"?>
+<p:sld xmlns:a="http://schemas.openxmlformats.org/drawingml/2006/main" xmlns:r="http://schemas.openxmlformats.org/officeDocument/2006/relationships" xmlns:p="http://schemas.openxmlformats.org/presentationml/2006/main">
+  <p:cSld>
+    <p:spTree>
+      <p:nvGrpSpPr>
+        <p:cNvPr id="1" name=""/>
+        <p:cNvGrpSpPr/>
+        <p:nvPr/>
+      </p:nvGrpSpPr>
+      <p:grpSpPr>
+        <a:xfrm>
+          <a:off x="0" y="0"/>
+          <a:ext cx="0" cy="0"/>
+          <a:chOff x="0" y="0"/>
+          <a:chExt cx="0" cy="0"/>
+        </a:xfrm>
+      </p:grpSpPr>
+      <p:sp>
+        <p:nvSpPr>
+          <p:cNvPr id="2" name="タイトル 1"/>
+          <p:cNvSpPr>
+            <a:spLocks noGrp="1"/>
+          </p:cNvSpPr>
+          <p:nvPr>
+            <p:ph type="title"/>
+          </p:nvPr>
+        </p:nvSpPr>
+        <p:spPr/>
+        <p:txBody>
+          <a:bodyPr/>
+          <a:lstStyle/>
+          <a:p>
+            <a:r>
+              <a:rPr lang="ja-JP" altLang="en-US" dirty="0" smtClean="0"/>
+              <a:t>新しくプロジェクトを作る</a:t>
+            </a:r>
+            <a:endParaRPr kumimoji="1" lang="ja-JP" altLang="en-US" dirty="0"/>
+          </a:p>
+        </p:txBody>
+      </p:sp>
+      <p:pic>
+        <p:nvPicPr>
+          <p:cNvPr id="3" name="図 2" descr="スクリーンショット 2016-06-02 21.28.32.png"/>
+          <p:cNvPicPr>
+            <a:picLocks noChangeAspect="1"/>
+          </p:cNvPicPr>
+          <p:nvPr/>
+        </p:nvPicPr>
+        <p:blipFill>
+          <a:blip r:embed="rId2">
+            <a:extLst>
+              <a:ext uri="{28A0092B-C50C-407E-A947-70E740481C1C}">
+                <a14:useLocalDpi xmlns:a14="http://schemas.microsoft.com/office/drawing/2010/main" val="0"/>
+              </a:ext>
+            </a:extLst>
+          </a:blip>
+          <a:stretch>
+            <a:fillRect/>
+          </a:stretch>
+        </p:blipFill>
+        <p:spPr>
+          <a:xfrm>
+            <a:off x="9218472" y="790800"/>
+            <a:ext cx="2973529" cy="6067201"/>
+          </a:xfrm>
+          <a:prstGeom prst="rect">
+            <a:avLst/>
+          </a:prstGeom>
+        </p:spPr>
+      </p:pic>
+      <p:sp>
+        <p:nvSpPr>
+          <p:cNvPr id="5" name="テキスト ボックス 4"/>
+          <p:cNvSpPr txBox="1"/>
+          <p:nvPr/>
+        </p:nvSpPr>
+        <p:spPr>
+          <a:xfrm>
+            <a:off x="674670" y="1905066"/>
+            <a:ext cx="6485466" cy="3838669"/>
+          </a:xfrm>
+          <a:prstGeom prst="rect">
+            <a:avLst/>
+          </a:prstGeom>
+        </p:spPr>
+        <p:txBody>
+          <a:bodyPr vert="horz" wrap="none" lIns="91440" tIns="45720" rIns="91440" bIns="45720" rtlCol="0" anchor="ctr">
+            <a:normAutofit/>
+          </a:bodyPr>
+          <a:lstStyle/>
+          <a:p>
+            <a:pPr marL="457200" indent="-457200">
+              <a:lnSpc>
+                <a:spcPct val="200000"/>
+              </a:lnSpc>
+              <a:buFont typeface="Arial"/>
+              <a:buChar char="•"/>
+            </a:pPr>
+            <a:r>
+              <a:rPr lang="en-US" altLang="ja-JP" sz="3200" dirty="0" smtClean="0"/>
+              <a:t>App Service </a:t>
+            </a:r>
+            <a:r>
+              <a:rPr lang="ja-JP" altLang="en-US" sz="3200" dirty="0" smtClean="0"/>
+              <a:t>プラン</a:t>
+            </a:r>
+            <a:endParaRPr kumimoji="1" lang="en-US" altLang="ja-JP" sz="3200" dirty="0" smtClean="0"/>
+          </a:p>
+          <a:p>
+            <a:pPr marL="457200" indent="-457200">
+              <a:lnSpc>
+                <a:spcPct val="200000"/>
+              </a:lnSpc>
+              <a:buFont typeface="Arial"/>
+              <a:buChar char="•"/>
+            </a:pPr>
+            <a:r>
+              <a:rPr kumimoji="1" lang="ja-JP" altLang="en-US" sz="3200" dirty="0" smtClean="0">
+                <a:solidFill>
+                  <a:srgbClr val="FF0000"/>
+                </a:solidFill>
+              </a:rPr>
+              <a:t>場所</a:t>
+            </a:r>
+            <a:endParaRPr kumimoji="1" lang="en-US" altLang="ja-JP" sz="3200" dirty="0" smtClean="0">
+              <a:solidFill>
+                <a:srgbClr val="FF0000"/>
+              </a:solidFill>
+            </a:endParaRPr>
+          </a:p>
+          <a:p>
+            <a:pPr marL="457200" indent="-457200">
+              <a:lnSpc>
+                <a:spcPct val="200000"/>
+              </a:lnSpc>
+              <a:buFont typeface="Arial"/>
+              <a:buChar char="•"/>
+            </a:pPr>
+            <a:r>
+              <a:rPr lang="ja-JP" altLang="en-US" sz="3200" dirty="0" smtClean="0"/>
+              <a:t>価格レベル</a:t>
+            </a:r>
+            <a:endParaRPr kumimoji="1" lang="en-US" altLang="ja-JP" sz="3200" dirty="0" smtClean="0"/>
+          </a:p>
+        </p:txBody>
+      </p:sp>
+    </p:spTree>
+    <p:extLst>
+      <p:ext uri="{BB962C8B-B14F-4D97-AF65-F5344CB8AC3E}">
+        <p14:creationId xmlns:p14="http://schemas.microsoft.com/office/powerpoint/2010/main" val="1288226862"/>
+      </p:ext>
+    </p:extLst>
+  </p:cSld>
+  <p:clrMapOvr>
+    <a:masterClrMapping/>
+  </p:clrMapOvr>
+  <p:timing>
+    <p:tnLst>
+      <p:par>
+        <p:cTn xmlns:p14="http://schemas.microsoft.com/office/powerpoint/2010/main" id="1" dur="indefinite" restart="never" nodeType="tmRoot"/>
+      </p:par>
+    </p:tnLst>
+  </p:timing>
+</p:sld>
+</file>
+
+<file path=ppt/slides/slide62.xml><?xml version="1.0" encoding="utf-8"?>
+<p:sld xmlns:a="http://schemas.openxmlformats.org/drawingml/2006/main" xmlns:r="http://schemas.openxmlformats.org/officeDocument/2006/relationships" xmlns:p="http://schemas.openxmlformats.org/presentationml/2006/main">
+  <p:cSld>
+    <p:spTree>
+      <p:nvGrpSpPr>
+        <p:cNvPr id="1" name=""/>
+        <p:cNvGrpSpPr/>
+        <p:nvPr/>
+      </p:nvGrpSpPr>
+      <p:grpSpPr>
+        <a:xfrm>
+          <a:off x="0" y="0"/>
+          <a:ext cx="0" cy="0"/>
+          <a:chOff x="0" y="0"/>
+          <a:chExt cx="0" cy="0"/>
+        </a:xfrm>
+      </p:grpSpPr>
+      <p:sp>
+        <p:nvSpPr>
+          <p:cNvPr id="2" name="タイトル 1"/>
+          <p:cNvSpPr>
+            <a:spLocks noGrp="1"/>
+          </p:cNvSpPr>
+          <p:nvPr>
+            <p:ph type="title"/>
+          </p:nvPr>
+        </p:nvSpPr>
+        <p:spPr/>
+        <p:txBody>
+          <a:bodyPr/>
+          <a:lstStyle/>
+          <a:p>
+            <a:r>
+              <a:rPr lang="ja-JP" altLang="en-US" dirty="0" smtClean="0"/>
+              <a:t>新しくプロジェクトを作る</a:t>
+            </a:r>
+            <a:endParaRPr kumimoji="1" lang="ja-JP" altLang="en-US" dirty="0"/>
+          </a:p>
+        </p:txBody>
+      </p:sp>
+      <p:pic>
+        <p:nvPicPr>
+          <p:cNvPr id="3" name="図 2" descr="スクリーンショット 2016-06-02 21.28.32.png"/>
+          <p:cNvPicPr>
+            <a:picLocks noChangeAspect="1"/>
+          </p:cNvPicPr>
+          <p:nvPr/>
+        </p:nvPicPr>
+        <p:blipFill>
+          <a:blip r:embed="rId2">
+            <a:extLst>
+              <a:ext uri="{28A0092B-C50C-407E-A947-70E740481C1C}">
+                <a14:useLocalDpi xmlns:a14="http://schemas.microsoft.com/office/drawing/2010/main" val="0"/>
+              </a:ext>
+            </a:extLst>
+          </a:blip>
+          <a:stretch>
+            <a:fillRect/>
+          </a:stretch>
+        </p:blipFill>
+        <p:spPr>
+          <a:xfrm>
+            <a:off x="9218472" y="790800"/>
+            <a:ext cx="2973529" cy="6067201"/>
+          </a:xfrm>
+          <a:prstGeom prst="rect">
+            <a:avLst/>
+          </a:prstGeom>
+        </p:spPr>
+      </p:pic>
+      <p:sp>
+        <p:nvSpPr>
+          <p:cNvPr id="5" name="テキスト ボックス 4"/>
+          <p:cNvSpPr txBox="1"/>
+          <p:nvPr/>
+        </p:nvSpPr>
+        <p:spPr>
+          <a:xfrm>
+            <a:off x="674670" y="1905066"/>
+            <a:ext cx="6485466" cy="3838669"/>
+          </a:xfrm>
+          <a:prstGeom prst="rect">
+            <a:avLst/>
+          </a:prstGeom>
+        </p:spPr>
+        <p:txBody>
+          <a:bodyPr vert="horz" wrap="none" lIns="91440" tIns="45720" rIns="91440" bIns="45720" rtlCol="0" anchor="ctr">
+            <a:normAutofit/>
+          </a:bodyPr>
+          <a:lstStyle/>
+          <a:p>
+            <a:pPr marL="457200" indent="-457200">
+              <a:lnSpc>
+                <a:spcPct val="150000"/>
+              </a:lnSpc>
+              <a:buFont typeface="Arial"/>
+              <a:buChar char="•"/>
+            </a:pPr>
+            <a:r>
+              <a:rPr lang="ja-JP" altLang="en-US" sz="3200" dirty="0" smtClean="0">
+                <a:solidFill>
+                  <a:srgbClr val="FF0000"/>
+                </a:solidFill>
+              </a:rPr>
+              <a:t>場所</a:t>
+            </a:r>
+            <a:endParaRPr lang="en-US" altLang="ja-JP" sz="3200" dirty="0" smtClean="0">
+              <a:solidFill>
+                <a:srgbClr val="FF0000"/>
+              </a:solidFill>
+            </a:endParaRPr>
+          </a:p>
+          <a:p>
+            <a:pPr>
+              <a:lnSpc>
+                <a:spcPct val="150000"/>
+              </a:lnSpc>
+            </a:pPr>
+            <a:r>
+              <a:rPr lang="en-US" altLang="ja-JP" sz="3200" dirty="0">
+                <a:solidFill>
+                  <a:srgbClr val="FF0000"/>
+                </a:solidFill>
+              </a:rPr>
+              <a:t>	</a:t>
+            </a:r>
+            <a:r>
+              <a:rPr lang="en-US" altLang="ja-JP" sz="3200" dirty="0" smtClean="0"/>
+              <a:t>→Japan West/East</a:t>
+            </a:r>
+            <a:r>
+              <a:rPr lang="ja-JP" altLang="en-US" sz="3200" dirty="0" smtClean="0"/>
+              <a:t>を選択</a:t>
+            </a:r>
+            <a:endParaRPr lang="ja-JP" altLang="en-US" sz="3200" dirty="0" smtClean="0">
+              <a:solidFill>
+                <a:srgbClr val="FF0000"/>
+              </a:solidFill>
+            </a:endParaRPr>
+          </a:p>
+        </p:txBody>
+      </p:sp>
+    </p:spTree>
+    <p:extLst>
+      <p:ext uri="{BB962C8B-B14F-4D97-AF65-F5344CB8AC3E}">
+        <p14:creationId xmlns:p14="http://schemas.microsoft.com/office/powerpoint/2010/main" val="3393146633"/>
+      </p:ext>
+    </p:extLst>
+  </p:cSld>
+  <p:clrMapOvr>
+    <a:masterClrMapping/>
+  </p:clrMapOvr>
+  <p:timing>
+    <p:tnLst>
+      <p:par>
+        <p:cTn xmlns:p14="http://schemas.microsoft.com/office/powerpoint/2010/main" id="1" dur="indefinite" restart="never" nodeType="tmRoot"/>
+      </p:par>
+    </p:tnLst>
+  </p:timing>
+</p:sld>
+</file>
+
+<file path=ppt/slides/slide63.xml><?xml version="1.0" encoding="utf-8"?>
+<p:sld xmlns:a="http://schemas.openxmlformats.org/drawingml/2006/main" xmlns:r="http://schemas.openxmlformats.org/officeDocument/2006/relationships" xmlns:p="http://schemas.openxmlformats.org/presentationml/2006/main">
+  <p:cSld>
+    <p:spTree>
+      <p:nvGrpSpPr>
+        <p:cNvPr id="1" name=""/>
+        <p:cNvGrpSpPr/>
+        <p:nvPr/>
+      </p:nvGrpSpPr>
+      <p:grpSpPr>
+        <a:xfrm>
+          <a:off x="0" y="0"/>
+          <a:ext cx="0" cy="0"/>
+          <a:chOff x="0" y="0"/>
+          <a:chExt cx="0" cy="0"/>
+        </a:xfrm>
+      </p:grpSpPr>
+      <p:sp>
+        <p:nvSpPr>
+          <p:cNvPr id="2" name="タイトル 1"/>
+          <p:cNvSpPr>
+            <a:spLocks noGrp="1"/>
+          </p:cNvSpPr>
+          <p:nvPr>
+            <p:ph type="title"/>
+          </p:nvPr>
+        </p:nvSpPr>
+        <p:spPr/>
+        <p:txBody>
+          <a:bodyPr/>
+          <a:lstStyle/>
+          <a:p>
+            <a:r>
+              <a:rPr lang="ja-JP" altLang="en-US" dirty="0" smtClean="0"/>
+              <a:t>新しくプロジェクトを作る</a:t>
+            </a:r>
+            <a:endParaRPr kumimoji="1" lang="ja-JP" altLang="en-US" dirty="0"/>
+          </a:p>
+        </p:txBody>
+      </p:sp>
+      <p:pic>
+        <p:nvPicPr>
+          <p:cNvPr id="3" name="図 2" descr="スクリーンショット 2016-06-02 21.28.32.png"/>
+          <p:cNvPicPr>
+            <a:picLocks noChangeAspect="1"/>
+          </p:cNvPicPr>
+          <p:nvPr/>
+        </p:nvPicPr>
+        <p:blipFill>
+          <a:blip r:embed="rId2">
+            <a:extLst>
+              <a:ext uri="{28A0092B-C50C-407E-A947-70E740481C1C}">
+                <a14:useLocalDpi xmlns:a14="http://schemas.microsoft.com/office/drawing/2010/main" val="0"/>
+              </a:ext>
+            </a:extLst>
+          </a:blip>
+          <a:stretch>
+            <a:fillRect/>
+          </a:stretch>
+        </p:blipFill>
+        <p:spPr>
+          <a:xfrm>
+            <a:off x="9218472" y="790800"/>
+            <a:ext cx="2973529" cy="6067201"/>
+          </a:xfrm>
+          <a:prstGeom prst="rect">
+            <a:avLst/>
+          </a:prstGeom>
+        </p:spPr>
+      </p:pic>
+      <p:sp>
+        <p:nvSpPr>
+          <p:cNvPr id="5" name="テキスト ボックス 4"/>
+          <p:cNvSpPr txBox="1"/>
+          <p:nvPr/>
+        </p:nvSpPr>
+        <p:spPr>
+          <a:xfrm>
+            <a:off x="674670" y="1905066"/>
+            <a:ext cx="6485466" cy="3838669"/>
+          </a:xfrm>
+          <a:prstGeom prst="rect">
+            <a:avLst/>
+          </a:prstGeom>
+        </p:spPr>
+        <p:txBody>
+          <a:bodyPr vert="horz" wrap="none" lIns="91440" tIns="45720" rIns="91440" bIns="45720" rtlCol="0" anchor="ctr">
+            <a:normAutofit/>
+          </a:bodyPr>
+          <a:lstStyle/>
+          <a:p>
+            <a:pPr marL="457200" indent="-457200">
+              <a:lnSpc>
+                <a:spcPct val="200000"/>
+              </a:lnSpc>
+              <a:buFont typeface="Arial"/>
+              <a:buChar char="•"/>
+            </a:pPr>
+            <a:r>
+              <a:rPr lang="en-US" altLang="ja-JP" sz="3200" dirty="0" smtClean="0"/>
+              <a:t>App Service </a:t>
+            </a:r>
+            <a:r>
+              <a:rPr lang="ja-JP" altLang="en-US" sz="3200" dirty="0" smtClean="0"/>
+              <a:t>プラン</a:t>
+            </a:r>
+            <a:endParaRPr kumimoji="1" lang="en-US" altLang="ja-JP" sz="3200" dirty="0" smtClean="0"/>
+          </a:p>
+          <a:p>
+            <a:pPr marL="457200" indent="-457200">
+              <a:lnSpc>
+                <a:spcPct val="200000"/>
+              </a:lnSpc>
+              <a:buFont typeface="Arial"/>
+              <a:buChar char="•"/>
+            </a:pPr>
+            <a:r>
+              <a:rPr kumimoji="1" lang="ja-JP" altLang="en-US" sz="3200" dirty="0" smtClean="0"/>
+              <a:t>場所</a:t>
+            </a:r>
+            <a:endParaRPr kumimoji="1" lang="en-US" altLang="ja-JP" sz="3200" dirty="0" smtClean="0"/>
+          </a:p>
+          <a:p>
+            <a:pPr marL="457200" indent="-457200">
+              <a:lnSpc>
+                <a:spcPct val="200000"/>
+              </a:lnSpc>
+              <a:buFont typeface="Arial"/>
+              <a:buChar char="•"/>
+            </a:pPr>
+            <a:r>
+              <a:rPr lang="ja-JP" altLang="en-US" sz="3200" dirty="0" smtClean="0">
+                <a:solidFill>
+                  <a:srgbClr val="FF0000"/>
+                </a:solidFill>
+              </a:rPr>
+              <a:t>価格レベル</a:t>
+            </a:r>
+            <a:endParaRPr kumimoji="1" lang="en-US" altLang="ja-JP" sz="3200" dirty="0" smtClean="0">
+              <a:solidFill>
+                <a:srgbClr val="FF0000"/>
+              </a:solidFill>
+            </a:endParaRPr>
+          </a:p>
+        </p:txBody>
+      </p:sp>
+    </p:spTree>
+    <p:extLst>
+      <p:ext uri="{BB962C8B-B14F-4D97-AF65-F5344CB8AC3E}">
+        <p14:creationId xmlns:p14="http://schemas.microsoft.com/office/powerpoint/2010/main" val="1207295482"/>
+      </p:ext>
+    </p:extLst>
+  </p:cSld>
+  <p:clrMapOvr>
+    <a:masterClrMapping/>
+  </p:clrMapOvr>
+  <p:timing>
+    <p:tnLst>
+      <p:par>
+        <p:cTn xmlns:p14="http://schemas.microsoft.com/office/powerpoint/2010/main" id="1" dur="indefinite" restart="never" nodeType="tmRoot"/>
+      </p:par>
+    </p:tnLst>
+  </p:timing>
+</p:sld>
+</file>
+
+<file path=ppt/slides/slide64.xml><?xml version="1.0" encoding="utf-8"?>
+<p:sld xmlns:a="http://schemas.openxmlformats.org/drawingml/2006/main" xmlns:r="http://schemas.openxmlformats.org/officeDocument/2006/relationships" xmlns:p="http://schemas.openxmlformats.org/presentationml/2006/main">
+  <p:cSld>
+    <p:spTree>
+      <p:nvGrpSpPr>
+        <p:cNvPr id="1" name=""/>
+        <p:cNvGrpSpPr/>
+        <p:nvPr/>
+      </p:nvGrpSpPr>
+      <p:grpSpPr>
+        <a:xfrm>
+          <a:off x="0" y="0"/>
+          <a:ext cx="0" cy="0"/>
+          <a:chOff x="0" y="0"/>
+          <a:chExt cx="0" cy="0"/>
+        </a:xfrm>
+      </p:grpSpPr>
+      <p:sp>
+        <p:nvSpPr>
+          <p:cNvPr id="2" name="タイトル 1"/>
+          <p:cNvSpPr>
+            <a:spLocks noGrp="1"/>
+          </p:cNvSpPr>
+          <p:nvPr>
+            <p:ph type="title"/>
+          </p:nvPr>
+        </p:nvSpPr>
+        <p:spPr/>
+        <p:txBody>
+          <a:bodyPr/>
+          <a:lstStyle/>
+          <a:p>
+            <a:r>
+              <a:rPr lang="ja-JP" altLang="en-US" dirty="0" smtClean="0"/>
+              <a:t>新しくプロジェクトを作る</a:t>
+            </a:r>
+            <a:endParaRPr kumimoji="1" lang="ja-JP" altLang="en-US" dirty="0"/>
+          </a:p>
+        </p:txBody>
+      </p:sp>
+      <p:pic>
+        <p:nvPicPr>
+          <p:cNvPr id="3" name="図 2" descr="スクリーンショット 2016-06-02 21.28.32.png"/>
+          <p:cNvPicPr>
+            <a:picLocks noChangeAspect="1"/>
+          </p:cNvPicPr>
+          <p:nvPr/>
+        </p:nvPicPr>
+        <p:blipFill>
+          <a:blip r:embed="rId2">
+            <a:extLst>
+              <a:ext uri="{28A0092B-C50C-407E-A947-70E740481C1C}">
+                <a14:useLocalDpi xmlns:a14="http://schemas.microsoft.com/office/drawing/2010/main" val="0"/>
+              </a:ext>
+            </a:extLst>
+          </a:blip>
+          <a:stretch>
+            <a:fillRect/>
+          </a:stretch>
+        </p:blipFill>
+        <p:spPr>
+          <a:xfrm>
+            <a:off x="9218472" y="790800"/>
+            <a:ext cx="2973529" cy="6067201"/>
+          </a:xfrm>
+          <a:prstGeom prst="rect">
+            <a:avLst/>
+          </a:prstGeom>
+        </p:spPr>
+      </p:pic>
+      <p:sp>
+        <p:nvSpPr>
+          <p:cNvPr id="5" name="テキスト ボックス 4"/>
+          <p:cNvSpPr txBox="1"/>
+          <p:nvPr/>
+        </p:nvSpPr>
+        <p:spPr>
+          <a:xfrm>
+            <a:off x="674670" y="1905066"/>
+            <a:ext cx="6485466" cy="3838669"/>
+          </a:xfrm>
+          <a:prstGeom prst="rect">
+            <a:avLst/>
+          </a:prstGeom>
+        </p:spPr>
+        <p:txBody>
+          <a:bodyPr vert="horz" wrap="none" lIns="91440" tIns="45720" rIns="91440" bIns="45720" rtlCol="0" anchor="ctr">
+            <a:normAutofit/>
+          </a:bodyPr>
+          <a:lstStyle/>
+          <a:p>
+            <a:pPr marL="457200" indent="-457200">
+              <a:lnSpc>
+                <a:spcPct val="150000"/>
+              </a:lnSpc>
+              <a:buFont typeface="Arial"/>
+              <a:buChar char="•"/>
+            </a:pPr>
+            <a:r>
+              <a:rPr lang="ja-JP" altLang="en-US" sz="3200" dirty="0" smtClean="0">
+                <a:solidFill>
+                  <a:srgbClr val="FF0000"/>
+                </a:solidFill>
+              </a:rPr>
+              <a:t>価格レベル</a:t>
+            </a:r>
+            <a:endParaRPr lang="en-US" altLang="ja-JP" sz="3200" dirty="0" smtClean="0">
+              <a:solidFill>
+                <a:srgbClr val="FF0000"/>
+              </a:solidFill>
+            </a:endParaRPr>
+          </a:p>
+          <a:p>
+            <a:pPr>
+              <a:lnSpc>
+                <a:spcPct val="150000"/>
+              </a:lnSpc>
+            </a:pPr>
+            <a:r>
+              <a:rPr lang="en-US" altLang="ja-JP" sz="3200" dirty="0">
+                <a:solidFill>
+                  <a:srgbClr val="FF0000"/>
+                </a:solidFill>
+              </a:rPr>
+              <a:t>	</a:t>
+            </a:r>
+            <a:r>
+              <a:rPr lang="en-US" altLang="ja-JP" sz="3200" dirty="0" smtClean="0"/>
+              <a:t>→</a:t>
+            </a:r>
+            <a:r>
+              <a:rPr lang="ja-JP" altLang="en-US" sz="3200" dirty="0" smtClean="0"/>
+              <a:t>無料を選択</a:t>
+            </a:r>
+            <a:endParaRPr lang="ja-JP" altLang="en-US" sz="3200" dirty="0" smtClean="0">
+              <a:solidFill>
+                <a:srgbClr val="FF0000"/>
+              </a:solidFill>
+            </a:endParaRPr>
+          </a:p>
+        </p:txBody>
+      </p:sp>
+    </p:spTree>
+    <p:extLst>
+      <p:ext uri="{BB962C8B-B14F-4D97-AF65-F5344CB8AC3E}">
+        <p14:creationId xmlns:p14="http://schemas.microsoft.com/office/powerpoint/2010/main" val="3717965300"/>
+      </p:ext>
+    </p:extLst>
+  </p:cSld>
+  <p:clrMapOvr>
+    <a:masterClrMapping/>
+  </p:clrMapOvr>
+  <p:timing>
+    <p:tnLst>
+      <p:par>
+        <p:cTn xmlns:p14="http://schemas.microsoft.com/office/powerpoint/2010/main" id="1" dur="indefinite" restart="never" nodeType="tmRoot"/>
+      </p:par>
+    </p:tnLst>
+  </p:timing>
+</p:sld>
+</file>
+
+<file path=ppt/slides/slide65.xml><?xml version="1.0" encoding="utf-8"?>
+<p:sld xmlns:a="http://schemas.openxmlformats.org/drawingml/2006/main" xmlns:r="http://schemas.openxmlformats.org/officeDocument/2006/relationships" xmlns:p="http://schemas.openxmlformats.org/presentationml/2006/main">
+  <p:cSld>
+    <p:spTree>
+      <p:nvGrpSpPr>
+        <p:cNvPr id="1" name=""/>
+        <p:cNvGrpSpPr/>
+        <p:nvPr/>
+      </p:nvGrpSpPr>
+      <p:grpSpPr>
+        <a:xfrm>
+          <a:off x="0" y="0"/>
+          <a:ext cx="0" cy="0"/>
+          <a:chOff x="0" y="0"/>
+          <a:chExt cx="0" cy="0"/>
+        </a:xfrm>
+      </p:grpSpPr>
+      <p:sp>
+        <p:nvSpPr>
+          <p:cNvPr id="2" name="タイトル 1"/>
+          <p:cNvSpPr>
+            <a:spLocks noGrp="1"/>
+          </p:cNvSpPr>
+          <p:nvPr>
+            <p:ph type="title"/>
+          </p:nvPr>
+        </p:nvSpPr>
+        <p:spPr/>
+        <p:txBody>
+          <a:bodyPr/>
+          <a:lstStyle/>
+          <a:p>
+            <a:r>
+              <a:rPr lang="ja-JP" altLang="en-US" dirty="0"/>
+              <a:t>新しくプロジェクトを作る</a:t>
+            </a:r>
+            <a:endParaRPr kumimoji="1" lang="ja-JP" altLang="en-US" dirty="0"/>
+          </a:p>
+        </p:txBody>
+      </p:sp>
+      <p:pic>
+        <p:nvPicPr>
+          <p:cNvPr id="4" name="図 3" descr="スクリーンショット_2016-05-31_19_47_14.png"/>
+          <p:cNvPicPr>
+            <a:picLocks noChangeAspect="1"/>
+          </p:cNvPicPr>
+          <p:nvPr/>
+        </p:nvPicPr>
+        <p:blipFill>
+          <a:blip r:embed="rId2">
+            <a:extLst>
+              <a:ext uri="{28A0092B-C50C-407E-A947-70E740481C1C}">
+                <a14:useLocalDpi xmlns:a14="http://schemas.microsoft.com/office/drawing/2010/main" val="0"/>
+              </a:ext>
+            </a:extLst>
+          </a:blip>
+          <a:stretch>
+            <a:fillRect/>
+          </a:stretch>
+        </p:blipFill>
+        <p:spPr>
+          <a:xfrm>
+            <a:off x="8061441" y="841866"/>
+            <a:ext cx="4144829" cy="6001865"/>
+          </a:xfrm>
+          <a:prstGeom prst="rect">
+            <a:avLst/>
+          </a:prstGeom>
+        </p:spPr>
+      </p:pic>
+      <p:sp>
+        <p:nvSpPr>
+          <p:cNvPr id="5" name="テキスト ボックス 4"/>
+          <p:cNvSpPr txBox="1"/>
+          <p:nvPr/>
+        </p:nvSpPr>
+        <p:spPr>
+          <a:xfrm>
+            <a:off x="2383100" y="2971800"/>
+            <a:ext cx="3496169" cy="914400"/>
+          </a:xfrm>
+          <a:prstGeom prst="rect">
+            <a:avLst/>
+          </a:prstGeom>
+        </p:spPr>
+        <p:txBody>
+          <a:bodyPr vert="horz" wrap="none" lIns="91440" tIns="45720" rIns="91440" bIns="45720" rtlCol="0" anchor="ctr">
+            <a:noAutofit/>
+          </a:bodyPr>
+          <a:lstStyle/>
+          <a:p>
+            <a:r>
+              <a:rPr lang="ja-JP" altLang="en-US" sz="5400" dirty="0" smtClean="0"/>
+              <a:t>設定完了！</a:t>
+            </a:r>
+            <a:endParaRPr kumimoji="1" lang="ja-JP" altLang="en-US" sz="5400" dirty="0" smtClean="0"/>
+          </a:p>
+        </p:txBody>
+      </p:sp>
+    </p:spTree>
+    <p:extLst>
+      <p:ext uri="{BB962C8B-B14F-4D97-AF65-F5344CB8AC3E}">
+        <p14:creationId xmlns:p14="http://schemas.microsoft.com/office/powerpoint/2010/main" val="3205704163"/>
+      </p:ext>
+    </p:extLst>
+  </p:cSld>
+  <p:clrMapOvr>
+    <a:masterClrMapping/>
+  </p:clrMapOvr>
+</p:sld>
+</file>
+
+<file path=ppt/slides/slide66.xml><?xml version="1.0" encoding="utf-8"?>
+<p:sld xmlns:a="http://schemas.openxmlformats.org/drawingml/2006/main" xmlns:r="http://schemas.openxmlformats.org/officeDocument/2006/relationships" xmlns:p="http://schemas.openxmlformats.org/presentationml/2006/main">
+  <p:cSld>
+    <p:spTree>
+      <p:nvGrpSpPr>
+        <p:cNvPr id="1" name=""/>
+        <p:cNvGrpSpPr/>
+        <p:nvPr/>
+      </p:nvGrpSpPr>
+      <p:grpSpPr>
+        <a:xfrm>
+          <a:off x="0" y="0"/>
+          <a:ext cx="0" cy="0"/>
+          <a:chOff x="0" y="0"/>
+          <a:chExt cx="0" cy="0"/>
+        </a:xfrm>
+      </p:grpSpPr>
+      <p:sp>
+        <p:nvSpPr>
+          <p:cNvPr id="2" name="タイトル 1"/>
+          <p:cNvSpPr>
+            <a:spLocks noGrp="1"/>
+          </p:cNvSpPr>
+          <p:nvPr>
+            <p:ph type="title"/>
+          </p:nvPr>
+        </p:nvSpPr>
+        <p:spPr/>
+        <p:txBody>
+          <a:bodyPr/>
+          <a:lstStyle/>
+          <a:p>
+            <a:pPr algn="ctr"/>
+            <a:r>
+              <a:rPr lang="ja-JP" altLang="en-US" dirty="0" smtClean="0"/>
+              <a:t>さらに学ぶには</a:t>
+            </a:r>
+            <a:endParaRPr kumimoji="1" lang="ja-JP" altLang="en-US" dirty="0"/>
+          </a:p>
+        </p:txBody>
+      </p:sp>
+      <p:sp>
+        <p:nvSpPr>
+          <p:cNvPr id="3" name="テキスト プレースホルダー 2"/>
+          <p:cNvSpPr>
+            <a:spLocks noGrp="1"/>
+          </p:cNvSpPr>
+          <p:nvPr>
+            <p:ph type="body" idx="1"/>
+          </p:nvPr>
+        </p:nvSpPr>
+        <p:spPr/>
+        <p:txBody>
+          <a:bodyPr/>
+          <a:lstStyle/>
+          <a:p>
+            <a:endParaRPr kumimoji="1" lang="ja-JP" altLang="en-US"/>
+          </a:p>
+        </p:txBody>
+      </p:sp>
+    </p:spTree>
+    <p:extLst>
+      <p:ext uri="{BB962C8B-B14F-4D97-AF65-F5344CB8AC3E}">
+        <p14:creationId xmlns:p14="http://schemas.microsoft.com/office/powerpoint/2010/main" val="2037307570"/>
+      </p:ext>
+    </p:extLst>
+  </p:cSld>
+  <p:clrMapOvr>
+    <a:masterClrMapping/>
+  </p:clrMapOvr>
+  <p:timing>
+    <p:tnLst>
+      <p:par>
+        <p:cTn xmlns:p14="http://schemas.microsoft.com/office/powerpoint/2010/main" id="1" dur="indefinite" restart="never" nodeType="tmRoot"/>
+      </p:par>
+    </p:tnLst>
+  </p:timing>
+</p:sld>
+</file>
+
+<file path=ppt/slides/slide67.xml><?xml version="1.0" encoding="utf-8"?>
+<p:sld xmlns:a="http://schemas.openxmlformats.org/drawingml/2006/main" xmlns:r="http://schemas.openxmlformats.org/officeDocument/2006/relationships" xmlns:p="http://schemas.openxmlformats.org/presentationml/2006/main">
+  <p:cSld>
+    <p:spTree>
+      <p:nvGrpSpPr>
+        <p:cNvPr id="1" name=""/>
+        <p:cNvGrpSpPr/>
+        <p:nvPr/>
+      </p:nvGrpSpPr>
+      <p:grpSpPr>
+        <a:xfrm>
+          <a:off x="0" y="0"/>
+          <a:ext cx="0" cy="0"/>
+          <a:chOff x="0" y="0"/>
+          <a:chExt cx="0" cy="0"/>
+        </a:xfrm>
+      </p:grpSpPr>
+      <p:sp>
+        <p:nvSpPr>
+          <p:cNvPr id="2" name="タイトル 1"/>
+          <p:cNvSpPr>
+            <a:spLocks noGrp="1"/>
+          </p:cNvSpPr>
+          <p:nvPr>
+            <p:ph type="title"/>
+          </p:nvPr>
+        </p:nvSpPr>
+        <p:spPr/>
+        <p:txBody>
+          <a:bodyPr/>
+          <a:lstStyle/>
+          <a:p>
+            <a:r>
+              <a:rPr kumimoji="1" lang="ja-JP" altLang="en-US" dirty="0" smtClean="0"/>
+              <a:t>見るべき入門サイト、情報源</a:t>
+            </a:r>
+            <a:endParaRPr kumimoji="1" lang="ja-JP" altLang="en-US" dirty="0"/>
+          </a:p>
+        </p:txBody>
+      </p:sp>
+      <p:sp>
+        <p:nvSpPr>
+          <p:cNvPr id="3" name="コンテンツ プレースホルダー 2"/>
+          <p:cNvSpPr>
+            <a:spLocks noGrp="1"/>
+          </p:cNvSpPr>
+          <p:nvPr>
+            <p:ph sz="half" idx="1"/>
+          </p:nvPr>
+        </p:nvSpPr>
+        <p:spPr/>
+        <p:txBody>
+          <a:bodyPr>
+            <a:normAutofit/>
+          </a:bodyPr>
+          <a:lstStyle/>
+          <a:p>
+            <a:r>
+              <a:rPr lang="ja-JP" altLang="en-US" sz="2800" dirty="0" smtClean="0"/>
+              <a:t>ドキュメントセンター</a:t>
+            </a:r>
+            <a:endParaRPr lang="en-US" altLang="ja-JP" sz="2800" dirty="0" smtClean="0"/>
+          </a:p>
+          <a:p>
+            <a:pPr lvl="1"/>
+            <a:r>
+              <a:rPr lang="en-US" altLang="ja-JP" sz="2267" dirty="0"/>
+              <a:t>https://</a:t>
+            </a:r>
+            <a:r>
+              <a:rPr lang="en-US" altLang="ja-JP" sz="2267" dirty="0" err="1"/>
+              <a:t>azure.microsoft.com</a:t>
+            </a:r>
+            <a:r>
+              <a:rPr lang="en-US" altLang="ja-JP" sz="2267" dirty="0"/>
+              <a:t>/</a:t>
+            </a:r>
+            <a:r>
+              <a:rPr lang="en-US" altLang="ja-JP" sz="2267" dirty="0" err="1"/>
+              <a:t>ja-jp</a:t>
+            </a:r>
+            <a:r>
+              <a:rPr lang="en-US" altLang="ja-JP" sz="2267" dirty="0"/>
+              <a:t>/documentation/</a:t>
+            </a:r>
+            <a:endParaRPr lang="en-US" altLang="ja-JP" sz="2267" dirty="0" smtClean="0"/>
+          </a:p>
+          <a:p>
+            <a:r>
+              <a:rPr lang="ja-JP" altLang="en-US" sz="2400" dirty="0"/>
+              <a:t>プチザッキ</a:t>
+            </a:r>
+            <a:endParaRPr lang="en-US" altLang="ja-JP" sz="2400" dirty="0"/>
+          </a:p>
+          <a:p>
+            <a:pPr lvl="1"/>
+            <a:r>
+              <a:rPr lang="en-US" altLang="ja-JP" sz="1867" dirty="0"/>
+              <a:t>https://</a:t>
+            </a:r>
+            <a:r>
+              <a:rPr lang="en-US" altLang="ja-JP" sz="1867" dirty="0" err="1"/>
+              <a:t>buchizo.wordpress.com</a:t>
+            </a:r>
+            <a:r>
+              <a:rPr lang="en-US" altLang="ja-JP" sz="1867" dirty="0"/>
+              <a:t>/</a:t>
+            </a:r>
+          </a:p>
+          <a:p>
+            <a:r>
+              <a:rPr lang="en-US" altLang="ja-JP" sz="2400" dirty="0" smtClean="0"/>
+              <a:t>Azure</a:t>
+            </a:r>
+            <a:r>
+              <a:rPr lang="ja-JP" altLang="en-US" sz="2400" dirty="0"/>
+              <a:t>ブログ</a:t>
+            </a:r>
+            <a:r>
+              <a:rPr lang="ja-JP" altLang="en-US" sz="2400" dirty="0" smtClean="0"/>
+              <a:t>まとめ</a:t>
+            </a:r>
+            <a:endParaRPr lang="en-US" altLang="ja-JP" sz="2400" dirty="0"/>
+          </a:p>
+          <a:p>
+            <a:pPr lvl="1"/>
+            <a:r>
+              <a:rPr lang="en-US" altLang="ja-JP" sz="1867" dirty="0"/>
+              <a:t>https://</a:t>
+            </a:r>
+            <a:r>
+              <a:rPr lang="en-US" altLang="ja-JP" sz="1867" dirty="0" err="1"/>
+              <a:t>azurejp.azurewebsites.net</a:t>
+            </a:r>
+            <a:r>
+              <a:rPr lang="en-US" altLang="ja-JP" sz="1867" dirty="0" smtClean="0"/>
+              <a:t>/</a:t>
+            </a:r>
+          </a:p>
+          <a:p>
+            <a:r>
+              <a:rPr lang="en-US" altLang="ja-JP" sz="2400" dirty="0"/>
+              <a:t>Microsoft Virtual Academy</a:t>
+            </a:r>
+          </a:p>
+          <a:p>
+            <a:pPr lvl="1"/>
+            <a:r>
+              <a:rPr lang="en-US" altLang="ja-JP" sz="1867" dirty="0"/>
+              <a:t>https://</a:t>
+            </a:r>
+            <a:r>
+              <a:rPr lang="en-US" altLang="ja-JP" sz="1867" dirty="0" err="1"/>
+              <a:t>mva.microsoft.com</a:t>
+            </a:r>
+            <a:r>
+              <a:rPr lang="en-US" altLang="ja-JP" sz="1867" dirty="0"/>
+              <a:t>/</a:t>
+            </a:r>
+          </a:p>
+          <a:p>
+            <a:pPr lvl="1"/>
+            <a:endParaRPr lang="en-US" altLang="ja-JP" sz="2800" dirty="0"/>
+          </a:p>
+          <a:p>
+            <a:endParaRPr lang="en-US" altLang="ja-JP" sz="2800" dirty="0"/>
+          </a:p>
+        </p:txBody>
+      </p:sp>
+    </p:spTree>
+    <p:extLst>
+      <p:ext uri="{BB962C8B-B14F-4D97-AF65-F5344CB8AC3E}">
+        <p14:creationId xmlns:p14="http://schemas.microsoft.com/office/powerpoint/2010/main" val="2084919992"/>
+      </p:ext>
+    </p:extLst>
+  </p:cSld>
+  <p:clrMapOvr>
+    <a:masterClrMapping/>
+  </p:clrMapOvr>
+  <p:timing>
+    <p:tnLst>
+      <p:par>
+        <p:cTn xmlns:p14="http://schemas.microsoft.com/office/powerpoint/2010/main" id="1" dur="indefinite" restart="never" nodeType="tmRoot"/>
+      </p:par>
+    </p:tnLst>
+  </p:timing>
+</p:sld>
+</file>
+
+<file path=ppt/slides/slide68.xml><?xml version="1.0" encoding="utf-8"?>
+<p:sld xmlns:a="http://schemas.openxmlformats.org/drawingml/2006/main" xmlns:r="http://schemas.openxmlformats.org/officeDocument/2006/relationships" xmlns:p="http://schemas.openxmlformats.org/presentationml/2006/main">
+  <p:cSld>
+    <p:spTree>
+      <p:nvGrpSpPr>
+        <p:cNvPr id="1" name=""/>
+        <p:cNvGrpSpPr/>
+        <p:nvPr/>
+      </p:nvGrpSpPr>
+      <p:grpSpPr>
+        <a:xfrm>
+          <a:off x="0" y="0"/>
+          <a:ext cx="0" cy="0"/>
+          <a:chOff x="0" y="0"/>
+          <a:chExt cx="0" cy="0"/>
+        </a:xfrm>
+      </p:grpSpPr>
+      <p:sp>
+        <p:nvSpPr>
+          <p:cNvPr id="2" name="タイトル 1"/>
+          <p:cNvSpPr>
+            <a:spLocks noGrp="1"/>
+          </p:cNvSpPr>
+          <p:nvPr>
+            <p:ph type="title"/>
+          </p:nvPr>
+        </p:nvSpPr>
+        <p:spPr/>
+        <p:txBody>
+          <a:bodyPr/>
+          <a:lstStyle/>
+          <a:p>
+            <a:r>
               <a:rPr kumimoji="1" lang="ja-JP" altLang="en-US" dirty="0" smtClean="0"/>
               <a:t>ユーザーコミュニティ</a:t>
             </a:r>
@@ -40120,7 +42206,7 @@
 </p:sld>
 </file>
 
-<file path=ppt/slides/slide61.xml><?xml version="1.0" encoding="utf-8"?>
+<file path=ppt/slides/slide69.xml><?xml version="1.0" encoding="utf-8"?>
 <p:sld xmlns:a="http://schemas.openxmlformats.org/drawingml/2006/main" xmlns:r="http://schemas.openxmlformats.org/officeDocument/2006/relationships" xmlns:p="http://schemas.openxmlformats.org/presentationml/2006/main">
   <p:cSld>
     <p:spTree>
@@ -40312,11 +42398,7 @@
             </a:r>
             <a:r>
               <a:rPr kumimoji="1" lang="ja-JP" altLang="en-US" sz="3600" dirty="0" smtClean="0"/>
-              <a:t>を</a:t>
-            </a:r>
-            <a:r>
-              <a:rPr kumimoji="1" lang="ja-JP" altLang="en-US" sz="3600" dirty="0" smtClean="0"/>
-              <a:t>支えているサービスだったりするよ</a:t>
+              <a:t>を支えているサービスだったりするよ</a:t>
             </a:r>
             <a:endParaRPr lang="en-US" altLang="ja-JP" sz="3600" dirty="0"/>
           </a:p>
@@ -40612,11 +42694,7 @@
             </a:r>
             <a:r>
               <a:rPr kumimoji="1" lang="ja-JP" altLang="en-US" sz="3600" dirty="0" smtClean="0"/>
-              <a:t>を</a:t>
-            </a:r>
-            <a:r>
-              <a:rPr kumimoji="1" lang="ja-JP" altLang="en-US" sz="3600" dirty="0" smtClean="0"/>
-              <a:t>支えているサービスだったりするよ</a:t>
+              <a:t>を支えているサービスだったりするよ</a:t>
             </a:r>
             <a:endParaRPr lang="en-US" altLang="ja-JP" sz="3600" dirty="0"/>
           </a:p>
@@ -40986,7 +43064,7 @@
   <a:extraClrSchemeLst/>
   <a:extLst>
     <a:ext uri="{05A4C25C-085E-4340-85A3-A5531E510DB2}">
-      <thm15:themeFamily xmlns:thm15="http://schemas.microsoft.com/office/thememl/2012/main" xmlns="" name="IoT_Team.pptx" id="{BAAC0D9F-7634-48BD-A88E-D690AF8CE5C6}" vid="{FDD74696-2EE9-4C7D-81AB-F24CBC172B66}"/>
+      <thm15:themeFamily xmlns="" xmlns:thm15="http://schemas.microsoft.com/office/thememl/2012/main" name="IoT_Team.pptx" id="{BAAC0D9F-7634-48BD-A88E-D690AF8CE5C6}" vid="{FDD74696-2EE9-4C7D-81AB-F24CBC172B66}"/>
     </a:ext>
   </a:extLst>
 </a:theme>
